--- a/Algorytmy/Sito Eratostenesa.pptx
+++ b/Algorytmy/Sito Eratostenesa.pptx
@@ -174,6 +174,3034 @@
 </pc:chgInfo>
 </file>
 
+<file path=ppt/diagrams/colors1.xml><?xml version="1.0" encoding="utf-8"?>
+<dgm:colorsDef xmlns:dgm="http://schemas.openxmlformats.org/drawingml/2006/diagram" xmlns:a="http://schemas.openxmlformats.org/drawingml/2006/main" uniqueId="urn:microsoft.com/office/officeart/2005/8/colors/accent2_2">
+  <dgm:title val=""/>
+  <dgm:desc val=""/>
+  <dgm:catLst>
+    <dgm:cat type="accent2" pri="11200"/>
+  </dgm:catLst>
+  <dgm:styleLbl name="node0">
+    <dgm:fillClrLst meth="repeat">
+      <a:schemeClr val="accent2"/>
+    </dgm:fillClrLst>
+    <dgm:linClrLst meth="repeat">
+      <a:schemeClr val="lt1"/>
+    </dgm:linClrLst>
+    <dgm:effectClrLst/>
+    <dgm:txLinClrLst/>
+    <dgm:txFillClrLst/>
+    <dgm:txEffectClrLst/>
+  </dgm:styleLbl>
+  <dgm:styleLbl name="node1">
+    <dgm:fillClrLst meth="repeat">
+      <a:schemeClr val="accent2"/>
+    </dgm:fillClrLst>
+    <dgm:linClrLst meth="repeat">
+      <a:schemeClr val="lt1"/>
+    </dgm:linClrLst>
+    <dgm:effectClrLst/>
+    <dgm:txLinClrLst/>
+    <dgm:txFillClrLst/>
+    <dgm:txEffectClrLst/>
+  </dgm:styleLbl>
+  <dgm:styleLbl name="alignNode1">
+    <dgm:fillClrLst meth="repeat">
+      <a:schemeClr val="accent2"/>
+    </dgm:fillClrLst>
+    <dgm:linClrLst meth="repeat">
+      <a:schemeClr val="accent2"/>
+    </dgm:linClrLst>
+    <dgm:effectClrLst/>
+    <dgm:txLinClrLst/>
+    <dgm:txFillClrLst/>
+    <dgm:txEffectClrLst/>
+  </dgm:styleLbl>
+  <dgm:styleLbl name="lnNode1">
+    <dgm:fillClrLst meth="repeat">
+      <a:schemeClr val="accent2"/>
+    </dgm:fillClrLst>
+    <dgm:linClrLst meth="repeat">
+      <a:schemeClr val="lt1"/>
+    </dgm:linClrLst>
+    <dgm:effectClrLst/>
+    <dgm:txLinClrLst/>
+    <dgm:txFillClrLst/>
+    <dgm:txEffectClrLst/>
+  </dgm:styleLbl>
+  <dgm:styleLbl name="vennNode1">
+    <dgm:fillClrLst meth="repeat">
+      <a:schemeClr val="accent2">
+        <a:alpha val="50000"/>
+      </a:schemeClr>
+    </dgm:fillClrLst>
+    <dgm:linClrLst meth="repeat">
+      <a:schemeClr val="lt1"/>
+    </dgm:linClrLst>
+    <dgm:effectClrLst/>
+    <dgm:txLinClrLst/>
+    <dgm:txFillClrLst/>
+    <dgm:txEffectClrLst/>
+  </dgm:styleLbl>
+  <dgm:styleLbl name="node2">
+    <dgm:fillClrLst meth="repeat">
+      <a:schemeClr val="accent2"/>
+    </dgm:fillClrLst>
+    <dgm:linClrLst meth="repeat">
+      <a:schemeClr val="lt1"/>
+    </dgm:linClrLst>
+    <dgm:effectClrLst/>
+    <dgm:txLinClrLst/>
+    <dgm:txFillClrLst/>
+    <dgm:txEffectClrLst/>
+  </dgm:styleLbl>
+  <dgm:styleLbl name="node3">
+    <dgm:fillClrLst meth="repeat">
+      <a:schemeClr val="accent2"/>
+    </dgm:fillClrLst>
+    <dgm:linClrLst meth="repeat">
+      <a:schemeClr val="lt1"/>
+    </dgm:linClrLst>
+    <dgm:effectClrLst/>
+    <dgm:txLinClrLst/>
+    <dgm:txFillClrLst/>
+    <dgm:txEffectClrLst/>
+  </dgm:styleLbl>
+  <dgm:styleLbl name="node4">
+    <dgm:fillClrLst meth="repeat">
+      <a:schemeClr val="accent2"/>
+    </dgm:fillClrLst>
+    <dgm:linClrLst meth="repeat">
+      <a:schemeClr val="lt1"/>
+    </dgm:linClrLst>
+    <dgm:effectClrLst/>
+    <dgm:txLinClrLst/>
+    <dgm:txFillClrLst/>
+    <dgm:txEffectClrLst/>
+  </dgm:styleLbl>
+  <dgm:styleLbl name="fgImgPlace1">
+    <dgm:fillClrLst meth="repeat">
+      <a:schemeClr val="accent2">
+        <a:tint val="50000"/>
+      </a:schemeClr>
+    </dgm:fillClrLst>
+    <dgm:linClrLst meth="repeat">
+      <a:schemeClr val="lt1"/>
+    </dgm:linClrLst>
+    <dgm:effectClrLst/>
+    <dgm:txLinClrLst/>
+    <dgm:txFillClrLst meth="repeat">
+      <a:schemeClr val="lt1"/>
+    </dgm:txFillClrLst>
+    <dgm:txEffectClrLst/>
+  </dgm:styleLbl>
+  <dgm:styleLbl name="alignImgPlace1">
+    <dgm:fillClrLst meth="repeat">
+      <a:schemeClr val="accent2">
+        <a:tint val="50000"/>
+      </a:schemeClr>
+    </dgm:fillClrLst>
+    <dgm:linClrLst meth="repeat">
+      <a:schemeClr val="lt1"/>
+    </dgm:linClrLst>
+    <dgm:effectClrLst/>
+    <dgm:txLinClrLst/>
+    <dgm:txFillClrLst meth="repeat">
+      <a:schemeClr val="lt1"/>
+    </dgm:txFillClrLst>
+    <dgm:txEffectClrLst/>
+  </dgm:styleLbl>
+  <dgm:styleLbl name="bgImgPlace1">
+    <dgm:fillClrLst meth="repeat">
+      <a:schemeClr val="accent2">
+        <a:tint val="50000"/>
+      </a:schemeClr>
+    </dgm:fillClrLst>
+    <dgm:linClrLst meth="repeat">
+      <a:schemeClr val="lt1"/>
+    </dgm:linClrLst>
+    <dgm:effectClrLst/>
+    <dgm:txLinClrLst/>
+    <dgm:txFillClrLst meth="repeat">
+      <a:schemeClr val="lt1"/>
+    </dgm:txFillClrLst>
+    <dgm:txEffectClrLst/>
+  </dgm:styleLbl>
+  <dgm:styleLbl name="sibTrans2D1">
+    <dgm:fillClrLst meth="repeat">
+      <a:schemeClr val="accent2">
+        <a:tint val="60000"/>
+      </a:schemeClr>
+    </dgm:fillClrLst>
+    <dgm:linClrLst meth="repeat">
+      <a:schemeClr val="accent2">
+        <a:tint val="60000"/>
+      </a:schemeClr>
+    </dgm:linClrLst>
+    <dgm:effectClrLst/>
+    <dgm:txLinClrLst/>
+    <dgm:txFillClrLst/>
+    <dgm:txEffectClrLst/>
+  </dgm:styleLbl>
+  <dgm:styleLbl name="fgSibTrans2D1">
+    <dgm:fillClrLst meth="repeat">
+      <a:schemeClr val="accent2">
+        <a:tint val="60000"/>
+      </a:schemeClr>
+    </dgm:fillClrLst>
+    <dgm:linClrLst meth="repeat">
+      <a:schemeClr val="accent2">
+        <a:tint val="60000"/>
+      </a:schemeClr>
+    </dgm:linClrLst>
+    <dgm:effectClrLst/>
+    <dgm:txLinClrLst/>
+    <dgm:txFillClrLst/>
+    <dgm:txEffectClrLst/>
+  </dgm:styleLbl>
+  <dgm:styleLbl name="bgSibTrans2D1">
+    <dgm:fillClrLst meth="repeat">
+      <a:schemeClr val="accent2">
+        <a:tint val="60000"/>
+      </a:schemeClr>
+    </dgm:fillClrLst>
+    <dgm:linClrLst meth="repeat">
+      <a:schemeClr val="accent2">
+        <a:tint val="60000"/>
+      </a:schemeClr>
+    </dgm:linClrLst>
+    <dgm:effectClrLst/>
+    <dgm:txLinClrLst/>
+    <dgm:txFillClrLst/>
+    <dgm:txEffectClrLst/>
+  </dgm:styleLbl>
+  <dgm:styleLbl name="sibTrans1D1">
+    <dgm:fillClrLst meth="repeat">
+      <a:schemeClr val="accent2"/>
+    </dgm:fillClrLst>
+    <dgm:linClrLst meth="repeat">
+      <a:schemeClr val="accent2"/>
+    </dgm:linClrLst>
+    <dgm:effectClrLst/>
+    <dgm:txLinClrLst/>
+    <dgm:txFillClrLst meth="repeat">
+      <a:schemeClr val="tx1"/>
+    </dgm:txFillClrLst>
+    <dgm:txEffectClrLst/>
+  </dgm:styleLbl>
+  <dgm:styleLbl name="callout">
+    <dgm:fillClrLst meth="repeat">
+      <a:schemeClr val="accent2"/>
+    </dgm:fillClrLst>
+    <dgm:linClrLst meth="repeat">
+      <a:schemeClr val="accent2">
+        <a:tint val="50000"/>
+      </a:schemeClr>
+    </dgm:linClrLst>
+    <dgm:effectClrLst/>
+    <dgm:txLinClrLst/>
+    <dgm:txFillClrLst meth="repeat">
+      <a:schemeClr val="tx1"/>
+    </dgm:txFillClrLst>
+    <dgm:txEffectClrLst/>
+  </dgm:styleLbl>
+  <dgm:styleLbl name="asst0">
+    <dgm:fillClrLst meth="repeat">
+      <a:schemeClr val="accent2"/>
+    </dgm:fillClrLst>
+    <dgm:linClrLst meth="repeat">
+      <a:schemeClr val="lt1"/>
+    </dgm:linClrLst>
+    <dgm:effectClrLst/>
+    <dgm:txLinClrLst/>
+    <dgm:txFillClrLst/>
+    <dgm:txEffectClrLst/>
+  </dgm:styleLbl>
+  <dgm:styleLbl name="asst1">
+    <dgm:fillClrLst meth="repeat">
+      <a:schemeClr val="accent2"/>
+    </dgm:fillClrLst>
+    <dgm:linClrLst meth="repeat">
+      <a:schemeClr val="lt1"/>
+    </dgm:linClrLst>
+    <dgm:effectClrLst/>
+    <dgm:txLinClrLst/>
+    <dgm:txFillClrLst/>
+    <dgm:txEffectClrLst/>
+  </dgm:styleLbl>
+  <dgm:styleLbl name="asst2">
+    <dgm:fillClrLst meth="repeat">
+      <a:schemeClr val="accent2"/>
+    </dgm:fillClrLst>
+    <dgm:linClrLst meth="repeat">
+      <a:schemeClr val="lt1"/>
+    </dgm:linClrLst>
+    <dgm:effectClrLst/>
+    <dgm:txLinClrLst/>
+    <dgm:txFillClrLst/>
+    <dgm:txEffectClrLst/>
+  </dgm:styleLbl>
+  <dgm:styleLbl name="asst3">
+    <dgm:fillClrLst meth="repeat">
+      <a:schemeClr val="accent2"/>
+    </dgm:fillClrLst>
+    <dgm:linClrLst meth="repeat">
+      <a:schemeClr val="lt1"/>
+    </dgm:linClrLst>
+    <dgm:effectClrLst/>
+    <dgm:txLinClrLst/>
+    <dgm:txFillClrLst/>
+    <dgm:txEffectClrLst/>
+  </dgm:styleLbl>
+  <dgm:styleLbl name="asst4">
+    <dgm:fillClrLst meth="repeat">
+      <a:schemeClr val="accent2"/>
+    </dgm:fillClrLst>
+    <dgm:linClrLst meth="repeat">
+      <a:schemeClr val="lt1"/>
+    </dgm:linClrLst>
+    <dgm:effectClrLst/>
+    <dgm:txLinClrLst/>
+    <dgm:txFillClrLst/>
+    <dgm:txEffectClrLst/>
+  </dgm:styleLbl>
+  <dgm:styleLbl name="parChTrans2D1">
+    <dgm:fillClrLst meth="repeat">
+      <a:schemeClr val="accent2">
+        <a:tint val="60000"/>
+      </a:schemeClr>
+    </dgm:fillClrLst>
+    <dgm:linClrLst meth="repeat">
+      <a:schemeClr val="accent2">
+        <a:tint val="60000"/>
+      </a:schemeClr>
+    </dgm:linClrLst>
+    <dgm:effectClrLst/>
+    <dgm:txLinClrLst/>
+    <dgm:txFillClrLst meth="repeat">
+      <a:schemeClr val="lt1"/>
+    </dgm:txFillClrLst>
+    <dgm:txEffectClrLst/>
+  </dgm:styleLbl>
+  <dgm:styleLbl name="parChTrans2D2">
+    <dgm:fillClrLst meth="repeat">
+      <a:schemeClr val="accent2"/>
+    </dgm:fillClrLst>
+    <dgm:linClrLst meth="repeat">
+      <a:schemeClr val="accent2"/>
+    </dgm:linClrLst>
+    <dgm:effectClrLst/>
+    <dgm:txLinClrLst/>
+    <dgm:txFillClrLst meth="repeat">
+      <a:schemeClr val="lt1"/>
+    </dgm:txFillClrLst>
+    <dgm:txEffectClrLst/>
+  </dgm:styleLbl>
+  <dgm:styleLbl name="parChTrans2D3">
+    <dgm:fillClrLst meth="repeat">
+      <a:schemeClr val="accent2"/>
+    </dgm:fillClrLst>
+    <dgm:linClrLst meth="repeat">
+      <a:schemeClr val="accent2"/>
+    </dgm:linClrLst>
+    <dgm:effectClrLst/>
+    <dgm:txLinClrLst/>
+    <dgm:txFillClrLst meth="repeat">
+      <a:schemeClr val="lt1"/>
+    </dgm:txFillClrLst>
+    <dgm:txEffectClrLst/>
+  </dgm:styleLbl>
+  <dgm:styleLbl name="parChTrans2D4">
+    <dgm:fillClrLst meth="repeat">
+      <a:schemeClr val="accent2"/>
+    </dgm:fillClrLst>
+    <dgm:linClrLst meth="repeat">
+      <a:schemeClr val="accent2"/>
+    </dgm:linClrLst>
+    <dgm:effectClrLst/>
+    <dgm:txLinClrLst/>
+    <dgm:txFillClrLst meth="repeat">
+      <a:schemeClr val="lt1"/>
+    </dgm:txFillClrLst>
+    <dgm:txEffectClrLst/>
+  </dgm:styleLbl>
+  <dgm:styleLbl name="parChTrans1D1">
+    <dgm:fillClrLst meth="repeat">
+      <a:schemeClr val="accent2"/>
+    </dgm:fillClrLst>
+    <dgm:linClrLst meth="repeat">
+      <a:schemeClr val="accent2">
+        <a:shade val="60000"/>
+      </a:schemeClr>
+    </dgm:linClrLst>
+    <dgm:effectClrLst/>
+    <dgm:txLinClrLst/>
+    <dgm:txFillClrLst meth="repeat">
+      <a:schemeClr val="tx1"/>
+    </dgm:txFillClrLst>
+    <dgm:txEffectClrLst/>
+  </dgm:styleLbl>
+  <dgm:styleLbl name="parChTrans1D2">
+    <dgm:fillClrLst meth="repeat">
+      <a:schemeClr val="accent2"/>
+    </dgm:fillClrLst>
+    <dgm:linClrLst meth="repeat">
+      <a:schemeClr val="accent2">
+        <a:shade val="60000"/>
+      </a:schemeClr>
+    </dgm:linClrLst>
+    <dgm:effectClrLst/>
+    <dgm:txLinClrLst/>
+    <dgm:txFillClrLst meth="repeat">
+      <a:schemeClr val="tx1"/>
+    </dgm:txFillClrLst>
+    <dgm:txEffectClrLst/>
+  </dgm:styleLbl>
+  <dgm:styleLbl name="parChTrans1D3">
+    <dgm:fillClrLst meth="repeat">
+      <a:schemeClr val="accent2"/>
+    </dgm:fillClrLst>
+    <dgm:linClrLst meth="repeat">
+      <a:schemeClr val="accent2">
+        <a:shade val="80000"/>
+      </a:schemeClr>
+    </dgm:linClrLst>
+    <dgm:effectClrLst/>
+    <dgm:txLinClrLst/>
+    <dgm:txFillClrLst meth="repeat">
+      <a:schemeClr val="tx1"/>
+    </dgm:txFillClrLst>
+    <dgm:txEffectClrLst/>
+  </dgm:styleLbl>
+  <dgm:styleLbl name="parChTrans1D4">
+    <dgm:fillClrLst meth="repeat">
+      <a:schemeClr val="accent2"/>
+    </dgm:fillClrLst>
+    <dgm:linClrLst meth="repeat">
+      <a:schemeClr val="accent2">
+        <a:shade val="80000"/>
+      </a:schemeClr>
+    </dgm:linClrLst>
+    <dgm:effectClrLst/>
+    <dgm:txLinClrLst/>
+    <dgm:txFillClrLst meth="repeat">
+      <a:schemeClr val="tx1"/>
+    </dgm:txFillClrLst>
+    <dgm:txEffectClrLst/>
+  </dgm:styleLbl>
+  <dgm:styleLbl name="fgAcc1">
+    <dgm:fillClrLst meth="repeat">
+      <a:schemeClr val="lt1">
+        <a:alpha val="90000"/>
+      </a:schemeClr>
+    </dgm:fillClrLst>
+    <dgm:linClrLst meth="repeat">
+      <a:schemeClr val="accent2"/>
+    </dgm:linClrLst>
+    <dgm:effectClrLst/>
+    <dgm:txLinClrLst/>
+    <dgm:txFillClrLst meth="repeat">
+      <a:schemeClr val="dk1"/>
+    </dgm:txFillClrLst>
+    <dgm:txEffectClrLst/>
+  </dgm:styleLbl>
+  <dgm:styleLbl name="conFgAcc1">
+    <dgm:fillClrLst meth="repeat">
+      <a:schemeClr val="lt1">
+        <a:alpha val="90000"/>
+      </a:schemeClr>
+    </dgm:fillClrLst>
+    <dgm:linClrLst meth="repeat">
+      <a:schemeClr val="accent2"/>
+    </dgm:linClrLst>
+    <dgm:effectClrLst/>
+    <dgm:txLinClrLst/>
+    <dgm:txFillClrLst meth="repeat">
+      <a:schemeClr val="dk1"/>
+    </dgm:txFillClrLst>
+    <dgm:txEffectClrLst/>
+  </dgm:styleLbl>
+  <dgm:styleLbl name="alignAcc1">
+    <dgm:fillClrLst meth="repeat">
+      <a:schemeClr val="lt1">
+        <a:alpha val="90000"/>
+      </a:schemeClr>
+    </dgm:fillClrLst>
+    <dgm:linClrLst meth="repeat">
+      <a:schemeClr val="accent2"/>
+    </dgm:linClrLst>
+    <dgm:effectClrLst/>
+    <dgm:txLinClrLst/>
+    <dgm:txFillClrLst meth="repeat">
+      <a:schemeClr val="dk1"/>
+    </dgm:txFillClrLst>
+    <dgm:txEffectClrLst/>
+  </dgm:styleLbl>
+  <dgm:styleLbl name="trAlignAcc1">
+    <dgm:fillClrLst meth="repeat">
+      <a:schemeClr val="lt1">
+        <a:alpha val="40000"/>
+      </a:schemeClr>
+    </dgm:fillClrLst>
+    <dgm:linClrLst meth="repeat">
+      <a:schemeClr val="accent2"/>
+    </dgm:linClrLst>
+    <dgm:effectClrLst/>
+    <dgm:txLinClrLst/>
+    <dgm:txFillClrLst meth="repeat">
+      <a:schemeClr val="dk1"/>
+    </dgm:txFillClrLst>
+    <dgm:txEffectClrLst/>
+  </dgm:styleLbl>
+  <dgm:styleLbl name="bgAcc1">
+    <dgm:fillClrLst meth="repeat">
+      <a:schemeClr val="lt1">
+        <a:alpha val="90000"/>
+      </a:schemeClr>
+    </dgm:fillClrLst>
+    <dgm:linClrLst meth="repeat">
+      <a:schemeClr val="accent2"/>
+    </dgm:linClrLst>
+    <dgm:effectClrLst/>
+    <dgm:txLinClrLst/>
+    <dgm:txFillClrLst meth="repeat">
+      <a:schemeClr val="dk1"/>
+    </dgm:txFillClrLst>
+    <dgm:txEffectClrLst/>
+  </dgm:styleLbl>
+  <dgm:styleLbl name="solidFgAcc1">
+    <dgm:fillClrLst meth="repeat">
+      <a:schemeClr val="lt1"/>
+    </dgm:fillClrLst>
+    <dgm:linClrLst meth="repeat">
+      <a:schemeClr val="accent2"/>
+    </dgm:linClrLst>
+    <dgm:effectClrLst/>
+    <dgm:txLinClrLst/>
+    <dgm:txFillClrLst meth="repeat">
+      <a:schemeClr val="dk1"/>
+    </dgm:txFillClrLst>
+    <dgm:txEffectClrLst/>
+  </dgm:styleLbl>
+  <dgm:styleLbl name="solidAlignAcc1">
+    <dgm:fillClrLst meth="repeat">
+      <a:schemeClr val="lt1"/>
+    </dgm:fillClrLst>
+    <dgm:linClrLst meth="repeat">
+      <a:schemeClr val="accent2"/>
+    </dgm:linClrLst>
+    <dgm:effectClrLst/>
+    <dgm:txLinClrLst/>
+    <dgm:txFillClrLst meth="repeat">
+      <a:schemeClr val="dk1"/>
+    </dgm:txFillClrLst>
+    <dgm:txEffectClrLst/>
+  </dgm:styleLbl>
+  <dgm:styleLbl name="solidBgAcc1">
+    <dgm:fillClrLst meth="repeat">
+      <a:schemeClr val="lt1"/>
+    </dgm:fillClrLst>
+    <dgm:linClrLst meth="repeat">
+      <a:schemeClr val="accent2"/>
+    </dgm:linClrLst>
+    <dgm:effectClrLst/>
+    <dgm:txLinClrLst/>
+    <dgm:txFillClrLst meth="repeat">
+      <a:schemeClr val="dk1"/>
+    </dgm:txFillClrLst>
+    <dgm:txEffectClrLst/>
+  </dgm:styleLbl>
+  <dgm:styleLbl name="fgAccFollowNode1">
+    <dgm:fillClrLst meth="repeat">
+      <a:schemeClr val="accent2">
+        <a:alpha val="90000"/>
+        <a:tint val="40000"/>
+      </a:schemeClr>
+    </dgm:fillClrLst>
+    <dgm:linClrLst meth="repeat">
+      <a:schemeClr val="accent2">
+        <a:alpha val="90000"/>
+        <a:tint val="40000"/>
+      </a:schemeClr>
+    </dgm:linClrLst>
+    <dgm:effectClrLst/>
+    <dgm:txLinClrLst/>
+    <dgm:txFillClrLst meth="repeat">
+      <a:schemeClr val="dk1"/>
+    </dgm:txFillClrLst>
+    <dgm:txEffectClrLst/>
+  </dgm:styleLbl>
+  <dgm:styleLbl name="alignAccFollowNode1">
+    <dgm:fillClrLst meth="repeat">
+      <a:schemeClr val="accent2">
+        <a:alpha val="90000"/>
+        <a:tint val="40000"/>
+      </a:schemeClr>
+    </dgm:fillClrLst>
+    <dgm:linClrLst meth="repeat">
+      <a:schemeClr val="accent2">
+        <a:alpha val="90000"/>
+        <a:tint val="40000"/>
+      </a:schemeClr>
+    </dgm:linClrLst>
+    <dgm:effectClrLst/>
+    <dgm:txLinClrLst/>
+    <dgm:txFillClrLst meth="repeat">
+      <a:schemeClr val="dk1"/>
+    </dgm:txFillClrLst>
+    <dgm:txEffectClrLst/>
+  </dgm:styleLbl>
+  <dgm:styleLbl name="bgAccFollowNode1">
+    <dgm:fillClrLst meth="repeat">
+      <a:schemeClr val="accent2">
+        <a:alpha val="90000"/>
+        <a:tint val="40000"/>
+      </a:schemeClr>
+    </dgm:fillClrLst>
+    <dgm:linClrLst meth="repeat">
+      <a:schemeClr val="accent2">
+        <a:alpha val="90000"/>
+        <a:tint val="40000"/>
+      </a:schemeClr>
+    </dgm:linClrLst>
+    <dgm:effectClrLst/>
+    <dgm:txLinClrLst/>
+    <dgm:txFillClrLst meth="repeat">
+      <a:schemeClr val="dk1"/>
+    </dgm:txFillClrLst>
+    <dgm:txEffectClrLst/>
+  </dgm:styleLbl>
+  <dgm:styleLbl name="fgAcc0">
+    <dgm:fillClrLst meth="repeat">
+      <a:schemeClr val="lt1">
+        <a:alpha val="90000"/>
+      </a:schemeClr>
+    </dgm:fillClrLst>
+    <dgm:linClrLst meth="repeat">
+      <a:schemeClr val="accent2"/>
+    </dgm:linClrLst>
+    <dgm:effectClrLst/>
+    <dgm:txLinClrLst/>
+    <dgm:txFillClrLst meth="repeat">
+      <a:schemeClr val="dk1"/>
+    </dgm:txFillClrLst>
+    <dgm:txEffectClrLst/>
+  </dgm:styleLbl>
+  <dgm:styleLbl name="fgAcc2">
+    <dgm:fillClrLst meth="repeat">
+      <a:schemeClr val="lt1">
+        <a:alpha val="90000"/>
+      </a:schemeClr>
+    </dgm:fillClrLst>
+    <dgm:linClrLst meth="repeat">
+      <a:schemeClr val="accent2"/>
+    </dgm:linClrLst>
+    <dgm:effectClrLst/>
+    <dgm:txLinClrLst/>
+    <dgm:txFillClrLst meth="repeat">
+      <a:schemeClr val="dk1"/>
+    </dgm:txFillClrLst>
+    <dgm:txEffectClrLst/>
+  </dgm:styleLbl>
+  <dgm:styleLbl name="fgAcc3">
+    <dgm:fillClrLst meth="repeat">
+      <a:schemeClr val="lt1">
+        <a:alpha val="90000"/>
+      </a:schemeClr>
+    </dgm:fillClrLst>
+    <dgm:linClrLst meth="repeat">
+      <a:schemeClr val="accent2"/>
+    </dgm:linClrLst>
+    <dgm:effectClrLst/>
+    <dgm:txLinClrLst/>
+    <dgm:txFillClrLst meth="repeat">
+      <a:schemeClr val="dk1"/>
+    </dgm:txFillClrLst>
+    <dgm:txEffectClrLst/>
+  </dgm:styleLbl>
+  <dgm:styleLbl name="fgAcc4">
+    <dgm:fillClrLst meth="repeat">
+      <a:schemeClr val="lt1">
+        <a:alpha val="90000"/>
+      </a:schemeClr>
+    </dgm:fillClrLst>
+    <dgm:linClrLst meth="repeat">
+      <a:schemeClr val="accent2"/>
+    </dgm:linClrLst>
+    <dgm:effectClrLst/>
+    <dgm:txLinClrLst/>
+    <dgm:txFillClrLst meth="repeat">
+      <a:schemeClr val="dk1"/>
+    </dgm:txFillClrLst>
+    <dgm:txEffectClrLst/>
+  </dgm:styleLbl>
+  <dgm:styleLbl name="bgShp">
+    <dgm:fillClrLst meth="repeat">
+      <a:schemeClr val="accent2">
+        <a:tint val="40000"/>
+      </a:schemeClr>
+    </dgm:fillClrLst>
+    <dgm:linClrLst meth="repeat">
+      <a:schemeClr val="accent2"/>
+    </dgm:linClrLst>
+    <dgm:effectClrLst/>
+    <dgm:txLinClrLst/>
+    <dgm:txFillClrLst meth="repeat">
+      <a:schemeClr val="dk1"/>
+    </dgm:txFillClrLst>
+    <dgm:txEffectClrLst/>
+  </dgm:styleLbl>
+  <dgm:styleLbl name="dkBgShp">
+    <dgm:fillClrLst meth="repeat">
+      <a:schemeClr val="accent2">
+        <a:shade val="80000"/>
+      </a:schemeClr>
+    </dgm:fillClrLst>
+    <dgm:linClrLst meth="repeat">
+      <a:schemeClr val="accent2"/>
+    </dgm:linClrLst>
+    <dgm:effectClrLst/>
+    <dgm:txLinClrLst/>
+    <dgm:txFillClrLst meth="repeat">
+      <a:schemeClr val="lt1"/>
+    </dgm:txFillClrLst>
+    <dgm:txEffectClrLst/>
+  </dgm:styleLbl>
+  <dgm:styleLbl name="trBgShp">
+    <dgm:fillClrLst meth="repeat">
+      <a:schemeClr val="accent2">
+        <a:tint val="50000"/>
+        <a:alpha val="40000"/>
+      </a:schemeClr>
+    </dgm:fillClrLst>
+    <dgm:linClrLst meth="repeat">
+      <a:schemeClr val="accent2"/>
+    </dgm:linClrLst>
+    <dgm:effectClrLst/>
+    <dgm:txLinClrLst/>
+    <dgm:txFillClrLst meth="repeat">
+      <a:schemeClr val="lt1"/>
+    </dgm:txFillClrLst>
+    <dgm:txEffectClrLst/>
+  </dgm:styleLbl>
+  <dgm:styleLbl name="fgShp">
+    <dgm:fillClrLst meth="repeat">
+      <a:schemeClr val="accent2">
+        <a:tint val="60000"/>
+      </a:schemeClr>
+    </dgm:fillClrLst>
+    <dgm:linClrLst meth="repeat">
+      <a:schemeClr val="lt1"/>
+    </dgm:linClrLst>
+    <dgm:effectClrLst/>
+    <dgm:txLinClrLst/>
+    <dgm:txFillClrLst meth="repeat">
+      <a:schemeClr val="dk1"/>
+    </dgm:txFillClrLst>
+    <dgm:txEffectClrLst/>
+  </dgm:styleLbl>
+  <dgm:styleLbl name="revTx">
+    <dgm:fillClrLst meth="repeat">
+      <a:schemeClr val="lt1">
+        <a:alpha val="0"/>
+      </a:schemeClr>
+    </dgm:fillClrLst>
+    <dgm:linClrLst meth="repeat">
+      <a:schemeClr val="dk1">
+        <a:alpha val="0"/>
+      </a:schemeClr>
+    </dgm:linClrLst>
+    <dgm:effectClrLst/>
+    <dgm:txLinClrLst/>
+    <dgm:txFillClrLst meth="repeat">
+      <a:schemeClr val="tx1"/>
+    </dgm:txFillClrLst>
+    <dgm:txEffectClrLst/>
+  </dgm:styleLbl>
+</dgm:colorsDef>
+</file>
+
+<file path=ppt/diagrams/data1.xml><?xml version="1.0" encoding="utf-8"?>
+<dgm:dataModel xmlns:dgm="http://schemas.openxmlformats.org/drawingml/2006/diagram" xmlns:a="http://schemas.openxmlformats.org/drawingml/2006/main">
+  <dgm:ptLst>
+    <dgm:pt modelId="{3B204C92-C99E-491B-B7BF-8AA2E845C194}" type="doc">
+      <dgm:prSet loTypeId="urn:microsoft.com/office/officeart/2005/8/layout/list1" loCatId="list" qsTypeId="urn:microsoft.com/office/officeart/2005/8/quickstyle/simple1" qsCatId="simple" csTypeId="urn:microsoft.com/office/officeart/2005/8/colors/accent2_2" csCatId="accent2" phldr="1"/>
+      <dgm:spPr/>
+      <dgm:t>
+        <a:bodyPr/>
+        <a:lstStyle/>
+        <a:p>
+          <a:endParaRPr lang="en-US"/>
+        </a:p>
+      </dgm:t>
+    </dgm:pt>
+    <dgm:pt modelId="{194AC270-EF16-4E55-ACAC-683DE21EE1F3}">
+      <dgm:prSet/>
+      <dgm:spPr/>
+      <dgm:t>
+        <a:bodyPr/>
+        <a:lstStyle/>
+        <a:p>
+          <a:r>
+            <a:rPr lang="pl-PL"/>
+            <a:t>Dane:</a:t>
+          </a:r>
+          <a:endParaRPr lang="en-US"/>
+        </a:p>
+      </dgm:t>
+    </dgm:pt>
+    <dgm:pt modelId="{9145758F-9F73-464B-B0DC-3D5BCB7DB371}" type="parTrans" cxnId="{1E06AF80-F85D-4BD8-B024-45B3F418ADE7}">
+      <dgm:prSet/>
+      <dgm:spPr/>
+      <dgm:t>
+        <a:bodyPr/>
+        <a:lstStyle/>
+        <a:p>
+          <a:endParaRPr lang="en-US"/>
+        </a:p>
+      </dgm:t>
+    </dgm:pt>
+    <dgm:pt modelId="{5AECB3A6-46DB-4A87-8AEA-D430BEB69232}" type="sibTrans" cxnId="{1E06AF80-F85D-4BD8-B024-45B3F418ADE7}">
+      <dgm:prSet/>
+      <dgm:spPr/>
+      <dgm:t>
+        <a:bodyPr/>
+        <a:lstStyle/>
+        <a:p>
+          <a:endParaRPr lang="en-US"/>
+        </a:p>
+      </dgm:t>
+    </dgm:pt>
+    <mc:AlternateContent xmlns:mc="http://schemas.openxmlformats.org/markup-compatibility/2006">
+      <mc:Choice xmlns:a14="http://schemas.microsoft.com/office/drawing/2010/main" Requires="a14">
+        <dgm:pt modelId="{76BA332C-5ECB-4A74-9513-756799B155B0}">
+          <dgm:prSet/>
+          <dgm:spPr/>
+          <dgm:t>
+            <a:bodyPr/>
+            <a:lstStyle/>
+            <a:p>
+              <a14:m>
+                <m:oMath xmlns:m="http://schemas.openxmlformats.org/officeDocument/2006/math">
+                  <m:r>
+                    <a:rPr lang="pl-PL" i="1" dirty="0" smtClean="0">
+                      <a:latin typeface="Cambria Math" panose="02040503050406030204" pitchFamily="18" charset="0"/>
+                    </a:rPr>
+                    <m:t>𝑛</m:t>
+                  </m:r>
+                </m:oMath>
+              </a14:m>
+              <a:r>
+                <a:rPr lang="pl-PL" dirty="0"/>
+                <a:t> </a:t>
+              </a:r>
+              <a:r>
+                <a:rPr lang="en-US" dirty="0"/>
+                <a:t>–</a:t>
+              </a:r>
+              <a:r>
+                <a:rPr lang="pl-PL" dirty="0"/>
+                <a:t> liczba naturalna</a:t>
+              </a:r>
+              <a:endParaRPr lang="en-US" dirty="0"/>
+            </a:p>
+          </dgm:t>
+        </dgm:pt>
+      </mc:Choice>
+      <mc:Fallback>
+        <dgm:pt modelId="{76BA332C-5ECB-4A74-9513-756799B155B0}">
+          <dgm:prSet/>
+          <dgm:spPr/>
+          <dgm:t>
+            <a:bodyPr/>
+            <a:lstStyle/>
+            <a:p>
+              <a:r>
+                <a:rPr lang="pl-PL" i="0" dirty="0">
+                  <a:latin typeface="Cambria Math" panose="02040503050406030204" pitchFamily="18" charset="0"/>
+                </a:rPr>
+                <a:t>𝑛</a:t>
+              </a:r>
+              <a:r>
+                <a:rPr lang="pl-PL" dirty="0"/>
+                <a:t> </a:t>
+              </a:r>
+              <a:r>
+                <a:rPr lang="en-US" dirty="0"/>
+                <a:t>–</a:t>
+              </a:r>
+              <a:r>
+                <a:rPr lang="pl-PL" dirty="0"/>
+                <a:t> liczba naturalna</a:t>
+              </a:r>
+              <a:endParaRPr lang="en-US" dirty="0"/>
+            </a:p>
+          </dgm:t>
+        </dgm:pt>
+      </mc:Fallback>
+    </mc:AlternateContent>
+    <dgm:pt modelId="{B0FE95BB-9807-426D-8F37-61DE9D48F1AB}" type="parTrans" cxnId="{D0C3BAFF-327E-4BEA-AB51-43F84E0E3AE0}">
+      <dgm:prSet/>
+      <dgm:spPr/>
+      <dgm:t>
+        <a:bodyPr/>
+        <a:lstStyle/>
+        <a:p>
+          <a:endParaRPr lang="en-US"/>
+        </a:p>
+      </dgm:t>
+    </dgm:pt>
+    <dgm:pt modelId="{9F11C7D7-506E-4EF2-B9F3-2E831A217ED5}" type="sibTrans" cxnId="{D0C3BAFF-327E-4BEA-AB51-43F84E0E3AE0}">
+      <dgm:prSet/>
+      <dgm:spPr/>
+      <dgm:t>
+        <a:bodyPr/>
+        <a:lstStyle/>
+        <a:p>
+          <a:endParaRPr lang="en-US"/>
+        </a:p>
+      </dgm:t>
+    </dgm:pt>
+    <dgm:pt modelId="{57064CA7-07CF-49B4-A797-E8E00E2278B6}">
+      <dgm:prSet/>
+      <dgm:spPr/>
+      <dgm:t>
+        <a:bodyPr/>
+        <a:lstStyle/>
+        <a:p>
+          <a:r>
+            <a:rPr lang="pl-PL"/>
+            <a:t>Wynik:</a:t>
+          </a:r>
+          <a:endParaRPr lang="en-US"/>
+        </a:p>
+      </dgm:t>
+    </dgm:pt>
+    <dgm:pt modelId="{19596F89-C130-4325-B7E6-AF0E2A5B44F8}" type="parTrans" cxnId="{B99794EB-1608-443C-94CF-BB6433B3325B}">
+      <dgm:prSet/>
+      <dgm:spPr/>
+      <dgm:t>
+        <a:bodyPr/>
+        <a:lstStyle/>
+        <a:p>
+          <a:endParaRPr lang="en-US"/>
+        </a:p>
+      </dgm:t>
+    </dgm:pt>
+    <dgm:pt modelId="{B834A834-52A0-4E0E-9A50-7D6A043BEC53}" type="sibTrans" cxnId="{B99794EB-1608-443C-94CF-BB6433B3325B}">
+      <dgm:prSet/>
+      <dgm:spPr/>
+      <dgm:t>
+        <a:bodyPr/>
+        <a:lstStyle/>
+        <a:p>
+          <a:endParaRPr lang="en-US"/>
+        </a:p>
+      </dgm:t>
+    </dgm:pt>
+    <mc:AlternateContent xmlns:mc="http://schemas.openxmlformats.org/markup-compatibility/2006">
+      <mc:Choice xmlns:a14="http://schemas.microsoft.com/office/drawing/2010/main" Requires="a14">
+        <dgm:pt modelId="{9ADA6E96-72ED-43BA-9CDE-2480C3B24C2D}">
+          <dgm:prSet custT="1"/>
+          <dgm:spPr/>
+          <dgm:t>
+            <a:bodyPr/>
+            <a:lstStyle/>
+            <a:p>
+              <a:r>
+                <a:rPr lang="pl-PL" sz="2800" dirty="0"/>
+                <a:t>Lista liczb pierwszych z przedziału </a:t>
+              </a:r>
+              <a14:m>
+                <m:oMath xmlns:m="http://schemas.openxmlformats.org/officeDocument/2006/math">
+                  <m:r>
+                    <a:rPr lang="pl-PL" sz="2800" i="1" dirty="0" smtClean="0">
+                      <a:latin typeface="Cambria Math" panose="02040503050406030204" pitchFamily="18" charset="0"/>
+                    </a:rPr>
+                    <m:t>[1,</m:t>
+                  </m:r>
+                  <m:r>
+                    <a:rPr lang="pl-PL" sz="2800" i="1" dirty="0" smtClean="0">
+                      <a:latin typeface="Cambria Math" panose="02040503050406030204" pitchFamily="18" charset="0"/>
+                    </a:rPr>
+                    <m:t>𝑛</m:t>
+                  </m:r>
+                  <m:r>
+                    <a:rPr lang="pl-PL" sz="2800" i="1" dirty="0" smtClean="0">
+                      <a:latin typeface="Cambria Math" panose="02040503050406030204" pitchFamily="18" charset="0"/>
+                    </a:rPr>
+                    <m:t>]</m:t>
+                  </m:r>
+                </m:oMath>
+              </a14:m>
+              <a:endParaRPr lang="en-US" sz="2800" dirty="0"/>
+            </a:p>
+          </dgm:t>
+        </dgm:pt>
+      </mc:Choice>
+      <mc:Fallback>
+        <dgm:pt modelId="{9ADA6E96-72ED-43BA-9CDE-2480C3B24C2D}">
+          <dgm:prSet custT="1"/>
+          <dgm:spPr/>
+          <dgm:t>
+            <a:bodyPr/>
+            <a:lstStyle/>
+            <a:p>
+              <a:r>
+                <a:rPr lang="pl-PL" sz="2800" dirty="0"/>
+                <a:t>Lista liczb pierwszych z przedziału </a:t>
+              </a:r>
+              <a:r>
+                <a:rPr lang="pl-PL" sz="2800" i="0" dirty="0">
+                  <a:latin typeface="Cambria Math" panose="02040503050406030204" pitchFamily="18" charset="0"/>
+                </a:rPr>
+                <a:t>[1,𝑛]</a:t>
+              </a:r>
+              <a:endParaRPr lang="en-US" sz="2800" dirty="0"/>
+            </a:p>
+          </dgm:t>
+        </dgm:pt>
+      </mc:Fallback>
+    </mc:AlternateContent>
+    <dgm:pt modelId="{790540C9-3F9C-4A61-A40A-F0B45F0FAE02}" type="parTrans" cxnId="{6EFFB383-77BB-40B0-A1BF-C3DFDC6923DD}">
+      <dgm:prSet/>
+      <dgm:spPr/>
+      <dgm:t>
+        <a:bodyPr/>
+        <a:lstStyle/>
+        <a:p>
+          <a:endParaRPr lang="en-US"/>
+        </a:p>
+      </dgm:t>
+    </dgm:pt>
+    <dgm:pt modelId="{0154B939-1977-4563-A676-AB6E5167DD4F}" type="sibTrans" cxnId="{6EFFB383-77BB-40B0-A1BF-C3DFDC6923DD}">
+      <dgm:prSet/>
+      <dgm:spPr/>
+      <dgm:t>
+        <a:bodyPr/>
+        <a:lstStyle/>
+        <a:p>
+          <a:endParaRPr lang="en-US"/>
+        </a:p>
+      </dgm:t>
+    </dgm:pt>
+    <dgm:pt modelId="{B7B81D8F-4DED-4864-83D4-7B536940DD06}" type="pres">
+      <dgm:prSet presAssocID="{3B204C92-C99E-491B-B7BF-8AA2E845C194}" presName="linear" presStyleCnt="0">
+        <dgm:presLayoutVars>
+          <dgm:dir/>
+          <dgm:animLvl val="lvl"/>
+          <dgm:resizeHandles val="exact"/>
+        </dgm:presLayoutVars>
+      </dgm:prSet>
+      <dgm:spPr/>
+    </dgm:pt>
+    <dgm:pt modelId="{5C376EBB-44A8-422D-A6C5-0A4810652575}" type="pres">
+      <dgm:prSet presAssocID="{194AC270-EF16-4E55-ACAC-683DE21EE1F3}" presName="parentLin" presStyleCnt="0"/>
+      <dgm:spPr/>
+    </dgm:pt>
+    <dgm:pt modelId="{928697C9-0A41-4D0D-A0F6-03D572BB3D63}" type="pres">
+      <dgm:prSet presAssocID="{194AC270-EF16-4E55-ACAC-683DE21EE1F3}" presName="parentLeftMargin" presStyleLbl="node1" presStyleIdx="0" presStyleCnt="2"/>
+      <dgm:spPr/>
+    </dgm:pt>
+    <dgm:pt modelId="{06400271-6B14-4351-92C9-83110AAE741F}" type="pres">
+      <dgm:prSet presAssocID="{194AC270-EF16-4E55-ACAC-683DE21EE1F3}" presName="parentText" presStyleLbl="node1" presStyleIdx="0" presStyleCnt="2">
+        <dgm:presLayoutVars>
+          <dgm:chMax val="0"/>
+          <dgm:bulletEnabled val="1"/>
+        </dgm:presLayoutVars>
+      </dgm:prSet>
+      <dgm:spPr/>
+    </dgm:pt>
+    <dgm:pt modelId="{F1F66212-4182-47DF-A4E6-ADD43495AAFF}" type="pres">
+      <dgm:prSet presAssocID="{194AC270-EF16-4E55-ACAC-683DE21EE1F3}" presName="negativeSpace" presStyleCnt="0"/>
+      <dgm:spPr/>
+    </dgm:pt>
+    <dgm:pt modelId="{8C0E1063-D8E3-4B52-B411-D38A2B7011E4}" type="pres">
+      <dgm:prSet presAssocID="{194AC270-EF16-4E55-ACAC-683DE21EE1F3}" presName="childText" presStyleLbl="conFgAcc1" presStyleIdx="0" presStyleCnt="2">
+        <dgm:presLayoutVars>
+          <dgm:bulletEnabled val="1"/>
+        </dgm:presLayoutVars>
+      </dgm:prSet>
+      <dgm:spPr/>
+    </dgm:pt>
+    <dgm:pt modelId="{F3E5C335-6C93-4139-AE0A-5756B7744B3A}" type="pres">
+      <dgm:prSet presAssocID="{5AECB3A6-46DB-4A87-8AEA-D430BEB69232}" presName="spaceBetweenRectangles" presStyleCnt="0"/>
+      <dgm:spPr/>
+    </dgm:pt>
+    <dgm:pt modelId="{D0BB8D73-D582-4696-AC2F-99C6631FA9EA}" type="pres">
+      <dgm:prSet presAssocID="{57064CA7-07CF-49B4-A797-E8E00E2278B6}" presName="parentLin" presStyleCnt="0"/>
+      <dgm:spPr/>
+    </dgm:pt>
+    <dgm:pt modelId="{FDB3B898-FC04-43A0-A1E6-4E4DADFF65BF}" type="pres">
+      <dgm:prSet presAssocID="{57064CA7-07CF-49B4-A797-E8E00E2278B6}" presName="parentLeftMargin" presStyleLbl="node1" presStyleIdx="0" presStyleCnt="2"/>
+      <dgm:spPr/>
+    </dgm:pt>
+    <dgm:pt modelId="{4129F658-9E22-45BA-A163-CE687F14DBDC}" type="pres">
+      <dgm:prSet presAssocID="{57064CA7-07CF-49B4-A797-E8E00E2278B6}" presName="parentText" presStyleLbl="node1" presStyleIdx="1" presStyleCnt="2">
+        <dgm:presLayoutVars>
+          <dgm:chMax val="0"/>
+          <dgm:bulletEnabled val="1"/>
+        </dgm:presLayoutVars>
+      </dgm:prSet>
+      <dgm:spPr/>
+    </dgm:pt>
+    <dgm:pt modelId="{2C5565FE-D053-4EC8-8421-2902D308E52D}" type="pres">
+      <dgm:prSet presAssocID="{57064CA7-07CF-49B4-A797-E8E00E2278B6}" presName="negativeSpace" presStyleCnt="0"/>
+      <dgm:spPr/>
+    </dgm:pt>
+    <dgm:pt modelId="{D69911FE-321F-48E3-9501-87AD14237F65}" type="pres">
+      <dgm:prSet presAssocID="{57064CA7-07CF-49B4-A797-E8E00E2278B6}" presName="childText" presStyleLbl="conFgAcc1" presStyleIdx="1" presStyleCnt="2">
+        <dgm:presLayoutVars>
+          <dgm:bulletEnabled val="1"/>
+        </dgm:presLayoutVars>
+      </dgm:prSet>
+      <dgm:spPr/>
+    </dgm:pt>
+  </dgm:ptLst>
+  <dgm:cxnLst>
+    <dgm:cxn modelId="{FD9B193E-A827-45B7-864D-1ED265A580A6}" type="presOf" srcId="{76BA332C-5ECB-4A74-9513-756799B155B0}" destId="{8C0E1063-D8E3-4B52-B411-D38A2B7011E4}" srcOrd="0" destOrd="0" presId="urn:microsoft.com/office/officeart/2005/8/layout/list1"/>
+    <dgm:cxn modelId="{1E06AF80-F85D-4BD8-B024-45B3F418ADE7}" srcId="{3B204C92-C99E-491B-B7BF-8AA2E845C194}" destId="{194AC270-EF16-4E55-ACAC-683DE21EE1F3}" srcOrd="0" destOrd="0" parTransId="{9145758F-9F73-464B-B0DC-3D5BCB7DB371}" sibTransId="{5AECB3A6-46DB-4A87-8AEA-D430BEB69232}"/>
+    <dgm:cxn modelId="{6EFFB383-77BB-40B0-A1BF-C3DFDC6923DD}" srcId="{57064CA7-07CF-49B4-A797-E8E00E2278B6}" destId="{9ADA6E96-72ED-43BA-9CDE-2480C3B24C2D}" srcOrd="0" destOrd="0" parTransId="{790540C9-3F9C-4A61-A40A-F0B45F0FAE02}" sibTransId="{0154B939-1977-4563-A676-AB6E5167DD4F}"/>
+    <dgm:cxn modelId="{A582AC8D-6834-4E24-A3BC-3C2386FF858A}" type="presOf" srcId="{57064CA7-07CF-49B4-A797-E8E00E2278B6}" destId="{4129F658-9E22-45BA-A163-CE687F14DBDC}" srcOrd="1" destOrd="0" presId="urn:microsoft.com/office/officeart/2005/8/layout/list1"/>
+    <dgm:cxn modelId="{D8FEF9B0-BDCE-42E2-89CD-4FF4CB07A312}" type="presOf" srcId="{194AC270-EF16-4E55-ACAC-683DE21EE1F3}" destId="{06400271-6B14-4351-92C9-83110AAE741F}" srcOrd="1" destOrd="0" presId="urn:microsoft.com/office/officeart/2005/8/layout/list1"/>
+    <dgm:cxn modelId="{6A5298C2-EBD6-42B2-AFAC-0E2B961D95A6}" type="presOf" srcId="{9ADA6E96-72ED-43BA-9CDE-2480C3B24C2D}" destId="{D69911FE-321F-48E3-9501-87AD14237F65}" srcOrd="0" destOrd="0" presId="urn:microsoft.com/office/officeart/2005/8/layout/list1"/>
+    <dgm:cxn modelId="{565D2DE5-98A1-4C0A-9FE8-FD40AB16FADD}" type="presOf" srcId="{3B204C92-C99E-491B-B7BF-8AA2E845C194}" destId="{B7B81D8F-4DED-4864-83D4-7B536940DD06}" srcOrd="0" destOrd="0" presId="urn:microsoft.com/office/officeart/2005/8/layout/list1"/>
+    <dgm:cxn modelId="{3A8D32EB-F117-4E95-85E9-428FA745BB43}" type="presOf" srcId="{194AC270-EF16-4E55-ACAC-683DE21EE1F3}" destId="{928697C9-0A41-4D0D-A0F6-03D572BB3D63}" srcOrd="0" destOrd="0" presId="urn:microsoft.com/office/officeart/2005/8/layout/list1"/>
+    <dgm:cxn modelId="{B99794EB-1608-443C-94CF-BB6433B3325B}" srcId="{3B204C92-C99E-491B-B7BF-8AA2E845C194}" destId="{57064CA7-07CF-49B4-A797-E8E00E2278B6}" srcOrd="1" destOrd="0" parTransId="{19596F89-C130-4325-B7E6-AF0E2A5B44F8}" sibTransId="{B834A834-52A0-4E0E-9A50-7D6A043BEC53}"/>
+    <dgm:cxn modelId="{0A5D01F8-6F1C-421F-B9E1-2B52CBECFE1C}" type="presOf" srcId="{57064CA7-07CF-49B4-A797-E8E00E2278B6}" destId="{FDB3B898-FC04-43A0-A1E6-4E4DADFF65BF}" srcOrd="0" destOrd="0" presId="urn:microsoft.com/office/officeart/2005/8/layout/list1"/>
+    <dgm:cxn modelId="{D0C3BAFF-327E-4BEA-AB51-43F84E0E3AE0}" srcId="{194AC270-EF16-4E55-ACAC-683DE21EE1F3}" destId="{76BA332C-5ECB-4A74-9513-756799B155B0}" srcOrd="0" destOrd="0" parTransId="{B0FE95BB-9807-426D-8F37-61DE9D48F1AB}" sibTransId="{9F11C7D7-506E-4EF2-B9F3-2E831A217ED5}"/>
+    <dgm:cxn modelId="{D2397F5E-2E25-44C5-A549-7B2968E60798}" type="presParOf" srcId="{B7B81D8F-4DED-4864-83D4-7B536940DD06}" destId="{5C376EBB-44A8-422D-A6C5-0A4810652575}" srcOrd="0" destOrd="0" presId="urn:microsoft.com/office/officeart/2005/8/layout/list1"/>
+    <dgm:cxn modelId="{711B3C86-61E6-477C-B263-D8438D1330C1}" type="presParOf" srcId="{5C376EBB-44A8-422D-A6C5-0A4810652575}" destId="{928697C9-0A41-4D0D-A0F6-03D572BB3D63}" srcOrd="0" destOrd="0" presId="urn:microsoft.com/office/officeart/2005/8/layout/list1"/>
+    <dgm:cxn modelId="{E951CD9F-7445-4BCD-8730-D4BEE11D349A}" type="presParOf" srcId="{5C376EBB-44A8-422D-A6C5-0A4810652575}" destId="{06400271-6B14-4351-92C9-83110AAE741F}" srcOrd="1" destOrd="0" presId="urn:microsoft.com/office/officeart/2005/8/layout/list1"/>
+    <dgm:cxn modelId="{E381AF9B-CD95-4884-9AA1-9297357DE292}" type="presParOf" srcId="{B7B81D8F-4DED-4864-83D4-7B536940DD06}" destId="{F1F66212-4182-47DF-A4E6-ADD43495AAFF}" srcOrd="1" destOrd="0" presId="urn:microsoft.com/office/officeart/2005/8/layout/list1"/>
+    <dgm:cxn modelId="{92C946D7-2850-4FB5-B261-E7AC306B4183}" type="presParOf" srcId="{B7B81D8F-4DED-4864-83D4-7B536940DD06}" destId="{8C0E1063-D8E3-4B52-B411-D38A2B7011E4}" srcOrd="2" destOrd="0" presId="urn:microsoft.com/office/officeart/2005/8/layout/list1"/>
+    <dgm:cxn modelId="{74EE8E11-95DD-4995-BC29-40DBB91D7B19}" type="presParOf" srcId="{B7B81D8F-4DED-4864-83D4-7B536940DD06}" destId="{F3E5C335-6C93-4139-AE0A-5756B7744B3A}" srcOrd="3" destOrd="0" presId="urn:microsoft.com/office/officeart/2005/8/layout/list1"/>
+    <dgm:cxn modelId="{305F4CEB-EACF-40AF-BE9C-D94A74B00A1B}" type="presParOf" srcId="{B7B81D8F-4DED-4864-83D4-7B536940DD06}" destId="{D0BB8D73-D582-4696-AC2F-99C6631FA9EA}" srcOrd="4" destOrd="0" presId="urn:microsoft.com/office/officeart/2005/8/layout/list1"/>
+    <dgm:cxn modelId="{F5F1F3A1-13BE-40B5-A25C-088A2B95616D}" type="presParOf" srcId="{D0BB8D73-D582-4696-AC2F-99C6631FA9EA}" destId="{FDB3B898-FC04-43A0-A1E6-4E4DADFF65BF}" srcOrd="0" destOrd="0" presId="urn:microsoft.com/office/officeart/2005/8/layout/list1"/>
+    <dgm:cxn modelId="{770FF12A-4CD0-417E-A76D-D0586C17F7F0}" type="presParOf" srcId="{D0BB8D73-D582-4696-AC2F-99C6631FA9EA}" destId="{4129F658-9E22-45BA-A163-CE687F14DBDC}" srcOrd="1" destOrd="0" presId="urn:microsoft.com/office/officeart/2005/8/layout/list1"/>
+    <dgm:cxn modelId="{8587A591-E012-40C2-80EB-67ABB7778263}" type="presParOf" srcId="{B7B81D8F-4DED-4864-83D4-7B536940DD06}" destId="{2C5565FE-D053-4EC8-8421-2902D308E52D}" srcOrd="5" destOrd="0" presId="urn:microsoft.com/office/officeart/2005/8/layout/list1"/>
+    <dgm:cxn modelId="{89A6FC30-B295-4CCA-9936-E9BB6825667C}" type="presParOf" srcId="{B7B81D8F-4DED-4864-83D4-7B536940DD06}" destId="{D69911FE-321F-48E3-9501-87AD14237F65}" srcOrd="6" destOrd="0" presId="urn:microsoft.com/office/officeart/2005/8/layout/list1"/>
+  </dgm:cxnLst>
+  <dgm:bg/>
+  <dgm:whole/>
+  <dgm:extLst>
+    <a:ext uri="http://schemas.microsoft.com/office/drawing/2008/diagram">
+      <dsp:dataModelExt xmlns:dsp="http://schemas.microsoft.com/office/drawing/2008/diagram" relId="rId7" minVer="http://schemas.openxmlformats.org/drawingml/2006/diagram"/>
+    </a:ext>
+  </dgm:extLst>
+</dgm:dataModel>
+</file>
+
+<file path=ppt/diagrams/data2.xml><?xml version="1.0" encoding="utf-8"?>
+<dgm:dataModel xmlns:dgm="http://schemas.openxmlformats.org/drawingml/2006/diagram" xmlns:a="http://schemas.openxmlformats.org/drawingml/2006/main">
+  <dgm:ptLst>
+    <dgm:pt modelId="{3B204C92-C99E-491B-B7BF-8AA2E845C194}" type="doc">
+      <dgm:prSet loTypeId="urn:microsoft.com/office/officeart/2005/8/layout/list1" loCatId="list" qsTypeId="urn:microsoft.com/office/officeart/2005/8/quickstyle/simple1" qsCatId="simple" csTypeId="urn:microsoft.com/office/officeart/2005/8/colors/accent2_2" csCatId="accent2" phldr="1"/>
+      <dgm:spPr/>
+      <dgm:t>
+        <a:bodyPr/>
+        <a:lstStyle/>
+        <a:p>
+          <a:endParaRPr lang="en-US"/>
+        </a:p>
+      </dgm:t>
+    </dgm:pt>
+    <dgm:pt modelId="{194AC270-EF16-4E55-ACAC-683DE21EE1F3}">
+      <dgm:prSet/>
+      <dgm:spPr/>
+      <dgm:t>
+        <a:bodyPr/>
+        <a:lstStyle/>
+        <a:p>
+          <a:r>
+            <a:rPr lang="pl-PL"/>
+            <a:t>Dane:</a:t>
+          </a:r>
+          <a:endParaRPr lang="en-US"/>
+        </a:p>
+      </dgm:t>
+    </dgm:pt>
+    <dgm:pt modelId="{9145758F-9F73-464B-B0DC-3D5BCB7DB371}" type="parTrans" cxnId="{1E06AF80-F85D-4BD8-B024-45B3F418ADE7}">
+      <dgm:prSet/>
+      <dgm:spPr/>
+      <dgm:t>
+        <a:bodyPr/>
+        <a:lstStyle/>
+        <a:p>
+          <a:endParaRPr lang="en-US"/>
+        </a:p>
+      </dgm:t>
+    </dgm:pt>
+    <dgm:pt modelId="{5AECB3A6-46DB-4A87-8AEA-D430BEB69232}" type="sibTrans" cxnId="{1E06AF80-F85D-4BD8-B024-45B3F418ADE7}">
+      <dgm:prSet/>
+      <dgm:spPr/>
+      <dgm:t>
+        <a:bodyPr/>
+        <a:lstStyle/>
+        <a:p>
+          <a:endParaRPr lang="en-US"/>
+        </a:p>
+      </dgm:t>
+    </dgm:pt>
+    <dgm:pt modelId="{76BA332C-5ECB-4A74-9513-756799B155B0}">
+      <dgm:prSet/>
+      <dgm:spPr>
+        <a:blipFill>
+          <a:blip xmlns:r="http://schemas.openxmlformats.org/officeDocument/2006/relationships" r:embed="rId1"/>
+          <a:stretch>
+            <a:fillRect/>
+          </a:stretch>
+        </a:blipFill>
+      </dgm:spPr>
+      <dgm:t>
+        <a:bodyPr/>
+        <a:lstStyle/>
+        <a:p>
+          <a:r>
+            <a:rPr lang="en-US">
+              <a:noFill/>
+            </a:rPr>
+            <a:t> </a:t>
+          </a:r>
+        </a:p>
+      </dgm:t>
+    </dgm:pt>
+    <dgm:pt modelId="{B0FE95BB-9807-426D-8F37-61DE9D48F1AB}" type="parTrans" cxnId="{D0C3BAFF-327E-4BEA-AB51-43F84E0E3AE0}">
+      <dgm:prSet/>
+      <dgm:spPr/>
+      <dgm:t>
+        <a:bodyPr/>
+        <a:lstStyle/>
+        <a:p>
+          <a:endParaRPr lang="en-US"/>
+        </a:p>
+      </dgm:t>
+    </dgm:pt>
+    <dgm:pt modelId="{9F11C7D7-506E-4EF2-B9F3-2E831A217ED5}" type="sibTrans" cxnId="{D0C3BAFF-327E-4BEA-AB51-43F84E0E3AE0}">
+      <dgm:prSet/>
+      <dgm:spPr/>
+      <dgm:t>
+        <a:bodyPr/>
+        <a:lstStyle/>
+        <a:p>
+          <a:endParaRPr lang="en-US"/>
+        </a:p>
+      </dgm:t>
+    </dgm:pt>
+    <dgm:pt modelId="{57064CA7-07CF-49B4-A797-E8E00E2278B6}">
+      <dgm:prSet/>
+      <dgm:spPr/>
+      <dgm:t>
+        <a:bodyPr/>
+        <a:lstStyle/>
+        <a:p>
+          <a:r>
+            <a:rPr lang="pl-PL"/>
+            <a:t>Wynik:</a:t>
+          </a:r>
+          <a:endParaRPr lang="en-US"/>
+        </a:p>
+      </dgm:t>
+    </dgm:pt>
+    <dgm:pt modelId="{19596F89-C130-4325-B7E6-AF0E2A5B44F8}" type="parTrans" cxnId="{B99794EB-1608-443C-94CF-BB6433B3325B}">
+      <dgm:prSet/>
+      <dgm:spPr/>
+      <dgm:t>
+        <a:bodyPr/>
+        <a:lstStyle/>
+        <a:p>
+          <a:endParaRPr lang="en-US"/>
+        </a:p>
+      </dgm:t>
+    </dgm:pt>
+    <dgm:pt modelId="{B834A834-52A0-4E0E-9A50-7D6A043BEC53}" type="sibTrans" cxnId="{B99794EB-1608-443C-94CF-BB6433B3325B}">
+      <dgm:prSet/>
+      <dgm:spPr/>
+      <dgm:t>
+        <a:bodyPr/>
+        <a:lstStyle/>
+        <a:p>
+          <a:endParaRPr lang="en-US"/>
+        </a:p>
+      </dgm:t>
+    </dgm:pt>
+    <dgm:pt modelId="{9ADA6E96-72ED-43BA-9CDE-2480C3B24C2D}">
+      <dgm:prSet custT="1"/>
+      <dgm:spPr>
+        <a:blipFill>
+          <a:blip xmlns:r="http://schemas.openxmlformats.org/officeDocument/2006/relationships" r:embed="rId2"/>
+          <a:stretch>
+            <a:fillRect/>
+          </a:stretch>
+        </a:blipFill>
+      </dgm:spPr>
+      <dgm:t>
+        <a:bodyPr/>
+        <a:lstStyle/>
+        <a:p>
+          <a:r>
+            <a:rPr lang="en-US">
+              <a:noFill/>
+            </a:rPr>
+            <a:t> </a:t>
+          </a:r>
+        </a:p>
+      </dgm:t>
+    </dgm:pt>
+    <dgm:pt modelId="{790540C9-3F9C-4A61-A40A-F0B45F0FAE02}" type="parTrans" cxnId="{6EFFB383-77BB-40B0-A1BF-C3DFDC6923DD}">
+      <dgm:prSet/>
+      <dgm:spPr/>
+      <dgm:t>
+        <a:bodyPr/>
+        <a:lstStyle/>
+        <a:p>
+          <a:endParaRPr lang="en-US"/>
+        </a:p>
+      </dgm:t>
+    </dgm:pt>
+    <dgm:pt modelId="{0154B939-1977-4563-A676-AB6E5167DD4F}" type="sibTrans" cxnId="{6EFFB383-77BB-40B0-A1BF-C3DFDC6923DD}">
+      <dgm:prSet/>
+      <dgm:spPr/>
+      <dgm:t>
+        <a:bodyPr/>
+        <a:lstStyle/>
+        <a:p>
+          <a:endParaRPr lang="en-US"/>
+        </a:p>
+      </dgm:t>
+    </dgm:pt>
+    <dgm:pt modelId="{B7B81D8F-4DED-4864-83D4-7B536940DD06}" type="pres">
+      <dgm:prSet presAssocID="{3B204C92-C99E-491B-B7BF-8AA2E845C194}" presName="linear" presStyleCnt="0">
+        <dgm:presLayoutVars>
+          <dgm:dir/>
+          <dgm:animLvl val="lvl"/>
+          <dgm:resizeHandles val="exact"/>
+        </dgm:presLayoutVars>
+      </dgm:prSet>
+      <dgm:spPr/>
+    </dgm:pt>
+    <dgm:pt modelId="{5C376EBB-44A8-422D-A6C5-0A4810652575}" type="pres">
+      <dgm:prSet presAssocID="{194AC270-EF16-4E55-ACAC-683DE21EE1F3}" presName="parentLin" presStyleCnt="0"/>
+      <dgm:spPr/>
+    </dgm:pt>
+    <dgm:pt modelId="{928697C9-0A41-4D0D-A0F6-03D572BB3D63}" type="pres">
+      <dgm:prSet presAssocID="{194AC270-EF16-4E55-ACAC-683DE21EE1F3}" presName="parentLeftMargin" presStyleLbl="node1" presStyleIdx="0" presStyleCnt="2"/>
+      <dgm:spPr/>
+    </dgm:pt>
+    <dgm:pt modelId="{06400271-6B14-4351-92C9-83110AAE741F}" type="pres">
+      <dgm:prSet presAssocID="{194AC270-EF16-4E55-ACAC-683DE21EE1F3}" presName="parentText" presStyleLbl="node1" presStyleIdx="0" presStyleCnt="2">
+        <dgm:presLayoutVars>
+          <dgm:chMax val="0"/>
+          <dgm:bulletEnabled val="1"/>
+        </dgm:presLayoutVars>
+      </dgm:prSet>
+      <dgm:spPr/>
+    </dgm:pt>
+    <dgm:pt modelId="{F1F66212-4182-47DF-A4E6-ADD43495AAFF}" type="pres">
+      <dgm:prSet presAssocID="{194AC270-EF16-4E55-ACAC-683DE21EE1F3}" presName="negativeSpace" presStyleCnt="0"/>
+      <dgm:spPr/>
+    </dgm:pt>
+    <dgm:pt modelId="{8C0E1063-D8E3-4B52-B411-D38A2B7011E4}" type="pres">
+      <dgm:prSet presAssocID="{194AC270-EF16-4E55-ACAC-683DE21EE1F3}" presName="childText" presStyleLbl="conFgAcc1" presStyleIdx="0" presStyleCnt="2">
+        <dgm:presLayoutVars>
+          <dgm:bulletEnabled val="1"/>
+        </dgm:presLayoutVars>
+      </dgm:prSet>
+      <dgm:spPr/>
+    </dgm:pt>
+    <dgm:pt modelId="{F3E5C335-6C93-4139-AE0A-5756B7744B3A}" type="pres">
+      <dgm:prSet presAssocID="{5AECB3A6-46DB-4A87-8AEA-D430BEB69232}" presName="spaceBetweenRectangles" presStyleCnt="0"/>
+      <dgm:spPr/>
+    </dgm:pt>
+    <dgm:pt modelId="{D0BB8D73-D582-4696-AC2F-99C6631FA9EA}" type="pres">
+      <dgm:prSet presAssocID="{57064CA7-07CF-49B4-A797-E8E00E2278B6}" presName="parentLin" presStyleCnt="0"/>
+      <dgm:spPr/>
+    </dgm:pt>
+    <dgm:pt modelId="{FDB3B898-FC04-43A0-A1E6-4E4DADFF65BF}" type="pres">
+      <dgm:prSet presAssocID="{57064CA7-07CF-49B4-A797-E8E00E2278B6}" presName="parentLeftMargin" presStyleLbl="node1" presStyleIdx="0" presStyleCnt="2"/>
+      <dgm:spPr/>
+    </dgm:pt>
+    <dgm:pt modelId="{4129F658-9E22-45BA-A163-CE687F14DBDC}" type="pres">
+      <dgm:prSet presAssocID="{57064CA7-07CF-49B4-A797-E8E00E2278B6}" presName="parentText" presStyleLbl="node1" presStyleIdx="1" presStyleCnt="2">
+        <dgm:presLayoutVars>
+          <dgm:chMax val="0"/>
+          <dgm:bulletEnabled val="1"/>
+        </dgm:presLayoutVars>
+      </dgm:prSet>
+      <dgm:spPr/>
+    </dgm:pt>
+    <dgm:pt modelId="{2C5565FE-D053-4EC8-8421-2902D308E52D}" type="pres">
+      <dgm:prSet presAssocID="{57064CA7-07CF-49B4-A797-E8E00E2278B6}" presName="negativeSpace" presStyleCnt="0"/>
+      <dgm:spPr/>
+    </dgm:pt>
+    <dgm:pt modelId="{D69911FE-321F-48E3-9501-87AD14237F65}" type="pres">
+      <dgm:prSet presAssocID="{57064CA7-07CF-49B4-A797-E8E00E2278B6}" presName="childText" presStyleLbl="conFgAcc1" presStyleIdx="1" presStyleCnt="2">
+        <dgm:presLayoutVars>
+          <dgm:bulletEnabled val="1"/>
+        </dgm:presLayoutVars>
+      </dgm:prSet>
+      <dgm:spPr/>
+    </dgm:pt>
+  </dgm:ptLst>
+  <dgm:cxnLst>
+    <dgm:cxn modelId="{FD9B193E-A827-45B7-864D-1ED265A580A6}" type="presOf" srcId="{76BA332C-5ECB-4A74-9513-756799B155B0}" destId="{8C0E1063-D8E3-4B52-B411-D38A2B7011E4}" srcOrd="0" destOrd="0" presId="urn:microsoft.com/office/officeart/2005/8/layout/list1"/>
+    <dgm:cxn modelId="{1E06AF80-F85D-4BD8-B024-45B3F418ADE7}" srcId="{3B204C92-C99E-491B-B7BF-8AA2E845C194}" destId="{194AC270-EF16-4E55-ACAC-683DE21EE1F3}" srcOrd="0" destOrd="0" parTransId="{9145758F-9F73-464B-B0DC-3D5BCB7DB371}" sibTransId="{5AECB3A6-46DB-4A87-8AEA-D430BEB69232}"/>
+    <dgm:cxn modelId="{6EFFB383-77BB-40B0-A1BF-C3DFDC6923DD}" srcId="{57064CA7-07CF-49B4-A797-E8E00E2278B6}" destId="{9ADA6E96-72ED-43BA-9CDE-2480C3B24C2D}" srcOrd="0" destOrd="0" parTransId="{790540C9-3F9C-4A61-A40A-F0B45F0FAE02}" sibTransId="{0154B939-1977-4563-A676-AB6E5167DD4F}"/>
+    <dgm:cxn modelId="{A582AC8D-6834-4E24-A3BC-3C2386FF858A}" type="presOf" srcId="{57064CA7-07CF-49B4-A797-E8E00E2278B6}" destId="{4129F658-9E22-45BA-A163-CE687F14DBDC}" srcOrd="1" destOrd="0" presId="urn:microsoft.com/office/officeart/2005/8/layout/list1"/>
+    <dgm:cxn modelId="{D8FEF9B0-BDCE-42E2-89CD-4FF4CB07A312}" type="presOf" srcId="{194AC270-EF16-4E55-ACAC-683DE21EE1F3}" destId="{06400271-6B14-4351-92C9-83110AAE741F}" srcOrd="1" destOrd="0" presId="urn:microsoft.com/office/officeart/2005/8/layout/list1"/>
+    <dgm:cxn modelId="{6A5298C2-EBD6-42B2-AFAC-0E2B961D95A6}" type="presOf" srcId="{9ADA6E96-72ED-43BA-9CDE-2480C3B24C2D}" destId="{D69911FE-321F-48E3-9501-87AD14237F65}" srcOrd="0" destOrd="0" presId="urn:microsoft.com/office/officeart/2005/8/layout/list1"/>
+    <dgm:cxn modelId="{565D2DE5-98A1-4C0A-9FE8-FD40AB16FADD}" type="presOf" srcId="{3B204C92-C99E-491B-B7BF-8AA2E845C194}" destId="{B7B81D8F-4DED-4864-83D4-7B536940DD06}" srcOrd="0" destOrd="0" presId="urn:microsoft.com/office/officeart/2005/8/layout/list1"/>
+    <dgm:cxn modelId="{3A8D32EB-F117-4E95-85E9-428FA745BB43}" type="presOf" srcId="{194AC270-EF16-4E55-ACAC-683DE21EE1F3}" destId="{928697C9-0A41-4D0D-A0F6-03D572BB3D63}" srcOrd="0" destOrd="0" presId="urn:microsoft.com/office/officeart/2005/8/layout/list1"/>
+    <dgm:cxn modelId="{B99794EB-1608-443C-94CF-BB6433B3325B}" srcId="{3B204C92-C99E-491B-B7BF-8AA2E845C194}" destId="{57064CA7-07CF-49B4-A797-E8E00E2278B6}" srcOrd="1" destOrd="0" parTransId="{19596F89-C130-4325-B7E6-AF0E2A5B44F8}" sibTransId="{B834A834-52A0-4E0E-9A50-7D6A043BEC53}"/>
+    <dgm:cxn modelId="{0A5D01F8-6F1C-421F-B9E1-2B52CBECFE1C}" type="presOf" srcId="{57064CA7-07CF-49B4-A797-E8E00E2278B6}" destId="{FDB3B898-FC04-43A0-A1E6-4E4DADFF65BF}" srcOrd="0" destOrd="0" presId="urn:microsoft.com/office/officeart/2005/8/layout/list1"/>
+    <dgm:cxn modelId="{D0C3BAFF-327E-4BEA-AB51-43F84E0E3AE0}" srcId="{194AC270-EF16-4E55-ACAC-683DE21EE1F3}" destId="{76BA332C-5ECB-4A74-9513-756799B155B0}" srcOrd="0" destOrd="0" parTransId="{B0FE95BB-9807-426D-8F37-61DE9D48F1AB}" sibTransId="{9F11C7D7-506E-4EF2-B9F3-2E831A217ED5}"/>
+    <dgm:cxn modelId="{D2397F5E-2E25-44C5-A549-7B2968E60798}" type="presParOf" srcId="{B7B81D8F-4DED-4864-83D4-7B536940DD06}" destId="{5C376EBB-44A8-422D-A6C5-0A4810652575}" srcOrd="0" destOrd="0" presId="urn:microsoft.com/office/officeart/2005/8/layout/list1"/>
+    <dgm:cxn modelId="{711B3C86-61E6-477C-B263-D8438D1330C1}" type="presParOf" srcId="{5C376EBB-44A8-422D-A6C5-0A4810652575}" destId="{928697C9-0A41-4D0D-A0F6-03D572BB3D63}" srcOrd="0" destOrd="0" presId="urn:microsoft.com/office/officeart/2005/8/layout/list1"/>
+    <dgm:cxn modelId="{E951CD9F-7445-4BCD-8730-D4BEE11D349A}" type="presParOf" srcId="{5C376EBB-44A8-422D-A6C5-0A4810652575}" destId="{06400271-6B14-4351-92C9-83110AAE741F}" srcOrd="1" destOrd="0" presId="urn:microsoft.com/office/officeart/2005/8/layout/list1"/>
+    <dgm:cxn modelId="{E381AF9B-CD95-4884-9AA1-9297357DE292}" type="presParOf" srcId="{B7B81D8F-4DED-4864-83D4-7B536940DD06}" destId="{F1F66212-4182-47DF-A4E6-ADD43495AAFF}" srcOrd="1" destOrd="0" presId="urn:microsoft.com/office/officeart/2005/8/layout/list1"/>
+    <dgm:cxn modelId="{92C946D7-2850-4FB5-B261-E7AC306B4183}" type="presParOf" srcId="{B7B81D8F-4DED-4864-83D4-7B536940DD06}" destId="{8C0E1063-D8E3-4B52-B411-D38A2B7011E4}" srcOrd="2" destOrd="0" presId="urn:microsoft.com/office/officeart/2005/8/layout/list1"/>
+    <dgm:cxn modelId="{74EE8E11-95DD-4995-BC29-40DBB91D7B19}" type="presParOf" srcId="{B7B81D8F-4DED-4864-83D4-7B536940DD06}" destId="{F3E5C335-6C93-4139-AE0A-5756B7744B3A}" srcOrd="3" destOrd="0" presId="urn:microsoft.com/office/officeart/2005/8/layout/list1"/>
+    <dgm:cxn modelId="{305F4CEB-EACF-40AF-BE9C-D94A74B00A1B}" type="presParOf" srcId="{B7B81D8F-4DED-4864-83D4-7B536940DD06}" destId="{D0BB8D73-D582-4696-AC2F-99C6631FA9EA}" srcOrd="4" destOrd="0" presId="urn:microsoft.com/office/officeart/2005/8/layout/list1"/>
+    <dgm:cxn modelId="{F5F1F3A1-13BE-40B5-A25C-088A2B95616D}" type="presParOf" srcId="{D0BB8D73-D582-4696-AC2F-99C6631FA9EA}" destId="{FDB3B898-FC04-43A0-A1E6-4E4DADFF65BF}" srcOrd="0" destOrd="0" presId="urn:microsoft.com/office/officeart/2005/8/layout/list1"/>
+    <dgm:cxn modelId="{770FF12A-4CD0-417E-A76D-D0586C17F7F0}" type="presParOf" srcId="{D0BB8D73-D582-4696-AC2F-99C6631FA9EA}" destId="{4129F658-9E22-45BA-A163-CE687F14DBDC}" srcOrd="1" destOrd="0" presId="urn:microsoft.com/office/officeart/2005/8/layout/list1"/>
+    <dgm:cxn modelId="{8587A591-E012-40C2-80EB-67ABB7778263}" type="presParOf" srcId="{B7B81D8F-4DED-4864-83D4-7B536940DD06}" destId="{2C5565FE-D053-4EC8-8421-2902D308E52D}" srcOrd="5" destOrd="0" presId="urn:microsoft.com/office/officeart/2005/8/layout/list1"/>
+    <dgm:cxn modelId="{89A6FC30-B295-4CCA-9936-E9BB6825667C}" type="presParOf" srcId="{B7B81D8F-4DED-4864-83D4-7B536940DD06}" destId="{D69911FE-321F-48E3-9501-87AD14237F65}" srcOrd="6" destOrd="0" presId="urn:microsoft.com/office/officeart/2005/8/layout/list1"/>
+  </dgm:cxnLst>
+  <dgm:bg/>
+  <dgm:whole/>
+  <dgm:extLst>
+    <a:ext uri="http://schemas.microsoft.com/office/drawing/2008/diagram">
+      <dsp:dataModelExt xmlns:dsp="http://schemas.microsoft.com/office/drawing/2008/diagram" relId="rId7" minVer="http://schemas.openxmlformats.org/drawingml/2006/diagram"/>
+    </a:ext>
+  </dgm:extLst>
+</dgm:dataModel>
+</file>
+
+<file path=ppt/diagrams/drawing1.xml><?xml version="1.0" encoding="utf-8"?>
+<dsp:drawing xmlns:dgm="http://schemas.openxmlformats.org/drawingml/2006/diagram" xmlns:dsp="http://schemas.microsoft.com/office/drawing/2008/diagram" xmlns:a="http://schemas.openxmlformats.org/drawingml/2006/main">
+  <dsp:spTree>
+    <dsp:nvGrpSpPr>
+      <dsp:cNvPr id="0" name=""/>
+      <dsp:cNvGrpSpPr/>
+    </dsp:nvGrpSpPr>
+    <dsp:grpSpPr/>
+    <dsp:sp modelId="{8C0E1063-D8E3-4B52-B411-D38A2B7011E4}">
+      <dsp:nvSpPr>
+        <dsp:cNvPr id="0" name=""/>
+        <dsp:cNvSpPr/>
+      </dsp:nvSpPr>
+      <dsp:spPr>
+        <a:xfrm>
+          <a:off x="0" y="427959"/>
+          <a:ext cx="6586489" cy="1190700"/>
+        </a:xfrm>
+        <a:prstGeom prst="rect">
+          <a:avLst/>
+        </a:prstGeom>
+        <a:solidFill>
+          <a:schemeClr val="lt1">
+            <a:alpha val="90000"/>
+            <a:hueOff val="0"/>
+            <a:satOff val="0"/>
+            <a:lumOff val="0"/>
+            <a:alphaOff val="0"/>
+          </a:schemeClr>
+        </a:solidFill>
+        <a:ln w="12700" cap="flat" cmpd="sng" algn="ctr">
+          <a:solidFill>
+            <a:schemeClr val="accent2">
+              <a:hueOff val="0"/>
+              <a:satOff val="0"/>
+              <a:lumOff val="0"/>
+              <a:alphaOff val="0"/>
+            </a:schemeClr>
+          </a:solidFill>
+          <a:prstDash val="solid"/>
+          <a:miter lim="800000"/>
+        </a:ln>
+        <a:effectLst/>
+      </dsp:spPr>
+      <dsp:style>
+        <a:lnRef idx="2">
+          <a:scrgbClr r="0" g="0" b="0"/>
+        </a:lnRef>
+        <a:fillRef idx="1">
+          <a:scrgbClr r="0" g="0" b="0"/>
+        </a:fillRef>
+        <a:effectRef idx="0">
+          <a:scrgbClr r="0" g="0" b="0"/>
+        </a:effectRef>
+        <a:fontRef idx="minor"/>
+      </dsp:style>
+      <dsp:txBody>
+        <a:bodyPr spcFirstLastPara="0" vert="horz" wrap="square" lIns="511185" tIns="583184" rIns="511185" bIns="199136" numCol="1" spcCol="1270" anchor="t" anchorCtr="0">
+          <a:noAutofit/>
+        </a:bodyPr>
+        <a:lstStyle/>
+        <a:p>
+          <a:pPr marL="285750" lvl="1" indent="-285750" algn="l" defTabSz="1244600">
+            <a:lnSpc>
+              <a:spcPct val="90000"/>
+            </a:lnSpc>
+            <a:spcBef>
+              <a:spcPct val="0"/>
+            </a:spcBef>
+            <a:spcAft>
+              <a:spcPct val="15000"/>
+            </a:spcAft>
+            <a:buChar char="•"/>
+          </a:pPr>
+          <a14:m xmlns:a14="http://schemas.microsoft.com/office/drawing/2010/main">
+            <m:oMath xmlns:m="http://schemas.openxmlformats.org/officeDocument/2006/math">
+              <m:r>
+                <a:rPr lang="pl-PL" sz="2800" i="1" kern="1200" dirty="0" smtClean="0">
+                  <a:latin typeface="Cambria Math" panose="02040503050406030204" pitchFamily="18" charset="0"/>
+                </a:rPr>
+                <m:t>𝑛</m:t>
+              </m:r>
+            </m:oMath>
+          </a14:m>
+          <a:r>
+            <a:rPr lang="pl-PL" sz="2800" kern="1200" dirty="0"/>
+            <a:t> </a:t>
+          </a:r>
+          <a:r>
+            <a:rPr lang="en-US" sz="2800" kern="1200" dirty="0"/>
+            <a:t>–</a:t>
+          </a:r>
+          <a:r>
+            <a:rPr lang="pl-PL" sz="2800" kern="1200" dirty="0"/>
+            <a:t> liczba naturalna</a:t>
+          </a:r>
+          <a:endParaRPr lang="en-US" sz="2800" kern="1200" dirty="0"/>
+        </a:p>
+      </dsp:txBody>
+      <dsp:txXfrm>
+        <a:off x="0" y="427959"/>
+        <a:ext cx="6586489" cy="1190700"/>
+      </dsp:txXfrm>
+    </dsp:sp>
+    <dsp:sp modelId="{06400271-6B14-4351-92C9-83110AAE741F}">
+      <dsp:nvSpPr>
+        <dsp:cNvPr id="0" name=""/>
+        <dsp:cNvSpPr/>
+      </dsp:nvSpPr>
+      <dsp:spPr>
+        <a:xfrm>
+          <a:off x="329324" y="14679"/>
+          <a:ext cx="4610542" cy="826560"/>
+        </a:xfrm>
+        <a:prstGeom prst="roundRect">
+          <a:avLst/>
+        </a:prstGeom>
+        <a:solidFill>
+          <a:schemeClr val="accent2">
+            <a:hueOff val="0"/>
+            <a:satOff val="0"/>
+            <a:lumOff val="0"/>
+            <a:alphaOff val="0"/>
+          </a:schemeClr>
+        </a:solidFill>
+        <a:ln w="12700" cap="flat" cmpd="sng" algn="ctr">
+          <a:solidFill>
+            <a:schemeClr val="lt1">
+              <a:hueOff val="0"/>
+              <a:satOff val="0"/>
+              <a:lumOff val="0"/>
+              <a:alphaOff val="0"/>
+            </a:schemeClr>
+          </a:solidFill>
+          <a:prstDash val="solid"/>
+          <a:miter lim="800000"/>
+        </a:ln>
+        <a:effectLst/>
+      </dsp:spPr>
+      <dsp:style>
+        <a:lnRef idx="2">
+          <a:scrgbClr r="0" g="0" b="0"/>
+        </a:lnRef>
+        <a:fillRef idx="1">
+          <a:scrgbClr r="0" g="0" b="0"/>
+        </a:fillRef>
+        <a:effectRef idx="0">
+          <a:scrgbClr r="0" g="0" b="0"/>
+        </a:effectRef>
+        <a:fontRef idx="minor">
+          <a:schemeClr val="lt1"/>
+        </a:fontRef>
+      </dsp:style>
+      <dsp:txBody>
+        <a:bodyPr spcFirstLastPara="0" vert="horz" wrap="square" lIns="174268" tIns="0" rIns="174268" bIns="0" numCol="1" spcCol="1270" anchor="ctr" anchorCtr="0">
+          <a:noAutofit/>
+        </a:bodyPr>
+        <a:lstStyle/>
+        <a:p>
+          <a:pPr marL="0" lvl="0" indent="0" algn="l" defTabSz="1244600">
+            <a:lnSpc>
+              <a:spcPct val="90000"/>
+            </a:lnSpc>
+            <a:spcBef>
+              <a:spcPct val="0"/>
+            </a:spcBef>
+            <a:spcAft>
+              <a:spcPct val="35000"/>
+            </a:spcAft>
+            <a:buNone/>
+          </a:pPr>
+          <a:r>
+            <a:rPr lang="pl-PL" sz="2800" kern="1200"/>
+            <a:t>Dane:</a:t>
+          </a:r>
+          <a:endParaRPr lang="en-US" sz="2800" kern="1200"/>
+        </a:p>
+      </dsp:txBody>
+      <dsp:txXfrm>
+        <a:off x="369673" y="55028"/>
+        <a:ext cx="4529844" cy="745862"/>
+      </dsp:txXfrm>
+    </dsp:sp>
+    <dsp:sp modelId="{D69911FE-321F-48E3-9501-87AD14237F65}">
+      <dsp:nvSpPr>
+        <dsp:cNvPr id="0" name=""/>
+        <dsp:cNvSpPr/>
+      </dsp:nvSpPr>
+      <dsp:spPr>
+        <a:xfrm>
+          <a:off x="0" y="2183139"/>
+          <a:ext cx="6586489" cy="1587600"/>
+        </a:xfrm>
+        <a:prstGeom prst="rect">
+          <a:avLst/>
+        </a:prstGeom>
+        <a:solidFill>
+          <a:schemeClr val="lt1">
+            <a:alpha val="90000"/>
+            <a:hueOff val="0"/>
+            <a:satOff val="0"/>
+            <a:lumOff val="0"/>
+            <a:alphaOff val="0"/>
+          </a:schemeClr>
+        </a:solidFill>
+        <a:ln w="12700" cap="flat" cmpd="sng" algn="ctr">
+          <a:solidFill>
+            <a:schemeClr val="accent2">
+              <a:hueOff val="0"/>
+              <a:satOff val="0"/>
+              <a:lumOff val="0"/>
+              <a:alphaOff val="0"/>
+            </a:schemeClr>
+          </a:solidFill>
+          <a:prstDash val="solid"/>
+          <a:miter lim="800000"/>
+        </a:ln>
+        <a:effectLst/>
+      </dsp:spPr>
+      <dsp:style>
+        <a:lnRef idx="2">
+          <a:scrgbClr r="0" g="0" b="0"/>
+        </a:lnRef>
+        <a:fillRef idx="1">
+          <a:scrgbClr r="0" g="0" b="0"/>
+        </a:fillRef>
+        <a:effectRef idx="0">
+          <a:scrgbClr r="0" g="0" b="0"/>
+        </a:effectRef>
+        <a:fontRef idx="minor"/>
+      </dsp:style>
+      <dsp:txBody>
+        <a:bodyPr spcFirstLastPara="0" vert="horz" wrap="square" lIns="511185" tIns="583184" rIns="511185" bIns="199136" numCol="1" spcCol="1270" anchor="t" anchorCtr="0">
+          <a:noAutofit/>
+        </a:bodyPr>
+        <a:lstStyle/>
+        <a:p>
+          <a:pPr marL="285750" lvl="1" indent="-285750" algn="l" defTabSz="1244600">
+            <a:lnSpc>
+              <a:spcPct val="90000"/>
+            </a:lnSpc>
+            <a:spcBef>
+              <a:spcPct val="0"/>
+            </a:spcBef>
+            <a:spcAft>
+              <a:spcPct val="15000"/>
+            </a:spcAft>
+            <a:buChar char="•"/>
+          </a:pPr>
+          <a:r>
+            <a:rPr lang="pl-PL" sz="2800" kern="1200" dirty="0"/>
+            <a:t>Lista liczb pierwszych z przedziału </a:t>
+          </a:r>
+          <a14:m xmlns:a14="http://schemas.microsoft.com/office/drawing/2010/main">
+            <m:oMath xmlns:m="http://schemas.openxmlformats.org/officeDocument/2006/math">
+              <m:r>
+                <a:rPr lang="pl-PL" sz="2800" i="1" kern="1200" dirty="0" smtClean="0">
+                  <a:latin typeface="Cambria Math" panose="02040503050406030204" pitchFamily="18" charset="0"/>
+                </a:rPr>
+                <m:t>[1,</m:t>
+              </m:r>
+              <m:r>
+                <a:rPr lang="pl-PL" sz="2800" i="1" kern="1200" dirty="0" smtClean="0">
+                  <a:latin typeface="Cambria Math" panose="02040503050406030204" pitchFamily="18" charset="0"/>
+                </a:rPr>
+                <m:t>𝑛</m:t>
+              </m:r>
+              <m:r>
+                <a:rPr lang="pl-PL" sz="2800" i="1" kern="1200" dirty="0" smtClean="0">
+                  <a:latin typeface="Cambria Math" panose="02040503050406030204" pitchFamily="18" charset="0"/>
+                </a:rPr>
+                <m:t>]</m:t>
+              </m:r>
+            </m:oMath>
+          </a14:m>
+          <a:endParaRPr lang="en-US" sz="2800" kern="1200" dirty="0"/>
+        </a:p>
+      </dsp:txBody>
+      <dsp:txXfrm>
+        <a:off x="0" y="2183139"/>
+        <a:ext cx="6586489" cy="1587600"/>
+      </dsp:txXfrm>
+    </dsp:sp>
+    <dsp:sp modelId="{4129F658-9E22-45BA-A163-CE687F14DBDC}">
+      <dsp:nvSpPr>
+        <dsp:cNvPr id="0" name=""/>
+        <dsp:cNvSpPr/>
+      </dsp:nvSpPr>
+      <dsp:spPr>
+        <a:xfrm>
+          <a:off x="329324" y="1769859"/>
+          <a:ext cx="4610542" cy="826560"/>
+        </a:xfrm>
+        <a:prstGeom prst="roundRect">
+          <a:avLst/>
+        </a:prstGeom>
+        <a:solidFill>
+          <a:schemeClr val="accent2">
+            <a:hueOff val="0"/>
+            <a:satOff val="0"/>
+            <a:lumOff val="0"/>
+            <a:alphaOff val="0"/>
+          </a:schemeClr>
+        </a:solidFill>
+        <a:ln w="12700" cap="flat" cmpd="sng" algn="ctr">
+          <a:solidFill>
+            <a:schemeClr val="lt1">
+              <a:hueOff val="0"/>
+              <a:satOff val="0"/>
+              <a:lumOff val="0"/>
+              <a:alphaOff val="0"/>
+            </a:schemeClr>
+          </a:solidFill>
+          <a:prstDash val="solid"/>
+          <a:miter lim="800000"/>
+        </a:ln>
+        <a:effectLst/>
+      </dsp:spPr>
+      <dsp:style>
+        <a:lnRef idx="2">
+          <a:scrgbClr r="0" g="0" b="0"/>
+        </a:lnRef>
+        <a:fillRef idx="1">
+          <a:scrgbClr r="0" g="0" b="0"/>
+        </a:fillRef>
+        <a:effectRef idx="0">
+          <a:scrgbClr r="0" g="0" b="0"/>
+        </a:effectRef>
+        <a:fontRef idx="minor">
+          <a:schemeClr val="lt1"/>
+        </a:fontRef>
+      </dsp:style>
+      <dsp:txBody>
+        <a:bodyPr spcFirstLastPara="0" vert="horz" wrap="square" lIns="174268" tIns="0" rIns="174268" bIns="0" numCol="1" spcCol="1270" anchor="ctr" anchorCtr="0">
+          <a:noAutofit/>
+        </a:bodyPr>
+        <a:lstStyle/>
+        <a:p>
+          <a:pPr marL="0" lvl="0" indent="0" algn="l" defTabSz="1244600">
+            <a:lnSpc>
+              <a:spcPct val="90000"/>
+            </a:lnSpc>
+            <a:spcBef>
+              <a:spcPct val="0"/>
+            </a:spcBef>
+            <a:spcAft>
+              <a:spcPct val="35000"/>
+            </a:spcAft>
+            <a:buNone/>
+          </a:pPr>
+          <a:r>
+            <a:rPr lang="pl-PL" sz="2800" kern="1200"/>
+            <a:t>Wynik:</a:t>
+          </a:r>
+          <a:endParaRPr lang="en-US" sz="2800" kern="1200"/>
+        </a:p>
+      </dsp:txBody>
+      <dsp:txXfrm>
+        <a:off x="369673" y="1810208"/>
+        <a:ext cx="4529844" cy="745862"/>
+      </dsp:txXfrm>
+    </dsp:sp>
+  </dsp:spTree>
+</dsp:drawing>
+</file>
+
+<file path=ppt/diagrams/layout1.xml><?xml version="1.0" encoding="utf-8"?>
+<dgm:layoutDef xmlns:dgm="http://schemas.openxmlformats.org/drawingml/2006/diagram" xmlns:a="http://schemas.openxmlformats.org/drawingml/2006/main" uniqueId="urn:microsoft.com/office/officeart/2005/8/layout/list1">
+  <dgm:title val=""/>
+  <dgm:desc val=""/>
+  <dgm:catLst>
+    <dgm:cat type="list" pri="4000"/>
+  </dgm:catLst>
+  <dgm:sampData>
+    <dgm:dataModel>
+      <dgm:ptLst>
+        <dgm:pt modelId="0" type="doc"/>
+        <dgm:pt modelId="1">
+          <dgm:prSet phldr="1"/>
+        </dgm:pt>
+        <dgm:pt modelId="2">
+          <dgm:prSet phldr="1"/>
+        </dgm:pt>
+        <dgm:pt modelId="3">
+          <dgm:prSet phldr="1"/>
+        </dgm:pt>
+      </dgm:ptLst>
+      <dgm:cxnLst>
+        <dgm:cxn modelId="4" srcId="0" destId="1" srcOrd="0" destOrd="0"/>
+        <dgm:cxn modelId="5" srcId="0" destId="2" srcOrd="1" destOrd="0"/>
+        <dgm:cxn modelId="6" srcId="0" destId="3" srcOrd="2" destOrd="0"/>
+      </dgm:cxnLst>
+      <dgm:bg/>
+      <dgm:whole/>
+    </dgm:dataModel>
+  </dgm:sampData>
+  <dgm:styleData>
+    <dgm:dataModel>
+      <dgm:ptLst>
+        <dgm:pt modelId="0" type="doc"/>
+        <dgm:pt modelId="1"/>
+        <dgm:pt modelId="2"/>
+      </dgm:ptLst>
+      <dgm:cxnLst>
+        <dgm:cxn modelId="4" srcId="0" destId="1" srcOrd="0" destOrd="0"/>
+        <dgm:cxn modelId="5" srcId="0" destId="2" srcOrd="1" destOrd="0"/>
+      </dgm:cxnLst>
+      <dgm:bg/>
+      <dgm:whole/>
+    </dgm:dataModel>
+  </dgm:styleData>
+  <dgm:clrData>
+    <dgm:dataModel>
+      <dgm:ptLst>
+        <dgm:pt modelId="0" type="doc"/>
+        <dgm:pt modelId="1"/>
+        <dgm:pt modelId="2"/>
+        <dgm:pt modelId="3"/>
+        <dgm:pt modelId="4"/>
+      </dgm:ptLst>
+      <dgm:cxnLst>
+        <dgm:cxn modelId="5" srcId="0" destId="1" srcOrd="0" destOrd="0"/>
+        <dgm:cxn modelId="6" srcId="0" destId="2" srcOrd="1" destOrd="0"/>
+        <dgm:cxn modelId="7" srcId="0" destId="3" srcOrd="2" destOrd="0"/>
+        <dgm:cxn modelId="8" srcId="0" destId="4" srcOrd="3" destOrd="0"/>
+      </dgm:cxnLst>
+      <dgm:bg/>
+      <dgm:whole/>
+    </dgm:dataModel>
+  </dgm:clrData>
+  <dgm:layoutNode name="linear">
+    <dgm:varLst>
+      <dgm:dir/>
+      <dgm:animLvl val="lvl"/>
+      <dgm:resizeHandles val="exact"/>
+    </dgm:varLst>
+    <dgm:choose name="Name0">
+      <dgm:if name="Name1" func="var" arg="dir" op="equ" val="norm">
+        <dgm:alg type="lin">
+          <dgm:param type="linDir" val="fromT"/>
+          <dgm:param type="vertAlign" val="mid"/>
+          <dgm:param type="horzAlign" val="l"/>
+          <dgm:param type="nodeHorzAlign" val="l"/>
+        </dgm:alg>
+      </dgm:if>
+      <dgm:else name="Name2">
+        <dgm:alg type="lin">
+          <dgm:param type="linDir" val="fromT"/>
+          <dgm:param type="vertAlign" val="mid"/>
+          <dgm:param type="horzAlign" val="r"/>
+          <dgm:param type="nodeHorzAlign" val="r"/>
+        </dgm:alg>
+      </dgm:else>
+    </dgm:choose>
+    <dgm:shape xmlns:r="http://schemas.openxmlformats.org/officeDocument/2006/relationships" r:blip="">
+      <dgm:adjLst/>
+    </dgm:shape>
+    <dgm:presOf/>
+    <dgm:constrLst>
+      <dgm:constr type="w" for="ch" forName="parentLin" refType="w"/>
+      <dgm:constr type="h" for="ch" forName="parentLin" val="INF"/>
+      <dgm:constr type="w" for="des" forName="parentLeftMargin" refType="w" fact="0.05"/>
+      <dgm:constr type="w" for="des" forName="parentText" refType="w" fact="0.7"/>
+      <dgm:constr type="h" for="des" forName="parentText" refType="primFontSz" refFor="des" refForName="parentText" fact="0.82"/>
+      <dgm:constr type="h" for="ch" forName="negativeSpace" refType="primFontSz" refFor="des" refForName="parentText" fact="-0.41"/>
+      <dgm:constr type="h" for="ch" forName="negativeSpace" refType="h" refFor="des" refForName="parentText" op="lte" fact="-0.82"/>
+      <dgm:constr type="h" for="ch" forName="negativeSpace" refType="h" refFor="des" refForName="parentText" op="gte" fact="-0.82"/>
+      <dgm:constr type="w" for="ch" forName="childText" refType="w"/>
+      <dgm:constr type="h" for="ch" forName="childText" refType="primFontSz" refFor="des" refForName="parentText" fact="0.7"/>
+      <dgm:constr type="primFontSz" for="des" forName="parentText" val="65"/>
+      <dgm:constr type="primFontSz" for="ch" forName="childText" refType="primFontSz" refFor="des" refForName="parentText"/>
+      <dgm:constr type="tMarg" for="ch" forName="childText" refType="primFontSz" refFor="des" refForName="parentText" fact="1.64"/>
+      <dgm:constr type="tMarg" for="ch" forName="childText" refType="h" refFor="des" refForName="parentText" op="lte" fact="3.28"/>
+      <dgm:constr type="tMarg" for="ch" forName="childText" refType="h" refFor="des" refForName="parentText" op="gte" fact="3.28"/>
+      <dgm:constr type="lMarg" for="ch" forName="childText" refType="w" fact="0.22"/>
+      <dgm:constr type="rMarg" for="ch" forName="childText" refType="lMarg" refFor="ch" refForName="childText"/>
+      <dgm:constr type="lMarg" for="des" forName="parentText" refType="w" fact="0.075"/>
+      <dgm:constr type="rMarg" for="des" forName="parentText" refType="lMarg" refFor="des" refForName="parentText"/>
+      <dgm:constr type="h" for="ch" forName="spaceBetweenRectangles" refType="primFontSz" refFor="des" refForName="parentText" fact="0.15"/>
+    </dgm:constrLst>
+    <dgm:ruleLst>
+      <dgm:rule type="primFontSz" for="des" forName="parentText" val="5" fact="NaN" max="NaN"/>
+    </dgm:ruleLst>
+    <dgm:forEach name="Name3" axis="ch" ptType="node">
+      <dgm:layoutNode name="parentLin">
+        <dgm:choose name="Name4">
+          <dgm:if name="Name5" func="var" arg="dir" op="equ" val="norm">
+            <dgm:alg type="lin">
+              <dgm:param type="linDir" val="fromL"/>
+              <dgm:param type="horzAlign" val="l"/>
+              <dgm:param type="nodeHorzAlign" val="l"/>
+            </dgm:alg>
+          </dgm:if>
+          <dgm:else name="Name6">
+            <dgm:alg type="lin">
+              <dgm:param type="linDir" val="fromR"/>
+              <dgm:param type="horzAlign" val="r"/>
+              <dgm:param type="nodeHorzAlign" val="r"/>
+            </dgm:alg>
+          </dgm:else>
+        </dgm:choose>
+        <dgm:shape xmlns:r="http://schemas.openxmlformats.org/officeDocument/2006/relationships" r:blip="">
+          <dgm:adjLst/>
+        </dgm:shape>
+        <dgm:presOf/>
+        <dgm:constrLst/>
+        <dgm:ruleLst/>
+        <dgm:layoutNode name="parentLeftMargin">
+          <dgm:alg type="sp"/>
+          <dgm:shape xmlns:r="http://schemas.openxmlformats.org/officeDocument/2006/relationships" type="rect" r:blip="" hideGeom="1">
+            <dgm:adjLst/>
+          </dgm:shape>
+          <dgm:presOf axis="self"/>
+          <dgm:constrLst>
+            <dgm:constr type="h"/>
+          </dgm:constrLst>
+          <dgm:ruleLst/>
+        </dgm:layoutNode>
+        <dgm:layoutNode name="parentText" styleLbl="node1">
+          <dgm:varLst>
+            <dgm:chMax val="0"/>
+            <dgm:bulletEnabled val="1"/>
+          </dgm:varLst>
+          <dgm:choose name="Name7">
+            <dgm:if name="Name8" func="var" arg="dir" op="equ" val="norm">
+              <dgm:alg type="tx">
+                <dgm:param type="parTxLTRAlign" val="l"/>
+                <dgm:param type="parTxRTLAlign" val="l"/>
+              </dgm:alg>
+            </dgm:if>
+            <dgm:else name="Name9">
+              <dgm:alg type="tx">
+                <dgm:param type="parTxLTRAlign" val="r"/>
+                <dgm:param type="parTxRTLAlign" val="r"/>
+              </dgm:alg>
+            </dgm:else>
+          </dgm:choose>
+          <dgm:shape xmlns:r="http://schemas.openxmlformats.org/officeDocument/2006/relationships" type="roundRect" r:blip="">
+            <dgm:adjLst/>
+          </dgm:shape>
+          <dgm:presOf axis="self" ptType="node"/>
+          <dgm:constrLst>
+            <dgm:constr type="tMarg"/>
+            <dgm:constr type="bMarg"/>
+          </dgm:constrLst>
+          <dgm:ruleLst/>
+        </dgm:layoutNode>
+      </dgm:layoutNode>
+      <dgm:layoutNode name="negativeSpace">
+        <dgm:alg type="sp"/>
+        <dgm:shape xmlns:r="http://schemas.openxmlformats.org/officeDocument/2006/relationships" r:blip="">
+          <dgm:adjLst/>
+        </dgm:shape>
+        <dgm:presOf/>
+        <dgm:constrLst/>
+        <dgm:ruleLst/>
+      </dgm:layoutNode>
+      <dgm:layoutNode name="childText" styleLbl="conFgAcc1">
+        <dgm:varLst>
+          <dgm:bulletEnabled val="1"/>
+        </dgm:varLst>
+        <dgm:alg type="tx">
+          <dgm:param type="stBulletLvl" val="1"/>
+        </dgm:alg>
+        <dgm:shape xmlns:r="http://schemas.openxmlformats.org/officeDocument/2006/relationships" type="rect" r:blip="" zOrderOff="-2">
+          <dgm:adjLst/>
+        </dgm:shape>
+        <dgm:presOf axis="des" ptType="node"/>
+        <dgm:constrLst>
+          <dgm:constr type="secFontSz" refType="primFontSz"/>
+        </dgm:constrLst>
+        <dgm:ruleLst>
+          <dgm:rule type="h" val="INF" fact="NaN" max="NaN"/>
+        </dgm:ruleLst>
+      </dgm:layoutNode>
+      <dgm:forEach name="Name10" axis="followSib" ptType="sibTrans" cnt="1">
+        <dgm:layoutNode name="spaceBetweenRectangles">
+          <dgm:alg type="sp"/>
+          <dgm:shape xmlns:r="http://schemas.openxmlformats.org/officeDocument/2006/relationships" r:blip="">
+            <dgm:adjLst/>
+          </dgm:shape>
+          <dgm:presOf/>
+          <dgm:constrLst/>
+          <dgm:ruleLst/>
+        </dgm:layoutNode>
+      </dgm:forEach>
+    </dgm:forEach>
+  </dgm:layoutNode>
+</dgm:layoutDef>
+</file>
+
+<file path=ppt/diagrams/quickStyle1.xml><?xml version="1.0" encoding="utf-8"?>
+<dgm:styleDef xmlns:dgm="http://schemas.openxmlformats.org/drawingml/2006/diagram" xmlns:a="http://schemas.openxmlformats.org/drawingml/2006/main" uniqueId="urn:microsoft.com/office/officeart/2005/8/quickstyle/simple1">
+  <dgm:title val=""/>
+  <dgm:desc val=""/>
+  <dgm:catLst>
+    <dgm:cat type="simple" pri="10100"/>
+  </dgm:catLst>
+  <dgm:scene3d>
+    <a:camera prst="orthographicFront"/>
+    <a:lightRig rig="threePt" dir="t"/>
+  </dgm:scene3d>
+  <dgm:styleLbl name="node0">
+    <dgm:scene3d>
+      <a:camera prst="orthographicFront"/>
+      <a:lightRig rig="threePt" dir="t"/>
+    </dgm:scene3d>
+    <dgm:sp3d/>
+    <dgm:txPr/>
+    <dgm:style>
+      <a:lnRef idx="2">
+        <a:scrgbClr r="0" g="0" b="0"/>
+      </a:lnRef>
+      <a:fillRef idx="1">
+        <a:scrgbClr r="0" g="0" b="0"/>
+      </a:fillRef>
+      <a:effectRef idx="0">
+        <a:scrgbClr r="0" g="0" b="0"/>
+      </a:effectRef>
+      <a:fontRef idx="minor">
+        <a:schemeClr val="lt1"/>
+      </a:fontRef>
+    </dgm:style>
+  </dgm:styleLbl>
+  <dgm:styleLbl name="lnNode1">
+    <dgm:scene3d>
+      <a:camera prst="orthographicFront"/>
+      <a:lightRig rig="threePt" dir="t"/>
+    </dgm:scene3d>
+    <dgm:sp3d/>
+    <dgm:txPr/>
+    <dgm:style>
+      <a:lnRef idx="2">
+        <a:scrgbClr r="0" g="0" b="0"/>
+      </a:lnRef>
+      <a:fillRef idx="1">
+        <a:scrgbClr r="0" g="0" b="0"/>
+      </a:fillRef>
+      <a:effectRef idx="0">
+        <a:scrgbClr r="0" g="0" b="0"/>
+      </a:effectRef>
+      <a:fontRef idx="minor">
+        <a:schemeClr val="lt1"/>
+      </a:fontRef>
+    </dgm:style>
+  </dgm:styleLbl>
+  <dgm:styleLbl name="vennNode1">
+    <dgm:scene3d>
+      <a:camera prst="orthographicFront"/>
+      <a:lightRig rig="threePt" dir="t"/>
+    </dgm:scene3d>
+    <dgm:sp3d/>
+    <dgm:txPr/>
+    <dgm:style>
+      <a:lnRef idx="2">
+        <a:scrgbClr r="0" g="0" b="0"/>
+      </a:lnRef>
+      <a:fillRef idx="1">
+        <a:scrgbClr r="0" g="0" b="0"/>
+      </a:fillRef>
+      <a:effectRef idx="0">
+        <a:scrgbClr r="0" g="0" b="0"/>
+      </a:effectRef>
+      <a:fontRef idx="minor">
+        <a:schemeClr val="tx1"/>
+      </a:fontRef>
+    </dgm:style>
+  </dgm:styleLbl>
+  <dgm:styleLbl name="alignNode1">
+    <dgm:scene3d>
+      <a:camera prst="orthographicFront"/>
+      <a:lightRig rig="threePt" dir="t"/>
+    </dgm:scene3d>
+    <dgm:sp3d/>
+    <dgm:txPr/>
+    <dgm:style>
+      <a:lnRef idx="2">
+        <a:scrgbClr r="0" g="0" b="0"/>
+      </a:lnRef>
+      <a:fillRef idx="1">
+        <a:scrgbClr r="0" g="0" b="0"/>
+      </a:fillRef>
+      <a:effectRef idx="0">
+        <a:scrgbClr r="0" g="0" b="0"/>
+      </a:effectRef>
+      <a:fontRef idx="minor">
+        <a:schemeClr val="lt1"/>
+      </a:fontRef>
+    </dgm:style>
+  </dgm:styleLbl>
+  <dgm:styleLbl name="node1">
+    <dgm:scene3d>
+      <a:camera prst="orthographicFront"/>
+      <a:lightRig rig="threePt" dir="t"/>
+    </dgm:scene3d>
+    <dgm:sp3d/>
+    <dgm:txPr/>
+    <dgm:style>
+      <a:lnRef idx="2">
+        <a:scrgbClr r="0" g="0" b="0"/>
+      </a:lnRef>
+      <a:fillRef idx="1">
+        <a:scrgbClr r="0" g="0" b="0"/>
+      </a:fillRef>
+      <a:effectRef idx="0">
+        <a:scrgbClr r="0" g="0" b="0"/>
+      </a:effectRef>
+      <a:fontRef idx="minor">
+        <a:schemeClr val="lt1"/>
+      </a:fontRef>
+    </dgm:style>
+  </dgm:styleLbl>
+  <dgm:styleLbl name="node2">
+    <dgm:scene3d>
+      <a:camera prst="orthographicFront"/>
+      <a:lightRig rig="threePt" dir="t"/>
+    </dgm:scene3d>
+    <dgm:sp3d/>
+    <dgm:txPr/>
+    <dgm:style>
+      <a:lnRef idx="2">
+        <a:scrgbClr r="0" g="0" b="0"/>
+      </a:lnRef>
+      <a:fillRef idx="1">
+        <a:scrgbClr r="0" g="0" b="0"/>
+      </a:fillRef>
+      <a:effectRef idx="0">
+        <a:scrgbClr r="0" g="0" b="0"/>
+      </a:effectRef>
+      <a:fontRef idx="minor">
+        <a:schemeClr val="lt1"/>
+      </a:fontRef>
+    </dgm:style>
+  </dgm:styleLbl>
+  <dgm:styleLbl name="node3">
+    <dgm:scene3d>
+      <a:camera prst="orthographicFront"/>
+      <a:lightRig rig="threePt" dir="t"/>
+    </dgm:scene3d>
+    <dgm:sp3d/>
+    <dgm:txPr/>
+    <dgm:style>
+      <a:lnRef idx="2">
+        <a:scrgbClr r="0" g="0" b="0"/>
+      </a:lnRef>
+      <a:fillRef idx="1">
+        <a:scrgbClr r="0" g="0" b="0"/>
+      </a:fillRef>
+      <a:effectRef idx="0">
+        <a:scrgbClr r="0" g="0" b="0"/>
+      </a:effectRef>
+      <a:fontRef idx="minor">
+        <a:schemeClr val="lt1"/>
+      </a:fontRef>
+    </dgm:style>
+  </dgm:styleLbl>
+  <dgm:styleLbl name="node4">
+    <dgm:scene3d>
+      <a:camera prst="orthographicFront"/>
+      <a:lightRig rig="threePt" dir="t"/>
+    </dgm:scene3d>
+    <dgm:sp3d/>
+    <dgm:txPr/>
+    <dgm:style>
+      <a:lnRef idx="2">
+        <a:scrgbClr r="0" g="0" b="0"/>
+      </a:lnRef>
+      <a:fillRef idx="1">
+        <a:scrgbClr r="0" g="0" b="0"/>
+      </a:fillRef>
+      <a:effectRef idx="0">
+        <a:scrgbClr r="0" g="0" b="0"/>
+      </a:effectRef>
+      <a:fontRef idx="minor">
+        <a:schemeClr val="lt1"/>
+      </a:fontRef>
+    </dgm:style>
+  </dgm:styleLbl>
+  <dgm:styleLbl name="fgImgPlace1">
+    <dgm:scene3d>
+      <a:camera prst="orthographicFront"/>
+      <a:lightRig rig="threePt" dir="t"/>
+    </dgm:scene3d>
+    <dgm:sp3d/>
+    <dgm:txPr/>
+    <dgm:style>
+      <a:lnRef idx="2">
+        <a:scrgbClr r="0" g="0" b="0"/>
+      </a:lnRef>
+      <a:fillRef idx="1">
+        <a:scrgbClr r="0" g="0" b="0"/>
+      </a:fillRef>
+      <a:effectRef idx="0">
+        <a:scrgbClr r="0" g="0" b="0"/>
+      </a:effectRef>
+      <a:fontRef idx="minor"/>
+    </dgm:style>
+  </dgm:styleLbl>
+  <dgm:styleLbl name="alignImgPlace1">
+    <dgm:scene3d>
+      <a:camera prst="orthographicFront"/>
+      <a:lightRig rig="threePt" dir="t"/>
+    </dgm:scene3d>
+    <dgm:sp3d/>
+    <dgm:txPr/>
+    <dgm:style>
+      <a:lnRef idx="2">
+        <a:scrgbClr r="0" g="0" b="0"/>
+      </a:lnRef>
+      <a:fillRef idx="1">
+        <a:scrgbClr r="0" g="0" b="0"/>
+      </a:fillRef>
+      <a:effectRef idx="0">
+        <a:scrgbClr r="0" g="0" b="0"/>
+      </a:effectRef>
+      <a:fontRef idx="minor"/>
+    </dgm:style>
+  </dgm:styleLbl>
+  <dgm:styleLbl name="bgImgPlace1">
+    <dgm:scene3d>
+      <a:camera prst="orthographicFront"/>
+      <a:lightRig rig="threePt" dir="t"/>
+    </dgm:scene3d>
+    <dgm:sp3d/>
+    <dgm:txPr/>
+    <dgm:style>
+      <a:lnRef idx="2">
+        <a:scrgbClr r="0" g="0" b="0"/>
+      </a:lnRef>
+      <a:fillRef idx="1">
+        <a:scrgbClr r="0" g="0" b="0"/>
+      </a:fillRef>
+      <a:effectRef idx="0">
+        <a:scrgbClr r="0" g="0" b="0"/>
+      </a:effectRef>
+      <a:fontRef idx="minor"/>
+    </dgm:style>
+  </dgm:styleLbl>
+  <dgm:styleLbl name="sibTrans2D1">
+    <dgm:scene3d>
+      <a:camera prst="orthographicFront"/>
+      <a:lightRig rig="threePt" dir="t"/>
+    </dgm:scene3d>
+    <dgm:sp3d/>
+    <dgm:txPr/>
+    <dgm:style>
+      <a:lnRef idx="0">
+        <a:scrgbClr r="0" g="0" b="0"/>
+      </a:lnRef>
+      <a:fillRef idx="1">
+        <a:scrgbClr r="0" g="0" b="0"/>
+      </a:fillRef>
+      <a:effectRef idx="0">
+        <a:scrgbClr r="0" g="0" b="0"/>
+      </a:effectRef>
+      <a:fontRef idx="minor">
+        <a:schemeClr val="lt1"/>
+      </a:fontRef>
+    </dgm:style>
+  </dgm:styleLbl>
+  <dgm:styleLbl name="fgSibTrans2D1">
+    <dgm:scene3d>
+      <a:camera prst="orthographicFront"/>
+      <a:lightRig rig="threePt" dir="t"/>
+    </dgm:scene3d>
+    <dgm:sp3d/>
+    <dgm:txPr/>
+    <dgm:style>
+      <a:lnRef idx="0">
+        <a:scrgbClr r="0" g="0" b="0"/>
+      </a:lnRef>
+      <a:fillRef idx="1">
+        <a:scrgbClr r="0" g="0" b="0"/>
+      </a:fillRef>
+      <a:effectRef idx="0">
+        <a:scrgbClr r="0" g="0" b="0"/>
+      </a:effectRef>
+      <a:fontRef idx="minor">
+        <a:schemeClr val="lt1"/>
+      </a:fontRef>
+    </dgm:style>
+  </dgm:styleLbl>
+  <dgm:styleLbl name="bgSibTrans2D1">
+    <dgm:scene3d>
+      <a:camera prst="orthographicFront"/>
+      <a:lightRig rig="threePt" dir="t"/>
+    </dgm:scene3d>
+    <dgm:sp3d/>
+    <dgm:txPr/>
+    <dgm:style>
+      <a:lnRef idx="0">
+        <a:scrgbClr r="0" g="0" b="0"/>
+      </a:lnRef>
+      <a:fillRef idx="1">
+        <a:scrgbClr r="0" g="0" b="0"/>
+      </a:fillRef>
+      <a:effectRef idx="0">
+        <a:scrgbClr r="0" g="0" b="0"/>
+      </a:effectRef>
+      <a:fontRef idx="minor">
+        <a:schemeClr val="lt1"/>
+      </a:fontRef>
+    </dgm:style>
+  </dgm:styleLbl>
+  <dgm:styleLbl name="sibTrans1D1">
+    <dgm:scene3d>
+      <a:camera prst="orthographicFront"/>
+      <a:lightRig rig="threePt" dir="t"/>
+    </dgm:scene3d>
+    <dgm:sp3d/>
+    <dgm:txPr/>
+    <dgm:style>
+      <a:lnRef idx="1">
+        <a:scrgbClr r="0" g="0" b="0"/>
+      </a:lnRef>
+      <a:fillRef idx="0">
+        <a:scrgbClr r="0" g="0" b="0"/>
+      </a:fillRef>
+      <a:effectRef idx="0">
+        <a:scrgbClr r="0" g="0" b="0"/>
+      </a:effectRef>
+      <a:fontRef idx="minor"/>
+    </dgm:style>
+  </dgm:styleLbl>
+  <dgm:styleLbl name="callout">
+    <dgm:scene3d>
+      <a:camera prst="orthographicFront"/>
+      <a:lightRig rig="threePt" dir="t"/>
+    </dgm:scene3d>
+    <dgm:sp3d/>
+    <dgm:txPr/>
+    <dgm:style>
+      <a:lnRef idx="2">
+        <a:scrgbClr r="0" g="0" b="0"/>
+      </a:lnRef>
+      <a:fillRef idx="1">
+        <a:scrgbClr r="0" g="0" b="0"/>
+      </a:fillRef>
+      <a:effectRef idx="0">
+        <a:scrgbClr r="0" g="0" b="0"/>
+      </a:effectRef>
+      <a:fontRef idx="minor"/>
+    </dgm:style>
+  </dgm:styleLbl>
+  <dgm:styleLbl name="asst0">
+    <dgm:scene3d>
+      <a:camera prst="orthographicFront"/>
+      <a:lightRig rig="threePt" dir="t"/>
+    </dgm:scene3d>
+    <dgm:sp3d/>
+    <dgm:txPr/>
+    <dgm:style>
+      <a:lnRef idx="2">
+        <a:scrgbClr r="0" g="0" b="0"/>
+      </a:lnRef>
+      <a:fillRef idx="1">
+        <a:scrgbClr r="0" g="0" b="0"/>
+      </a:fillRef>
+      <a:effectRef idx="0">
+        <a:scrgbClr r="0" g="0" b="0"/>
+      </a:effectRef>
+      <a:fontRef idx="minor">
+        <a:schemeClr val="lt1"/>
+      </a:fontRef>
+    </dgm:style>
+  </dgm:styleLbl>
+  <dgm:styleLbl name="asst1">
+    <dgm:scene3d>
+      <a:camera prst="orthographicFront"/>
+      <a:lightRig rig="threePt" dir="t"/>
+    </dgm:scene3d>
+    <dgm:sp3d/>
+    <dgm:txPr/>
+    <dgm:style>
+      <a:lnRef idx="2">
+        <a:scrgbClr r="0" g="0" b="0"/>
+      </a:lnRef>
+      <a:fillRef idx="1">
+        <a:scrgbClr r="0" g="0" b="0"/>
+      </a:fillRef>
+      <a:effectRef idx="0">
+        <a:scrgbClr r="0" g="0" b="0"/>
+      </a:effectRef>
+      <a:fontRef idx="minor">
+        <a:schemeClr val="lt1"/>
+      </a:fontRef>
+    </dgm:style>
+  </dgm:styleLbl>
+  <dgm:styleLbl name="asst2">
+    <dgm:scene3d>
+      <a:camera prst="orthographicFront"/>
+      <a:lightRig rig="threePt" dir="t"/>
+    </dgm:scene3d>
+    <dgm:sp3d/>
+    <dgm:txPr/>
+    <dgm:style>
+      <a:lnRef idx="2">
+        <a:scrgbClr r="0" g="0" b="0"/>
+      </a:lnRef>
+      <a:fillRef idx="1">
+        <a:scrgbClr r="0" g="0" b="0"/>
+      </a:fillRef>
+      <a:effectRef idx="0">
+        <a:scrgbClr r="0" g="0" b="0"/>
+      </a:effectRef>
+      <a:fontRef idx="minor">
+        <a:schemeClr val="lt1"/>
+      </a:fontRef>
+    </dgm:style>
+  </dgm:styleLbl>
+  <dgm:styleLbl name="asst3">
+    <dgm:scene3d>
+      <a:camera prst="orthographicFront"/>
+      <a:lightRig rig="threePt" dir="t"/>
+    </dgm:scene3d>
+    <dgm:sp3d/>
+    <dgm:txPr/>
+    <dgm:style>
+      <a:lnRef idx="2">
+        <a:scrgbClr r="0" g="0" b="0"/>
+      </a:lnRef>
+      <a:fillRef idx="1">
+        <a:scrgbClr r="0" g="0" b="0"/>
+      </a:fillRef>
+      <a:effectRef idx="0">
+        <a:scrgbClr r="0" g="0" b="0"/>
+      </a:effectRef>
+      <a:fontRef idx="minor">
+        <a:schemeClr val="lt1"/>
+      </a:fontRef>
+    </dgm:style>
+  </dgm:styleLbl>
+  <dgm:styleLbl name="asst4">
+    <dgm:scene3d>
+      <a:camera prst="orthographicFront"/>
+      <a:lightRig rig="threePt" dir="t"/>
+    </dgm:scene3d>
+    <dgm:sp3d/>
+    <dgm:txPr/>
+    <dgm:style>
+      <a:lnRef idx="2">
+        <a:scrgbClr r="0" g="0" b="0"/>
+      </a:lnRef>
+      <a:fillRef idx="1">
+        <a:scrgbClr r="0" g="0" b="0"/>
+      </a:fillRef>
+      <a:effectRef idx="0">
+        <a:scrgbClr r="0" g="0" b="0"/>
+      </a:effectRef>
+      <a:fontRef idx="minor">
+        <a:schemeClr val="lt1"/>
+      </a:fontRef>
+    </dgm:style>
+  </dgm:styleLbl>
+  <dgm:styleLbl name="parChTrans2D1">
+    <dgm:scene3d>
+      <a:camera prst="orthographicFront"/>
+      <a:lightRig rig="threePt" dir="t"/>
+    </dgm:scene3d>
+    <dgm:sp3d/>
+    <dgm:txPr/>
+    <dgm:style>
+      <a:lnRef idx="2">
+        <a:scrgbClr r="0" g="0" b="0"/>
+      </a:lnRef>
+      <a:fillRef idx="1">
+        <a:scrgbClr r="0" g="0" b="0"/>
+      </a:fillRef>
+      <a:effectRef idx="0">
+        <a:scrgbClr r="0" g="0" b="0"/>
+      </a:effectRef>
+      <a:fontRef idx="minor">
+        <a:schemeClr val="lt1"/>
+      </a:fontRef>
+    </dgm:style>
+  </dgm:styleLbl>
+  <dgm:styleLbl name="parChTrans2D2">
+    <dgm:scene3d>
+      <a:camera prst="orthographicFront"/>
+      <a:lightRig rig="threePt" dir="t"/>
+    </dgm:scene3d>
+    <dgm:sp3d/>
+    <dgm:txPr/>
+    <dgm:style>
+      <a:lnRef idx="2">
+        <a:scrgbClr r="0" g="0" b="0"/>
+      </a:lnRef>
+      <a:fillRef idx="1">
+        <a:scrgbClr r="0" g="0" b="0"/>
+      </a:fillRef>
+      <a:effectRef idx="0">
+        <a:scrgbClr r="0" g="0" b="0"/>
+      </a:effectRef>
+      <a:fontRef idx="minor">
+        <a:schemeClr val="lt1"/>
+      </a:fontRef>
+    </dgm:style>
+  </dgm:styleLbl>
+  <dgm:styleLbl name="parChTrans2D3">
+    <dgm:scene3d>
+      <a:camera prst="orthographicFront"/>
+      <a:lightRig rig="threePt" dir="t"/>
+    </dgm:scene3d>
+    <dgm:sp3d/>
+    <dgm:txPr/>
+    <dgm:style>
+      <a:lnRef idx="2">
+        <a:scrgbClr r="0" g="0" b="0"/>
+      </a:lnRef>
+      <a:fillRef idx="1">
+        <a:scrgbClr r="0" g="0" b="0"/>
+      </a:fillRef>
+      <a:effectRef idx="0">
+        <a:scrgbClr r="0" g="0" b="0"/>
+      </a:effectRef>
+      <a:fontRef idx="minor">
+        <a:schemeClr val="lt1"/>
+      </a:fontRef>
+    </dgm:style>
+  </dgm:styleLbl>
+  <dgm:styleLbl name="parChTrans2D4">
+    <dgm:scene3d>
+      <a:camera prst="orthographicFront"/>
+      <a:lightRig rig="threePt" dir="t"/>
+    </dgm:scene3d>
+    <dgm:sp3d/>
+    <dgm:txPr/>
+    <dgm:style>
+      <a:lnRef idx="2">
+        <a:scrgbClr r="0" g="0" b="0"/>
+      </a:lnRef>
+      <a:fillRef idx="1">
+        <a:scrgbClr r="0" g="0" b="0"/>
+      </a:fillRef>
+      <a:effectRef idx="0">
+        <a:scrgbClr r="0" g="0" b="0"/>
+      </a:effectRef>
+      <a:fontRef idx="minor">
+        <a:schemeClr val="lt1"/>
+      </a:fontRef>
+    </dgm:style>
+  </dgm:styleLbl>
+  <dgm:styleLbl name="parChTrans1D1">
+    <dgm:scene3d>
+      <a:camera prst="orthographicFront"/>
+      <a:lightRig rig="threePt" dir="t"/>
+    </dgm:scene3d>
+    <dgm:sp3d/>
+    <dgm:txPr/>
+    <dgm:style>
+      <a:lnRef idx="2">
+        <a:scrgbClr r="0" g="0" b="0"/>
+      </a:lnRef>
+      <a:fillRef idx="0">
+        <a:scrgbClr r="0" g="0" b="0"/>
+      </a:fillRef>
+      <a:effectRef idx="0">
+        <a:scrgbClr r="0" g="0" b="0"/>
+      </a:effectRef>
+      <a:fontRef idx="minor"/>
+    </dgm:style>
+  </dgm:styleLbl>
+  <dgm:styleLbl name="parChTrans1D2">
+    <dgm:scene3d>
+      <a:camera prst="orthographicFront"/>
+      <a:lightRig rig="threePt" dir="t"/>
+    </dgm:scene3d>
+    <dgm:sp3d/>
+    <dgm:txPr/>
+    <dgm:style>
+      <a:lnRef idx="2">
+        <a:scrgbClr r="0" g="0" b="0"/>
+      </a:lnRef>
+      <a:fillRef idx="0">
+        <a:scrgbClr r="0" g="0" b="0"/>
+      </a:fillRef>
+      <a:effectRef idx="0">
+        <a:scrgbClr r="0" g="0" b="0"/>
+      </a:effectRef>
+      <a:fontRef idx="minor"/>
+    </dgm:style>
+  </dgm:styleLbl>
+  <dgm:styleLbl name="parChTrans1D3">
+    <dgm:scene3d>
+      <a:camera prst="orthographicFront"/>
+      <a:lightRig rig="threePt" dir="t"/>
+    </dgm:scene3d>
+    <dgm:sp3d/>
+    <dgm:txPr/>
+    <dgm:style>
+      <a:lnRef idx="2">
+        <a:scrgbClr r="0" g="0" b="0"/>
+      </a:lnRef>
+      <a:fillRef idx="0">
+        <a:scrgbClr r="0" g="0" b="0"/>
+      </a:fillRef>
+      <a:effectRef idx="0">
+        <a:scrgbClr r="0" g="0" b="0"/>
+      </a:effectRef>
+      <a:fontRef idx="minor"/>
+    </dgm:style>
+  </dgm:styleLbl>
+  <dgm:styleLbl name="parChTrans1D4">
+    <dgm:scene3d>
+      <a:camera prst="orthographicFront"/>
+      <a:lightRig rig="threePt" dir="t"/>
+    </dgm:scene3d>
+    <dgm:sp3d/>
+    <dgm:txPr/>
+    <dgm:style>
+      <a:lnRef idx="2">
+        <a:scrgbClr r="0" g="0" b="0"/>
+      </a:lnRef>
+      <a:fillRef idx="0">
+        <a:scrgbClr r="0" g="0" b="0"/>
+      </a:fillRef>
+      <a:effectRef idx="0">
+        <a:scrgbClr r="0" g="0" b="0"/>
+      </a:effectRef>
+      <a:fontRef idx="minor"/>
+    </dgm:style>
+  </dgm:styleLbl>
+  <dgm:styleLbl name="fgAcc1">
+    <dgm:scene3d>
+      <a:camera prst="orthographicFront"/>
+      <a:lightRig rig="threePt" dir="t"/>
+    </dgm:scene3d>
+    <dgm:sp3d/>
+    <dgm:txPr/>
+    <dgm:style>
+      <a:lnRef idx="2">
+        <a:scrgbClr r="0" g="0" b="0"/>
+      </a:lnRef>
+      <a:fillRef idx="1">
+        <a:scrgbClr r="0" g="0" b="0"/>
+      </a:fillRef>
+      <a:effectRef idx="0">
+        <a:scrgbClr r="0" g="0" b="0"/>
+      </a:effectRef>
+      <a:fontRef idx="minor"/>
+    </dgm:style>
+  </dgm:styleLbl>
+  <dgm:styleLbl name="conFgAcc1">
+    <dgm:scene3d>
+      <a:camera prst="orthographicFront"/>
+      <a:lightRig rig="threePt" dir="t"/>
+    </dgm:scene3d>
+    <dgm:sp3d/>
+    <dgm:txPr/>
+    <dgm:style>
+      <a:lnRef idx="2">
+        <a:scrgbClr r="0" g="0" b="0"/>
+      </a:lnRef>
+      <a:fillRef idx="1">
+        <a:scrgbClr r="0" g="0" b="0"/>
+      </a:fillRef>
+      <a:effectRef idx="0">
+        <a:scrgbClr r="0" g="0" b="0"/>
+      </a:effectRef>
+      <a:fontRef idx="minor"/>
+    </dgm:style>
+  </dgm:styleLbl>
+  <dgm:styleLbl name="alignAcc1">
+    <dgm:scene3d>
+      <a:camera prst="orthographicFront"/>
+      <a:lightRig rig="threePt" dir="t"/>
+    </dgm:scene3d>
+    <dgm:sp3d/>
+    <dgm:txPr/>
+    <dgm:style>
+      <a:lnRef idx="2">
+        <a:scrgbClr r="0" g="0" b="0"/>
+      </a:lnRef>
+      <a:fillRef idx="1">
+        <a:scrgbClr r="0" g="0" b="0"/>
+      </a:fillRef>
+      <a:effectRef idx="0">
+        <a:scrgbClr r="0" g="0" b="0"/>
+      </a:effectRef>
+      <a:fontRef idx="minor"/>
+    </dgm:style>
+  </dgm:styleLbl>
+  <dgm:styleLbl name="trAlignAcc1">
+    <dgm:scene3d>
+      <a:camera prst="orthographicFront"/>
+      <a:lightRig rig="threePt" dir="t"/>
+    </dgm:scene3d>
+    <dgm:sp3d/>
+    <dgm:txPr/>
+    <dgm:style>
+      <a:lnRef idx="1">
+        <a:scrgbClr r="0" g="0" b="0"/>
+      </a:lnRef>
+      <a:fillRef idx="1">
+        <a:scrgbClr r="0" g="0" b="0"/>
+      </a:fillRef>
+      <a:effectRef idx="0">
+        <a:scrgbClr r="0" g="0" b="0"/>
+      </a:effectRef>
+      <a:fontRef idx="minor"/>
+    </dgm:style>
+  </dgm:styleLbl>
+  <dgm:styleLbl name="bgAcc1">
+    <dgm:scene3d>
+      <a:camera prst="orthographicFront"/>
+      <a:lightRig rig="threePt" dir="t"/>
+    </dgm:scene3d>
+    <dgm:sp3d/>
+    <dgm:txPr/>
+    <dgm:style>
+      <a:lnRef idx="2">
+        <a:scrgbClr r="0" g="0" b="0"/>
+      </a:lnRef>
+      <a:fillRef idx="1">
+        <a:scrgbClr r="0" g="0" b="0"/>
+      </a:fillRef>
+      <a:effectRef idx="0">
+        <a:scrgbClr r="0" g="0" b="0"/>
+      </a:effectRef>
+      <a:fontRef idx="minor"/>
+    </dgm:style>
+  </dgm:styleLbl>
+  <dgm:styleLbl name="solidFgAcc1">
+    <dgm:scene3d>
+      <a:camera prst="orthographicFront"/>
+      <a:lightRig rig="threePt" dir="t"/>
+    </dgm:scene3d>
+    <dgm:sp3d/>
+    <dgm:txPr/>
+    <dgm:style>
+      <a:lnRef idx="2">
+        <a:scrgbClr r="0" g="0" b="0"/>
+      </a:lnRef>
+      <a:fillRef idx="1">
+        <a:scrgbClr r="0" g="0" b="0"/>
+      </a:fillRef>
+      <a:effectRef idx="0">
+        <a:scrgbClr r="0" g="0" b="0"/>
+      </a:effectRef>
+      <a:fontRef idx="minor"/>
+    </dgm:style>
+  </dgm:styleLbl>
+  <dgm:styleLbl name="solidAlignAcc1">
+    <dgm:scene3d>
+      <a:camera prst="orthographicFront"/>
+      <a:lightRig rig="threePt" dir="t"/>
+    </dgm:scene3d>
+    <dgm:sp3d/>
+    <dgm:txPr/>
+    <dgm:style>
+      <a:lnRef idx="2">
+        <a:scrgbClr r="0" g="0" b="0"/>
+      </a:lnRef>
+      <a:fillRef idx="1">
+        <a:scrgbClr r="0" g="0" b="0"/>
+      </a:fillRef>
+      <a:effectRef idx="0">
+        <a:scrgbClr r="0" g="0" b="0"/>
+      </a:effectRef>
+      <a:fontRef idx="minor"/>
+    </dgm:style>
+  </dgm:styleLbl>
+  <dgm:styleLbl name="solidBgAcc1">
+    <dgm:scene3d>
+      <a:camera prst="orthographicFront"/>
+      <a:lightRig rig="threePt" dir="t"/>
+    </dgm:scene3d>
+    <dgm:sp3d/>
+    <dgm:txPr/>
+    <dgm:style>
+      <a:lnRef idx="2">
+        <a:scrgbClr r="0" g="0" b="0"/>
+      </a:lnRef>
+      <a:fillRef idx="1">
+        <a:scrgbClr r="0" g="0" b="0"/>
+      </a:fillRef>
+      <a:effectRef idx="0">
+        <a:scrgbClr r="0" g="0" b="0"/>
+      </a:effectRef>
+      <a:fontRef idx="minor"/>
+    </dgm:style>
+  </dgm:styleLbl>
+  <dgm:styleLbl name="fgAccFollowNode1">
+    <dgm:scene3d>
+      <a:camera prst="orthographicFront"/>
+      <a:lightRig rig="threePt" dir="t"/>
+    </dgm:scene3d>
+    <dgm:sp3d/>
+    <dgm:txPr/>
+    <dgm:style>
+      <a:lnRef idx="2">
+        <a:scrgbClr r="0" g="0" b="0"/>
+      </a:lnRef>
+      <a:fillRef idx="1">
+        <a:scrgbClr r="0" g="0" b="0"/>
+      </a:fillRef>
+      <a:effectRef idx="0">
+        <a:scrgbClr r="0" g="0" b="0"/>
+      </a:effectRef>
+      <a:fontRef idx="minor"/>
+    </dgm:style>
+  </dgm:styleLbl>
+  <dgm:styleLbl name="alignAccFollowNode1">
+    <dgm:scene3d>
+      <a:camera prst="orthographicFront"/>
+      <a:lightRig rig="threePt" dir="t"/>
+    </dgm:scene3d>
+    <dgm:sp3d/>
+    <dgm:txPr/>
+    <dgm:style>
+      <a:lnRef idx="2">
+        <a:scrgbClr r="0" g="0" b="0"/>
+      </a:lnRef>
+      <a:fillRef idx="1">
+        <a:scrgbClr r="0" g="0" b="0"/>
+      </a:fillRef>
+      <a:effectRef idx="0">
+        <a:scrgbClr r="0" g="0" b="0"/>
+      </a:effectRef>
+      <a:fontRef idx="minor"/>
+    </dgm:style>
+  </dgm:styleLbl>
+  <dgm:styleLbl name="bgAccFollowNode1">
+    <dgm:scene3d>
+      <a:camera prst="orthographicFront"/>
+      <a:lightRig rig="threePt" dir="t"/>
+    </dgm:scene3d>
+    <dgm:sp3d/>
+    <dgm:txPr/>
+    <dgm:style>
+      <a:lnRef idx="2">
+        <a:scrgbClr r="0" g="0" b="0"/>
+      </a:lnRef>
+      <a:fillRef idx="1">
+        <a:scrgbClr r="0" g="0" b="0"/>
+      </a:fillRef>
+      <a:effectRef idx="0">
+        <a:scrgbClr r="0" g="0" b="0"/>
+      </a:effectRef>
+      <a:fontRef idx="minor"/>
+    </dgm:style>
+  </dgm:styleLbl>
+  <dgm:styleLbl name="fgAcc0">
+    <dgm:scene3d>
+      <a:camera prst="orthographicFront"/>
+      <a:lightRig rig="threePt" dir="t"/>
+    </dgm:scene3d>
+    <dgm:sp3d/>
+    <dgm:txPr/>
+    <dgm:style>
+      <a:lnRef idx="2">
+        <a:scrgbClr r="0" g="0" b="0"/>
+      </a:lnRef>
+      <a:fillRef idx="1">
+        <a:scrgbClr r="0" g="0" b="0"/>
+      </a:fillRef>
+      <a:effectRef idx="0">
+        <a:scrgbClr r="0" g="0" b="0"/>
+      </a:effectRef>
+      <a:fontRef idx="minor"/>
+    </dgm:style>
+  </dgm:styleLbl>
+  <dgm:styleLbl name="fgAcc2">
+    <dgm:scene3d>
+      <a:camera prst="orthographicFront"/>
+      <a:lightRig rig="threePt" dir="t"/>
+    </dgm:scene3d>
+    <dgm:sp3d/>
+    <dgm:txPr/>
+    <dgm:style>
+      <a:lnRef idx="2">
+        <a:scrgbClr r="0" g="0" b="0"/>
+      </a:lnRef>
+      <a:fillRef idx="1">
+        <a:scrgbClr r="0" g="0" b="0"/>
+      </a:fillRef>
+      <a:effectRef idx="0">
+        <a:scrgbClr r="0" g="0" b="0"/>
+      </a:effectRef>
+      <a:fontRef idx="minor"/>
+    </dgm:style>
+  </dgm:styleLbl>
+  <dgm:styleLbl name="fgAcc3">
+    <dgm:scene3d>
+      <a:camera prst="orthographicFront"/>
+      <a:lightRig rig="threePt" dir="t"/>
+    </dgm:scene3d>
+    <dgm:sp3d/>
+    <dgm:txPr/>
+    <dgm:style>
+      <a:lnRef idx="2">
+        <a:scrgbClr r="0" g="0" b="0"/>
+      </a:lnRef>
+      <a:fillRef idx="1">
+        <a:scrgbClr r="0" g="0" b="0"/>
+      </a:fillRef>
+      <a:effectRef idx="0">
+        <a:scrgbClr r="0" g="0" b="0"/>
+      </a:effectRef>
+      <a:fontRef idx="minor"/>
+    </dgm:style>
+  </dgm:styleLbl>
+  <dgm:styleLbl name="fgAcc4">
+    <dgm:scene3d>
+      <a:camera prst="orthographicFront"/>
+      <a:lightRig rig="threePt" dir="t"/>
+    </dgm:scene3d>
+    <dgm:sp3d/>
+    <dgm:txPr/>
+    <dgm:style>
+      <a:lnRef idx="2">
+        <a:scrgbClr r="0" g="0" b="0"/>
+      </a:lnRef>
+      <a:fillRef idx="1">
+        <a:scrgbClr r="0" g="0" b="0"/>
+      </a:fillRef>
+      <a:effectRef idx="0">
+        <a:scrgbClr r="0" g="0" b="0"/>
+      </a:effectRef>
+      <a:fontRef idx="minor"/>
+    </dgm:style>
+  </dgm:styleLbl>
+  <dgm:styleLbl name="bgShp">
+    <dgm:scene3d>
+      <a:camera prst="orthographicFront"/>
+      <a:lightRig rig="threePt" dir="t"/>
+    </dgm:scene3d>
+    <dgm:sp3d/>
+    <dgm:txPr/>
+    <dgm:style>
+      <a:lnRef idx="0">
+        <a:scrgbClr r="0" g="0" b="0"/>
+      </a:lnRef>
+      <a:fillRef idx="1">
+        <a:scrgbClr r="0" g="0" b="0"/>
+      </a:fillRef>
+      <a:effectRef idx="0">
+        <a:scrgbClr r="0" g="0" b="0"/>
+      </a:effectRef>
+      <a:fontRef idx="minor"/>
+    </dgm:style>
+  </dgm:styleLbl>
+  <dgm:styleLbl name="dkBgShp">
+    <dgm:scene3d>
+      <a:camera prst="orthographicFront"/>
+      <a:lightRig rig="threePt" dir="t"/>
+    </dgm:scene3d>
+    <dgm:sp3d/>
+    <dgm:txPr/>
+    <dgm:style>
+      <a:lnRef idx="0">
+        <a:scrgbClr r="0" g="0" b="0"/>
+      </a:lnRef>
+      <a:fillRef idx="1">
+        <a:scrgbClr r="0" g="0" b="0"/>
+      </a:fillRef>
+      <a:effectRef idx="0">
+        <a:scrgbClr r="0" g="0" b="0"/>
+      </a:effectRef>
+      <a:fontRef idx="minor"/>
+    </dgm:style>
+  </dgm:styleLbl>
+  <dgm:styleLbl name="trBgShp">
+    <dgm:scene3d>
+      <a:camera prst="orthographicFront"/>
+      <a:lightRig rig="threePt" dir="t"/>
+    </dgm:scene3d>
+    <dgm:sp3d/>
+    <dgm:txPr/>
+    <dgm:style>
+      <a:lnRef idx="0">
+        <a:scrgbClr r="0" g="0" b="0"/>
+      </a:lnRef>
+      <a:fillRef idx="1">
+        <a:scrgbClr r="0" g="0" b="0"/>
+      </a:fillRef>
+      <a:effectRef idx="0">
+        <a:scrgbClr r="0" g="0" b="0"/>
+      </a:effectRef>
+      <a:fontRef idx="minor"/>
+    </dgm:style>
+  </dgm:styleLbl>
+  <dgm:styleLbl name="fgShp">
+    <dgm:scene3d>
+      <a:camera prst="orthographicFront"/>
+      <a:lightRig rig="threePt" dir="t"/>
+    </dgm:scene3d>
+    <dgm:sp3d/>
+    <dgm:txPr/>
+    <dgm:style>
+      <a:lnRef idx="2">
+        <a:scrgbClr r="0" g="0" b="0"/>
+      </a:lnRef>
+      <a:fillRef idx="1">
+        <a:scrgbClr r="0" g="0" b="0"/>
+      </a:fillRef>
+      <a:effectRef idx="0">
+        <a:scrgbClr r="0" g="0" b="0"/>
+      </a:effectRef>
+      <a:fontRef idx="minor"/>
+    </dgm:style>
+  </dgm:styleLbl>
+  <dgm:styleLbl name="revTx">
+    <dgm:scene3d>
+      <a:camera prst="orthographicFront"/>
+      <a:lightRig rig="threePt" dir="t"/>
+    </dgm:scene3d>
+    <dgm:sp3d/>
+    <dgm:txPr/>
+    <dgm:style>
+      <a:lnRef idx="0">
+        <a:scrgbClr r="0" g="0" b="0"/>
+      </a:lnRef>
+      <a:fillRef idx="0">
+        <a:scrgbClr r="0" g="0" b="0"/>
+      </a:fillRef>
+      <a:effectRef idx="0">
+        <a:scrgbClr r="0" g="0" b="0"/>
+      </a:effectRef>
+      <a:fontRef idx="minor"/>
+    </dgm:style>
+  </dgm:styleLbl>
+</dgm:styleDef>
+</file>
+
 <file path=ppt/notesMasters/notesMaster1.xml><?xml version="1.0" encoding="utf-8"?>
 <p:notesMaster xmlns:a="http://schemas.openxmlformats.org/drawingml/2006/main" xmlns:r="http://schemas.openxmlformats.org/officeDocument/2006/relationships" xmlns:p="http://schemas.openxmlformats.org/presentationml/2006/main">
   <p:cSld>
@@ -256,7 +3284,7 @@
           <a:p>
             <a:fld id="{58A804C3-535F-864F-B0AC-BDF4198998B8}" type="datetimeFigureOut">
               <a:rPr lang="pl-PL" smtClean="0"/>
-              <a:t>10.05.2021</a:t>
+              <a:t>05.11.2022</a:t>
             </a:fld>
             <a:endParaRPr lang="pl-PL"/>
           </a:p>
@@ -652,7 +3680,7 @@
           <a:p>
             <a:fld id="{29D39C55-4B8C-5545-B50C-601665B4E541}" type="datetimeFigureOut">
               <a:rPr lang="pl-PL" smtClean="0"/>
-              <a:t>10.05.2021</a:t>
+              <a:t>05.11.2022</a:t>
             </a:fld>
             <a:endParaRPr lang="pl-PL"/>
           </a:p>
@@ -820,7 +3848,7 @@
           <a:p>
             <a:fld id="{29D39C55-4B8C-5545-B50C-601665B4E541}" type="datetimeFigureOut">
               <a:rPr lang="pl-PL" smtClean="0"/>
-              <a:t>10.05.2021</a:t>
+              <a:t>05.11.2022</a:t>
             </a:fld>
             <a:endParaRPr lang="pl-PL"/>
           </a:p>
@@ -998,7 +4026,7 @@
           <a:p>
             <a:fld id="{29D39C55-4B8C-5545-B50C-601665B4E541}" type="datetimeFigureOut">
               <a:rPr lang="pl-PL" smtClean="0"/>
-              <a:t>10.05.2021</a:t>
+              <a:t>05.11.2022</a:t>
             </a:fld>
             <a:endParaRPr lang="pl-PL"/>
           </a:p>
@@ -1166,7 +4194,7 @@
           <a:p>
             <a:fld id="{29D39C55-4B8C-5545-B50C-601665B4E541}" type="datetimeFigureOut">
               <a:rPr lang="pl-PL" smtClean="0"/>
-              <a:t>10.05.2021</a:t>
+              <a:t>05.11.2022</a:t>
             </a:fld>
             <a:endParaRPr lang="pl-PL"/>
           </a:p>
@@ -1411,7 +4439,7 @@
           <a:p>
             <a:fld id="{29D39C55-4B8C-5545-B50C-601665B4E541}" type="datetimeFigureOut">
               <a:rPr lang="pl-PL" smtClean="0"/>
-              <a:t>10.05.2021</a:t>
+              <a:t>05.11.2022</a:t>
             </a:fld>
             <a:endParaRPr lang="pl-PL"/>
           </a:p>
@@ -1640,7 +4668,7 @@
           <a:p>
             <a:fld id="{29D39C55-4B8C-5545-B50C-601665B4E541}" type="datetimeFigureOut">
               <a:rPr lang="pl-PL" smtClean="0"/>
-              <a:t>10.05.2021</a:t>
+              <a:t>05.11.2022</a:t>
             </a:fld>
             <a:endParaRPr lang="pl-PL"/>
           </a:p>
@@ -2004,7 +5032,7 @@
           <a:p>
             <a:fld id="{29D39C55-4B8C-5545-B50C-601665B4E541}" type="datetimeFigureOut">
               <a:rPr lang="pl-PL" smtClean="0"/>
-              <a:t>10.05.2021</a:t>
+              <a:t>05.11.2022</a:t>
             </a:fld>
             <a:endParaRPr lang="pl-PL"/>
           </a:p>
@@ -2121,7 +5149,7 @@
           <a:p>
             <a:fld id="{29D39C55-4B8C-5545-B50C-601665B4E541}" type="datetimeFigureOut">
               <a:rPr lang="pl-PL" smtClean="0"/>
-              <a:t>10.05.2021</a:t>
+              <a:t>05.11.2022</a:t>
             </a:fld>
             <a:endParaRPr lang="pl-PL"/>
           </a:p>
@@ -2216,7 +5244,7 @@
           <a:p>
             <a:fld id="{29D39C55-4B8C-5545-B50C-601665B4E541}" type="datetimeFigureOut">
               <a:rPr lang="pl-PL" smtClean="0"/>
-              <a:t>10.05.2021</a:t>
+              <a:t>05.11.2022</a:t>
             </a:fld>
             <a:endParaRPr lang="pl-PL"/>
           </a:p>
@@ -2491,7 +5519,7 @@
           <a:p>
             <a:fld id="{29D39C55-4B8C-5545-B50C-601665B4E541}" type="datetimeFigureOut">
               <a:rPr lang="pl-PL" smtClean="0"/>
-              <a:t>10.05.2021</a:t>
+              <a:t>05.11.2022</a:t>
             </a:fld>
             <a:endParaRPr lang="pl-PL"/>
           </a:p>
@@ -2743,7 +5771,7 @@
           <a:p>
             <a:fld id="{29D39C55-4B8C-5545-B50C-601665B4E541}" type="datetimeFigureOut">
               <a:rPr lang="pl-PL" smtClean="0"/>
-              <a:t>10.05.2021</a:t>
+              <a:t>05.11.2022</a:t>
             </a:fld>
             <a:endParaRPr lang="pl-PL"/>
           </a:p>
@@ -2954,7 +5982,7 @@
           <a:p>
             <a:fld id="{29D39C55-4B8C-5545-B50C-601665B4E541}" type="datetimeFigureOut">
               <a:rPr lang="pl-PL" smtClean="0"/>
-              <a:t>10.05.2021</a:t>
+              <a:t>05.11.2022</a:t>
             </a:fld>
             <a:endParaRPr lang="pl-PL"/>
           </a:p>
@@ -3345,6 +6373,14 @@
 <file path=ppt/slides/slide1.xml><?xml version="1.0" encoding="utf-8"?>
 <p:sld xmlns:a="http://schemas.openxmlformats.org/drawingml/2006/main" xmlns:r="http://schemas.openxmlformats.org/officeDocument/2006/relationships" xmlns:p="http://schemas.openxmlformats.org/presentationml/2006/main">
   <p:cSld>
+    <p:bg>
+      <p:bgPr>
+        <a:solidFill>
+          <a:schemeClr val="bg1"/>
+        </a:solidFill>
+        <a:effectLst/>
+      </p:bgPr>
+    </p:bg>
     <p:spTree>
       <p:nvGrpSpPr>
         <p:cNvPr id="1" name=""/>
@@ -3359,6 +6395,131 @@
           <a:chExt cx="0" cy="0"/>
         </a:xfrm>
       </p:grpSpPr>
+      <p:sp useBgFill="1">
+        <p:nvSpPr>
+          <p:cNvPr id="8" name="Rectangle 7">
+            <a:extLst>
+              <a:ext uri="{FF2B5EF4-FFF2-40B4-BE49-F238E27FC236}">
+                <a16:creationId xmlns:a16="http://schemas.microsoft.com/office/drawing/2014/main" id="{1066A232-DA3A-45DA-90CB-5D1C8F25672F}"/>
+              </a:ext>
+              <a:ext uri="{C183D7F6-B498-43B3-948B-1728B52AA6E4}">
+                <adec:decorative xmlns:adec="http://schemas.microsoft.com/office/drawing/2017/decorative" val="1"/>
+              </a:ext>
+            </a:extLst>
+          </p:cNvPr>
+          <p:cNvSpPr>
+            <a:spLocks noGrp="1" noRot="1" noChangeAspect="1" noMove="1" noResize="1" noEditPoints="1" noAdjustHandles="1" noChangeArrowheads="1" noChangeShapeType="1" noTextEdit="1"/>
+          </p:cNvSpPr>
+          <p:nvPr>
+            <p:extLst>
+              <p:ext uri="{386F3935-93C4-4BCD-93E2-E3B085C9AB24}">
+                <p16:designElem xmlns:p16="http://schemas.microsoft.com/office/powerpoint/2015/main" val="1"/>
+              </p:ext>
+            </p:extLst>
+          </p:nvPr>
+        </p:nvSpPr>
+        <p:spPr>
+          <a:xfrm>
+            <a:off x="0" y="0"/>
+            <a:ext cx="12192000" cy="6858000"/>
+          </a:xfrm>
+          <a:prstGeom prst="rect">
+            <a:avLst/>
+          </a:prstGeom>
+          <a:ln>
+            <a:noFill/>
+          </a:ln>
+        </p:spPr>
+        <p:style>
+          <a:lnRef idx="2">
+            <a:schemeClr val="accent1">
+              <a:shade val="50000"/>
+            </a:schemeClr>
+          </a:lnRef>
+          <a:fillRef idx="1">
+            <a:schemeClr val="accent1"/>
+          </a:fillRef>
+          <a:effectRef idx="0">
+            <a:schemeClr val="accent1"/>
+          </a:effectRef>
+          <a:fontRef idx="minor">
+            <a:schemeClr val="lt1"/>
+          </a:fontRef>
+        </p:style>
+        <p:txBody>
+          <a:bodyPr rtlCol="0" anchor="ctr"/>
+          <a:lstStyle/>
+          <a:p>
+            <a:pPr algn="ctr"/>
+            <a:endParaRPr lang="en-US"/>
+          </a:p>
+        </p:txBody>
+      </p:sp>
+      <p:sp>
+        <p:nvSpPr>
+          <p:cNvPr id="10" name="Rectangle 62">
+            <a:extLst>
+              <a:ext uri="{FF2B5EF4-FFF2-40B4-BE49-F238E27FC236}">
+                <a16:creationId xmlns:a16="http://schemas.microsoft.com/office/drawing/2014/main" id="{84621B30-14E9-46CC-BC16-11C343C7CFF5}"/>
+              </a:ext>
+              <a:ext uri="{C183D7F6-B498-43B3-948B-1728B52AA6E4}">
+                <adec:decorative xmlns:adec="http://schemas.microsoft.com/office/drawing/2017/decorative" val="1"/>
+              </a:ext>
+            </a:extLst>
+          </p:cNvPr>
+          <p:cNvSpPr>
+            <a:spLocks noGrp="1" noRot="1" noChangeAspect="1" noMove="1" noResize="1" noEditPoints="1" noAdjustHandles="1" noChangeArrowheads="1" noChangeShapeType="1" noTextEdit="1"/>
+          </p:cNvSpPr>
+          <p:nvPr>
+            <p:extLst>
+              <p:ext uri="{386F3935-93C4-4BCD-93E2-E3B085C9AB24}">
+                <p16:designElem xmlns:p16="http://schemas.microsoft.com/office/powerpoint/2015/main" val="1"/>
+              </p:ext>
+            </p:extLst>
+          </p:nvPr>
+        </p:nvSpPr>
+        <p:spPr>
+          <a:xfrm rot="5400000">
+            <a:off x="3754552" y="-3757380"/>
+            <a:ext cx="4682893" cy="12192001"/>
+          </a:xfrm>
+          <a:prstGeom prst="rect">
+            <a:avLst/>
+          </a:prstGeom>
+          <a:solidFill>
+            <a:schemeClr val="bg1">
+              <a:lumMod val="95000"/>
+            </a:schemeClr>
+          </a:solidFill>
+          <a:ln>
+            <a:noFill/>
+          </a:ln>
+        </p:spPr>
+        <p:style>
+          <a:lnRef idx="2">
+            <a:schemeClr val="accent1">
+              <a:shade val="50000"/>
+            </a:schemeClr>
+          </a:lnRef>
+          <a:fillRef idx="1">
+            <a:schemeClr val="accent1"/>
+          </a:fillRef>
+          <a:effectRef idx="0">
+            <a:schemeClr val="accent1"/>
+          </a:effectRef>
+          <a:fontRef idx="minor">
+            <a:schemeClr val="lt1"/>
+          </a:fontRef>
+        </p:style>
+        <p:txBody>
+          <a:bodyPr rtlCol="0" anchor="ctr"/>
+          <a:lstStyle/>
+          <a:p>
+            <a:pPr algn="ctr"/>
+            <a:endParaRPr lang="en-US"/>
+          </a:p>
+        </p:txBody>
+      </p:sp>
       <p:sp>
         <p:nvSpPr>
           <p:cNvPr id="2" name="Tytuł 1"/>
@@ -3369,13 +6530,20 @@
             <p:ph type="ctrTitle"/>
           </p:nvPr>
         </p:nvSpPr>
-        <p:spPr/>
+        <p:spPr>
+          <a:xfrm>
+            <a:off x="1174866" y="1122363"/>
+            <a:ext cx="9842269" cy="2751368"/>
+          </a:xfrm>
+        </p:spPr>
         <p:txBody>
-          <a:bodyPr/>
+          <a:bodyPr>
+            <a:normAutofit/>
+          </a:bodyPr>
           <a:lstStyle/>
           <a:p>
             <a:r>
-              <a:rPr lang="pl-PL" dirty="0"/>
+              <a:rPr lang="pl-PL" sz="8000" dirty="0"/>
               <a:t>Sito Eratostenesa</a:t>
             </a:r>
           </a:p>
@@ -3391,15 +6559,1391 @@
             <p:ph type="subTitle" idx="1"/>
           </p:nvPr>
         </p:nvSpPr>
-        <p:spPr/>
+        <p:spPr>
+          <a:xfrm>
+            <a:off x="1174866" y="5045824"/>
+            <a:ext cx="9842269" cy="1155471"/>
+          </a:xfrm>
+        </p:spPr>
         <p:txBody>
-          <a:bodyPr/>
+          <a:bodyPr>
+            <a:normAutofit/>
+          </a:bodyPr>
           <a:lstStyle/>
           <a:p>
-            <a:endParaRPr lang="pl-PL"/>
+            <a:r>
+              <a:rPr lang="pl-PL" sz="2800"/>
+              <a:t>Damian Kurpiewski</a:t>
+            </a:r>
           </a:p>
         </p:txBody>
       </p:sp>
+      <p:grpSp>
+        <p:nvGrpSpPr>
+          <p:cNvPr id="12" name="Group 11">
+            <a:extLst>
+              <a:ext uri="{FF2B5EF4-FFF2-40B4-BE49-F238E27FC236}">
+                <a16:creationId xmlns:a16="http://schemas.microsoft.com/office/drawing/2014/main" id="{2D12E764-0992-43A1-B56A-B33BC391B76A}"/>
+              </a:ext>
+              <a:ext uri="{C183D7F6-B498-43B3-948B-1728B52AA6E4}">
+                <adec:decorative xmlns:adec="http://schemas.microsoft.com/office/drawing/2017/decorative" val="1"/>
+              </a:ext>
+            </a:extLst>
+          </p:cNvPr>
+          <p:cNvGrpSpPr>
+            <a:grpSpLocks noGrp="1" noUngrp="1" noRot="1" noChangeAspect="1" noMove="1" noResize="1"/>
+          </p:cNvGrpSpPr>
+          <p:nvPr>
+            <p:extLst>
+              <p:ext uri="{386F3935-93C4-4BCD-93E2-E3B085C9AB24}">
+                <p16:designElem xmlns:p16="http://schemas.microsoft.com/office/powerpoint/2015/main" val="1"/>
+              </p:ext>
+            </p:extLst>
+          </p:nvPr>
+        </p:nvGrpSpPr>
+        <p:grpSpPr>
+          <a:xfrm>
+            <a:off x="5422392" y="64008"/>
+            <a:ext cx="1178966" cy="232963"/>
+            <a:chOff x="5422392" y="64008"/>
+            <a:chExt cx="1178966" cy="232963"/>
+          </a:xfrm>
+        </p:grpSpPr>
+        <p:sp>
+          <p:nvSpPr>
+            <p:cNvPr id="13" name="Rectangle 64">
+              <a:extLst>
+                <a:ext uri="{FF2B5EF4-FFF2-40B4-BE49-F238E27FC236}">
+                  <a16:creationId xmlns:a16="http://schemas.microsoft.com/office/drawing/2014/main" id="{049CC334-F54B-4383-9B09-BACE5AA688D7}"/>
+                </a:ext>
+                <a:ext uri="{C183D7F6-B498-43B3-948B-1728B52AA6E4}">
+                  <adec:decorative xmlns:adec="http://schemas.microsoft.com/office/drawing/2017/decorative" val="1"/>
+                </a:ext>
+              </a:extLst>
+            </p:cNvPr>
+            <p:cNvSpPr/>
+            <p:nvPr>
+              <p:extLst>
+                <p:ext uri="{386F3935-93C4-4BCD-93E2-E3B085C9AB24}">
+                  <p16:designElem xmlns:p16="http://schemas.microsoft.com/office/powerpoint/2015/main" val="1"/>
+                </p:ext>
+              </p:extLst>
+            </p:nvPr>
+          </p:nvSpPr>
+          <p:spPr>
+            <a:xfrm>
+              <a:off x="5922213" y="64008"/>
+              <a:ext cx="54368" cy="59227"/>
+            </a:xfrm>
+            <a:prstGeom prst="ellipse">
+              <a:avLst/>
+            </a:prstGeom>
+            <a:solidFill>
+              <a:schemeClr val="accent1"/>
+            </a:solidFill>
+            <a:ln>
+              <a:noFill/>
+            </a:ln>
+          </p:spPr>
+          <p:style>
+            <a:lnRef idx="2">
+              <a:schemeClr val="accent1">
+                <a:shade val="50000"/>
+              </a:schemeClr>
+            </a:lnRef>
+            <a:fillRef idx="1">
+              <a:schemeClr val="accent1"/>
+            </a:fillRef>
+            <a:effectRef idx="0">
+              <a:schemeClr val="accent1"/>
+            </a:effectRef>
+            <a:fontRef idx="minor">
+              <a:schemeClr val="lt1"/>
+            </a:fontRef>
+          </p:style>
+          <p:txBody>
+            <a:bodyPr rtlCol="0" anchor="ctr"/>
+            <a:lstStyle/>
+            <a:p>
+              <a:pPr algn="ctr"/>
+              <a:endParaRPr lang="en-US"/>
+            </a:p>
+          </p:txBody>
+        </p:sp>
+        <p:sp>
+          <p:nvSpPr>
+            <p:cNvPr id="14" name="Rectangle 66">
+              <a:extLst>
+                <a:ext uri="{FF2B5EF4-FFF2-40B4-BE49-F238E27FC236}">
+                  <a16:creationId xmlns:a16="http://schemas.microsoft.com/office/drawing/2014/main" id="{C6843BFB-87B4-4AE2-BB9E-2CD0D1DC7988}"/>
+                </a:ext>
+                <a:ext uri="{C183D7F6-B498-43B3-948B-1728B52AA6E4}">
+                  <adec:decorative xmlns:adec="http://schemas.microsoft.com/office/drawing/2017/decorative" val="1"/>
+                </a:ext>
+              </a:extLst>
+            </p:cNvPr>
+            <p:cNvSpPr/>
+            <p:nvPr>
+              <p:extLst>
+                <p:ext uri="{386F3935-93C4-4BCD-93E2-E3B085C9AB24}">
+                  <p16:designElem xmlns:p16="http://schemas.microsoft.com/office/powerpoint/2015/main" val="1"/>
+                </p:ext>
+              </p:extLst>
+            </p:nvPr>
+          </p:nvSpPr>
+          <p:spPr>
+            <a:xfrm>
+              <a:off x="5922213" y="237744"/>
+              <a:ext cx="54368" cy="59227"/>
+            </a:xfrm>
+            <a:prstGeom prst="ellipse">
+              <a:avLst/>
+            </a:prstGeom>
+            <a:solidFill>
+              <a:schemeClr val="accent1"/>
+            </a:solidFill>
+            <a:ln>
+              <a:noFill/>
+            </a:ln>
+          </p:spPr>
+          <p:style>
+            <a:lnRef idx="2">
+              <a:schemeClr val="accent1">
+                <a:shade val="50000"/>
+              </a:schemeClr>
+            </a:lnRef>
+            <a:fillRef idx="1">
+              <a:schemeClr val="accent1"/>
+            </a:fillRef>
+            <a:effectRef idx="0">
+              <a:schemeClr val="accent1"/>
+            </a:effectRef>
+            <a:fontRef idx="minor">
+              <a:schemeClr val="lt1"/>
+            </a:fontRef>
+          </p:style>
+          <p:txBody>
+            <a:bodyPr rtlCol="0" anchor="ctr"/>
+            <a:lstStyle/>
+            <a:p>
+              <a:pPr algn="ctr"/>
+              <a:endParaRPr lang="en-US"/>
+            </a:p>
+          </p:txBody>
+        </p:sp>
+        <p:sp>
+          <p:nvSpPr>
+            <p:cNvPr id="15" name="Rectangle 64">
+              <a:extLst>
+                <a:ext uri="{FF2B5EF4-FFF2-40B4-BE49-F238E27FC236}">
+                  <a16:creationId xmlns:a16="http://schemas.microsoft.com/office/drawing/2014/main" id="{7C9A06E3-C813-4CC4-BAAC-374B6C874466}"/>
+                </a:ext>
+                <a:ext uri="{C183D7F6-B498-43B3-948B-1728B52AA6E4}">
+                  <adec:decorative xmlns:adec="http://schemas.microsoft.com/office/drawing/2017/decorative" val="1"/>
+                </a:ext>
+              </a:extLst>
+            </p:cNvPr>
+            <p:cNvSpPr/>
+            <p:nvPr>
+              <p:extLst>
+                <p:ext uri="{386F3935-93C4-4BCD-93E2-E3B085C9AB24}">
+                  <p16:designElem xmlns:p16="http://schemas.microsoft.com/office/powerpoint/2015/main" val="1"/>
+                </p:ext>
+              </p:extLst>
+            </p:nvPr>
+          </p:nvSpPr>
+          <p:spPr>
+            <a:xfrm>
+              <a:off x="5797258" y="64008"/>
+              <a:ext cx="54368" cy="59227"/>
+            </a:xfrm>
+            <a:prstGeom prst="ellipse">
+              <a:avLst/>
+            </a:prstGeom>
+            <a:solidFill>
+              <a:schemeClr val="accent1"/>
+            </a:solidFill>
+            <a:ln>
+              <a:noFill/>
+            </a:ln>
+          </p:spPr>
+          <p:style>
+            <a:lnRef idx="2">
+              <a:schemeClr val="accent1">
+                <a:shade val="50000"/>
+              </a:schemeClr>
+            </a:lnRef>
+            <a:fillRef idx="1">
+              <a:schemeClr val="accent1"/>
+            </a:fillRef>
+            <a:effectRef idx="0">
+              <a:schemeClr val="accent1"/>
+            </a:effectRef>
+            <a:fontRef idx="minor">
+              <a:schemeClr val="lt1"/>
+            </a:fontRef>
+          </p:style>
+          <p:txBody>
+            <a:bodyPr rtlCol="0" anchor="ctr"/>
+            <a:lstStyle/>
+            <a:p>
+              <a:pPr algn="ctr"/>
+              <a:endParaRPr lang="en-US"/>
+            </a:p>
+          </p:txBody>
+        </p:sp>
+        <p:sp>
+          <p:nvSpPr>
+            <p:cNvPr id="16" name="Rectangle 66">
+              <a:extLst>
+                <a:ext uri="{FF2B5EF4-FFF2-40B4-BE49-F238E27FC236}">
+                  <a16:creationId xmlns:a16="http://schemas.microsoft.com/office/drawing/2014/main" id="{01810C15-F1AD-438A-A987-1C3E2C5E6036}"/>
+                </a:ext>
+                <a:ext uri="{C183D7F6-B498-43B3-948B-1728B52AA6E4}">
+                  <adec:decorative xmlns:adec="http://schemas.microsoft.com/office/drawing/2017/decorative" val="1"/>
+                </a:ext>
+              </a:extLst>
+            </p:cNvPr>
+            <p:cNvSpPr/>
+            <p:nvPr>
+              <p:extLst>
+                <p:ext uri="{386F3935-93C4-4BCD-93E2-E3B085C9AB24}">
+                  <p16:designElem xmlns:p16="http://schemas.microsoft.com/office/powerpoint/2015/main" val="1"/>
+                </p:ext>
+              </p:extLst>
+            </p:nvPr>
+          </p:nvSpPr>
+          <p:spPr>
+            <a:xfrm>
+              <a:off x="5797258" y="237744"/>
+              <a:ext cx="54368" cy="59227"/>
+            </a:xfrm>
+            <a:prstGeom prst="ellipse">
+              <a:avLst/>
+            </a:prstGeom>
+            <a:solidFill>
+              <a:schemeClr val="accent1"/>
+            </a:solidFill>
+            <a:ln>
+              <a:noFill/>
+            </a:ln>
+          </p:spPr>
+          <p:style>
+            <a:lnRef idx="2">
+              <a:schemeClr val="accent1">
+                <a:shade val="50000"/>
+              </a:schemeClr>
+            </a:lnRef>
+            <a:fillRef idx="1">
+              <a:schemeClr val="accent1"/>
+            </a:fillRef>
+            <a:effectRef idx="0">
+              <a:schemeClr val="accent1"/>
+            </a:effectRef>
+            <a:fontRef idx="minor">
+              <a:schemeClr val="lt1"/>
+            </a:fontRef>
+          </p:style>
+          <p:txBody>
+            <a:bodyPr rtlCol="0" anchor="ctr"/>
+            <a:lstStyle/>
+            <a:p>
+              <a:pPr algn="ctr"/>
+              <a:endParaRPr lang="en-US"/>
+            </a:p>
+          </p:txBody>
+        </p:sp>
+        <p:sp>
+          <p:nvSpPr>
+            <p:cNvPr id="17" name="Rectangle 64">
+              <a:extLst>
+                <a:ext uri="{FF2B5EF4-FFF2-40B4-BE49-F238E27FC236}">
+                  <a16:creationId xmlns:a16="http://schemas.microsoft.com/office/drawing/2014/main" id="{74459CCB-6F53-4C8F-8C44-485971D1A169}"/>
+                </a:ext>
+                <a:ext uri="{C183D7F6-B498-43B3-948B-1728B52AA6E4}">
+                  <adec:decorative xmlns:adec="http://schemas.microsoft.com/office/drawing/2017/decorative" val="1"/>
+                </a:ext>
+              </a:extLst>
+            </p:cNvPr>
+            <p:cNvSpPr/>
+            <p:nvPr>
+              <p:extLst>
+                <p:ext uri="{386F3935-93C4-4BCD-93E2-E3B085C9AB24}">
+                  <p16:designElem xmlns:p16="http://schemas.microsoft.com/office/powerpoint/2015/main" val="1"/>
+                </p:ext>
+              </p:extLst>
+            </p:nvPr>
+          </p:nvSpPr>
+          <p:spPr>
+            <a:xfrm>
+              <a:off x="5672303" y="64008"/>
+              <a:ext cx="54368" cy="59227"/>
+            </a:xfrm>
+            <a:prstGeom prst="ellipse">
+              <a:avLst/>
+            </a:prstGeom>
+            <a:solidFill>
+              <a:schemeClr val="accent1"/>
+            </a:solidFill>
+            <a:ln>
+              <a:noFill/>
+            </a:ln>
+          </p:spPr>
+          <p:style>
+            <a:lnRef idx="2">
+              <a:schemeClr val="accent1">
+                <a:shade val="50000"/>
+              </a:schemeClr>
+            </a:lnRef>
+            <a:fillRef idx="1">
+              <a:schemeClr val="accent1"/>
+            </a:fillRef>
+            <a:effectRef idx="0">
+              <a:schemeClr val="accent1"/>
+            </a:effectRef>
+            <a:fontRef idx="minor">
+              <a:schemeClr val="lt1"/>
+            </a:fontRef>
+          </p:style>
+          <p:txBody>
+            <a:bodyPr rtlCol="0" anchor="ctr"/>
+            <a:lstStyle/>
+            <a:p>
+              <a:pPr algn="ctr"/>
+              <a:endParaRPr lang="en-US"/>
+            </a:p>
+          </p:txBody>
+        </p:sp>
+        <p:sp>
+          <p:nvSpPr>
+            <p:cNvPr id="18" name="Rectangle 66">
+              <a:extLst>
+                <a:ext uri="{FF2B5EF4-FFF2-40B4-BE49-F238E27FC236}">
+                  <a16:creationId xmlns:a16="http://schemas.microsoft.com/office/drawing/2014/main" id="{FE6BED97-B150-4B72-97A5-E8DF48025EB3}"/>
+                </a:ext>
+                <a:ext uri="{C183D7F6-B498-43B3-948B-1728B52AA6E4}">
+                  <adec:decorative xmlns:adec="http://schemas.microsoft.com/office/drawing/2017/decorative" val="1"/>
+                </a:ext>
+              </a:extLst>
+            </p:cNvPr>
+            <p:cNvSpPr/>
+            <p:nvPr>
+              <p:extLst>
+                <p:ext uri="{386F3935-93C4-4BCD-93E2-E3B085C9AB24}">
+                  <p16:designElem xmlns:p16="http://schemas.microsoft.com/office/powerpoint/2015/main" val="1"/>
+                </p:ext>
+              </p:extLst>
+            </p:nvPr>
+          </p:nvSpPr>
+          <p:spPr>
+            <a:xfrm>
+              <a:off x="5672303" y="237744"/>
+              <a:ext cx="54368" cy="59227"/>
+            </a:xfrm>
+            <a:prstGeom prst="ellipse">
+              <a:avLst/>
+            </a:prstGeom>
+            <a:solidFill>
+              <a:schemeClr val="accent1"/>
+            </a:solidFill>
+            <a:ln>
+              <a:noFill/>
+            </a:ln>
+          </p:spPr>
+          <p:style>
+            <a:lnRef idx="2">
+              <a:schemeClr val="accent1">
+                <a:shade val="50000"/>
+              </a:schemeClr>
+            </a:lnRef>
+            <a:fillRef idx="1">
+              <a:schemeClr val="accent1"/>
+            </a:fillRef>
+            <a:effectRef idx="0">
+              <a:schemeClr val="accent1"/>
+            </a:effectRef>
+            <a:fontRef idx="minor">
+              <a:schemeClr val="lt1"/>
+            </a:fontRef>
+          </p:style>
+          <p:txBody>
+            <a:bodyPr rtlCol="0" anchor="ctr"/>
+            <a:lstStyle/>
+            <a:p>
+              <a:pPr algn="ctr"/>
+              <a:endParaRPr lang="en-US"/>
+            </a:p>
+          </p:txBody>
+        </p:sp>
+        <p:sp>
+          <p:nvSpPr>
+            <p:cNvPr id="19" name="Rectangle 64">
+              <a:extLst>
+                <a:ext uri="{FF2B5EF4-FFF2-40B4-BE49-F238E27FC236}">
+                  <a16:creationId xmlns:a16="http://schemas.microsoft.com/office/drawing/2014/main" id="{946D18BB-8338-43D9-8567-1FFB25C633BF}"/>
+                </a:ext>
+                <a:ext uri="{C183D7F6-B498-43B3-948B-1728B52AA6E4}">
+                  <adec:decorative xmlns:adec="http://schemas.microsoft.com/office/drawing/2017/decorative" val="1"/>
+                </a:ext>
+              </a:extLst>
+            </p:cNvPr>
+            <p:cNvSpPr/>
+            <p:nvPr>
+              <p:extLst>
+                <p:ext uri="{386F3935-93C4-4BCD-93E2-E3B085C9AB24}">
+                  <p16:designElem xmlns:p16="http://schemas.microsoft.com/office/powerpoint/2015/main" val="1"/>
+                </p:ext>
+              </p:extLst>
+            </p:nvPr>
+          </p:nvSpPr>
+          <p:spPr>
+            <a:xfrm>
+              <a:off x="5547347" y="64008"/>
+              <a:ext cx="54368" cy="59227"/>
+            </a:xfrm>
+            <a:prstGeom prst="ellipse">
+              <a:avLst/>
+            </a:prstGeom>
+            <a:solidFill>
+              <a:schemeClr val="accent1"/>
+            </a:solidFill>
+            <a:ln>
+              <a:noFill/>
+            </a:ln>
+          </p:spPr>
+          <p:style>
+            <a:lnRef idx="2">
+              <a:schemeClr val="accent1">
+                <a:shade val="50000"/>
+              </a:schemeClr>
+            </a:lnRef>
+            <a:fillRef idx="1">
+              <a:schemeClr val="accent1"/>
+            </a:fillRef>
+            <a:effectRef idx="0">
+              <a:schemeClr val="accent1"/>
+            </a:effectRef>
+            <a:fontRef idx="minor">
+              <a:schemeClr val="lt1"/>
+            </a:fontRef>
+          </p:style>
+          <p:txBody>
+            <a:bodyPr rtlCol="0" anchor="ctr"/>
+            <a:lstStyle/>
+            <a:p>
+              <a:pPr algn="ctr"/>
+              <a:endParaRPr lang="en-US"/>
+            </a:p>
+          </p:txBody>
+        </p:sp>
+        <p:sp>
+          <p:nvSpPr>
+            <p:cNvPr id="20" name="Rectangle 66">
+              <a:extLst>
+                <a:ext uri="{FF2B5EF4-FFF2-40B4-BE49-F238E27FC236}">
+                  <a16:creationId xmlns:a16="http://schemas.microsoft.com/office/drawing/2014/main" id="{7298284E-350F-4886-A447-FC33ED648039}"/>
+                </a:ext>
+                <a:ext uri="{C183D7F6-B498-43B3-948B-1728B52AA6E4}">
+                  <adec:decorative xmlns:adec="http://schemas.microsoft.com/office/drawing/2017/decorative" val="1"/>
+                </a:ext>
+              </a:extLst>
+            </p:cNvPr>
+            <p:cNvSpPr/>
+            <p:nvPr>
+              <p:extLst>
+                <p:ext uri="{386F3935-93C4-4BCD-93E2-E3B085C9AB24}">
+                  <p16:designElem xmlns:p16="http://schemas.microsoft.com/office/powerpoint/2015/main" val="1"/>
+                </p:ext>
+              </p:extLst>
+            </p:nvPr>
+          </p:nvSpPr>
+          <p:spPr>
+            <a:xfrm>
+              <a:off x="5547347" y="237744"/>
+              <a:ext cx="54368" cy="59227"/>
+            </a:xfrm>
+            <a:prstGeom prst="ellipse">
+              <a:avLst/>
+            </a:prstGeom>
+            <a:solidFill>
+              <a:schemeClr val="accent1"/>
+            </a:solidFill>
+            <a:ln>
+              <a:noFill/>
+            </a:ln>
+          </p:spPr>
+          <p:style>
+            <a:lnRef idx="2">
+              <a:schemeClr val="accent1">
+                <a:shade val="50000"/>
+              </a:schemeClr>
+            </a:lnRef>
+            <a:fillRef idx="1">
+              <a:schemeClr val="accent1"/>
+            </a:fillRef>
+            <a:effectRef idx="0">
+              <a:schemeClr val="accent1"/>
+            </a:effectRef>
+            <a:fontRef idx="minor">
+              <a:schemeClr val="lt1"/>
+            </a:fontRef>
+          </p:style>
+          <p:txBody>
+            <a:bodyPr rtlCol="0" anchor="ctr"/>
+            <a:lstStyle/>
+            <a:p>
+              <a:pPr algn="ctr"/>
+              <a:endParaRPr lang="en-US"/>
+            </a:p>
+          </p:txBody>
+        </p:sp>
+        <p:sp>
+          <p:nvSpPr>
+            <p:cNvPr id="21" name="Rectangle 64">
+              <a:extLst>
+                <a:ext uri="{FF2B5EF4-FFF2-40B4-BE49-F238E27FC236}">
+                  <a16:creationId xmlns:a16="http://schemas.microsoft.com/office/drawing/2014/main" id="{F2605B63-233B-4115-BF59-C60984206AEF}"/>
+                </a:ext>
+                <a:ext uri="{C183D7F6-B498-43B3-948B-1728B52AA6E4}">
+                  <adec:decorative xmlns:adec="http://schemas.microsoft.com/office/drawing/2017/decorative" val="1"/>
+                </a:ext>
+              </a:extLst>
+            </p:cNvPr>
+            <p:cNvSpPr/>
+            <p:nvPr>
+              <p:extLst>
+                <p:ext uri="{386F3935-93C4-4BCD-93E2-E3B085C9AB24}">
+                  <p16:designElem xmlns:p16="http://schemas.microsoft.com/office/powerpoint/2015/main" val="1"/>
+                </p:ext>
+              </p:extLst>
+            </p:nvPr>
+          </p:nvSpPr>
+          <p:spPr>
+            <a:xfrm>
+              <a:off x="5422392" y="64008"/>
+              <a:ext cx="54368" cy="59227"/>
+            </a:xfrm>
+            <a:prstGeom prst="ellipse">
+              <a:avLst/>
+            </a:prstGeom>
+            <a:solidFill>
+              <a:schemeClr val="accent1"/>
+            </a:solidFill>
+            <a:ln>
+              <a:noFill/>
+            </a:ln>
+          </p:spPr>
+          <p:style>
+            <a:lnRef idx="2">
+              <a:schemeClr val="accent1">
+                <a:shade val="50000"/>
+              </a:schemeClr>
+            </a:lnRef>
+            <a:fillRef idx="1">
+              <a:schemeClr val="accent1"/>
+            </a:fillRef>
+            <a:effectRef idx="0">
+              <a:schemeClr val="accent1"/>
+            </a:effectRef>
+            <a:fontRef idx="minor">
+              <a:schemeClr val="lt1"/>
+            </a:fontRef>
+          </p:style>
+          <p:txBody>
+            <a:bodyPr rtlCol="0" anchor="ctr"/>
+            <a:lstStyle/>
+            <a:p>
+              <a:pPr algn="ctr"/>
+              <a:endParaRPr lang="en-US"/>
+            </a:p>
+          </p:txBody>
+        </p:sp>
+        <p:sp>
+          <p:nvSpPr>
+            <p:cNvPr id="22" name="Rectangle 66">
+              <a:extLst>
+                <a:ext uri="{FF2B5EF4-FFF2-40B4-BE49-F238E27FC236}">
+                  <a16:creationId xmlns:a16="http://schemas.microsoft.com/office/drawing/2014/main" id="{794850D4-9DF3-41C3-9915-EA003EC85D58}"/>
+                </a:ext>
+                <a:ext uri="{C183D7F6-B498-43B3-948B-1728B52AA6E4}">
+                  <adec:decorative xmlns:adec="http://schemas.microsoft.com/office/drawing/2017/decorative" val="1"/>
+                </a:ext>
+              </a:extLst>
+            </p:cNvPr>
+            <p:cNvSpPr/>
+            <p:nvPr>
+              <p:extLst>
+                <p:ext uri="{386F3935-93C4-4BCD-93E2-E3B085C9AB24}">
+                  <p16:designElem xmlns:p16="http://schemas.microsoft.com/office/powerpoint/2015/main" val="1"/>
+                </p:ext>
+              </p:extLst>
+            </p:nvPr>
+          </p:nvSpPr>
+          <p:spPr>
+            <a:xfrm>
+              <a:off x="5422392" y="237744"/>
+              <a:ext cx="54368" cy="59227"/>
+            </a:xfrm>
+            <a:prstGeom prst="ellipse">
+              <a:avLst/>
+            </a:prstGeom>
+            <a:solidFill>
+              <a:schemeClr val="accent1"/>
+            </a:solidFill>
+            <a:ln>
+              <a:noFill/>
+            </a:ln>
+          </p:spPr>
+          <p:style>
+            <a:lnRef idx="2">
+              <a:schemeClr val="accent1">
+                <a:shade val="50000"/>
+              </a:schemeClr>
+            </a:lnRef>
+            <a:fillRef idx="1">
+              <a:schemeClr val="accent1"/>
+            </a:fillRef>
+            <a:effectRef idx="0">
+              <a:schemeClr val="accent1"/>
+            </a:effectRef>
+            <a:fontRef idx="minor">
+              <a:schemeClr val="lt1"/>
+            </a:fontRef>
+          </p:style>
+          <p:txBody>
+            <a:bodyPr rtlCol="0" anchor="ctr"/>
+            <a:lstStyle/>
+            <a:p>
+              <a:pPr algn="ctr"/>
+              <a:endParaRPr lang="en-US"/>
+            </a:p>
+          </p:txBody>
+        </p:sp>
+        <p:sp>
+          <p:nvSpPr>
+            <p:cNvPr id="23" name="Rectangle 64">
+              <a:extLst>
+                <a:ext uri="{FF2B5EF4-FFF2-40B4-BE49-F238E27FC236}">
+                  <a16:creationId xmlns:a16="http://schemas.microsoft.com/office/drawing/2014/main" id="{A7914252-1864-4298-B230-799AA4C55732}"/>
+                </a:ext>
+                <a:ext uri="{C183D7F6-B498-43B3-948B-1728B52AA6E4}">
+                  <adec:decorative xmlns:adec="http://schemas.microsoft.com/office/drawing/2017/decorative" val="1"/>
+                </a:ext>
+              </a:extLst>
+            </p:cNvPr>
+            <p:cNvSpPr/>
+            <p:nvPr>
+              <p:extLst>
+                <p:ext uri="{386F3935-93C4-4BCD-93E2-E3B085C9AB24}">
+                  <p16:designElem xmlns:p16="http://schemas.microsoft.com/office/powerpoint/2015/main" val="1"/>
+                </p:ext>
+              </p:extLst>
+            </p:nvPr>
+          </p:nvSpPr>
+          <p:spPr>
+            <a:xfrm>
+              <a:off x="6546990" y="64008"/>
+              <a:ext cx="54368" cy="59227"/>
+            </a:xfrm>
+            <a:prstGeom prst="ellipse">
+              <a:avLst/>
+            </a:prstGeom>
+            <a:solidFill>
+              <a:schemeClr val="accent1"/>
+            </a:solidFill>
+            <a:ln>
+              <a:noFill/>
+            </a:ln>
+          </p:spPr>
+          <p:style>
+            <a:lnRef idx="2">
+              <a:schemeClr val="accent1">
+                <a:shade val="50000"/>
+              </a:schemeClr>
+            </a:lnRef>
+            <a:fillRef idx="1">
+              <a:schemeClr val="accent1"/>
+            </a:fillRef>
+            <a:effectRef idx="0">
+              <a:schemeClr val="accent1"/>
+            </a:effectRef>
+            <a:fontRef idx="minor">
+              <a:schemeClr val="lt1"/>
+            </a:fontRef>
+          </p:style>
+          <p:txBody>
+            <a:bodyPr rtlCol="0" anchor="ctr"/>
+            <a:lstStyle/>
+            <a:p>
+              <a:pPr algn="ctr"/>
+              <a:endParaRPr lang="en-US"/>
+            </a:p>
+          </p:txBody>
+        </p:sp>
+        <p:sp>
+          <p:nvSpPr>
+            <p:cNvPr id="24" name="Rectangle 66">
+              <a:extLst>
+                <a:ext uri="{FF2B5EF4-FFF2-40B4-BE49-F238E27FC236}">
+                  <a16:creationId xmlns:a16="http://schemas.microsoft.com/office/drawing/2014/main" id="{B07F2F15-BB3A-4A3F-B024-D01611E29C8E}"/>
+                </a:ext>
+                <a:ext uri="{C183D7F6-B498-43B3-948B-1728B52AA6E4}">
+                  <adec:decorative xmlns:adec="http://schemas.microsoft.com/office/drawing/2017/decorative" val="1"/>
+                </a:ext>
+              </a:extLst>
+            </p:cNvPr>
+            <p:cNvSpPr/>
+            <p:nvPr>
+              <p:extLst>
+                <p:ext uri="{386F3935-93C4-4BCD-93E2-E3B085C9AB24}">
+                  <p16:designElem xmlns:p16="http://schemas.microsoft.com/office/powerpoint/2015/main" val="1"/>
+                </p:ext>
+              </p:extLst>
+            </p:nvPr>
+          </p:nvSpPr>
+          <p:spPr>
+            <a:xfrm>
+              <a:off x="6546990" y="237744"/>
+              <a:ext cx="54368" cy="59227"/>
+            </a:xfrm>
+            <a:prstGeom prst="ellipse">
+              <a:avLst/>
+            </a:prstGeom>
+            <a:solidFill>
+              <a:schemeClr val="accent1"/>
+            </a:solidFill>
+            <a:ln>
+              <a:noFill/>
+            </a:ln>
+          </p:spPr>
+          <p:style>
+            <a:lnRef idx="2">
+              <a:schemeClr val="accent1">
+                <a:shade val="50000"/>
+              </a:schemeClr>
+            </a:lnRef>
+            <a:fillRef idx="1">
+              <a:schemeClr val="accent1"/>
+            </a:fillRef>
+            <a:effectRef idx="0">
+              <a:schemeClr val="accent1"/>
+            </a:effectRef>
+            <a:fontRef idx="minor">
+              <a:schemeClr val="lt1"/>
+            </a:fontRef>
+          </p:style>
+          <p:txBody>
+            <a:bodyPr rtlCol="0" anchor="ctr"/>
+            <a:lstStyle/>
+            <a:p>
+              <a:pPr algn="ctr"/>
+              <a:endParaRPr lang="en-US"/>
+            </a:p>
+          </p:txBody>
+        </p:sp>
+        <p:sp>
+          <p:nvSpPr>
+            <p:cNvPr id="25" name="Rectangle 64">
+              <a:extLst>
+                <a:ext uri="{FF2B5EF4-FFF2-40B4-BE49-F238E27FC236}">
+                  <a16:creationId xmlns:a16="http://schemas.microsoft.com/office/drawing/2014/main" id="{BA15824F-3845-4493-A8CD-0F8E1040AF60}"/>
+                </a:ext>
+                <a:ext uri="{C183D7F6-B498-43B3-948B-1728B52AA6E4}">
+                  <adec:decorative xmlns:adec="http://schemas.microsoft.com/office/drawing/2017/decorative" val="1"/>
+                </a:ext>
+              </a:extLst>
+            </p:cNvPr>
+            <p:cNvSpPr/>
+            <p:nvPr>
+              <p:extLst>
+                <p:ext uri="{386F3935-93C4-4BCD-93E2-E3B085C9AB24}">
+                  <p16:designElem xmlns:p16="http://schemas.microsoft.com/office/powerpoint/2015/main" val="1"/>
+                </p:ext>
+              </p:extLst>
+            </p:nvPr>
+          </p:nvSpPr>
+          <p:spPr>
+            <a:xfrm>
+              <a:off x="6422035" y="64008"/>
+              <a:ext cx="54368" cy="59227"/>
+            </a:xfrm>
+            <a:prstGeom prst="ellipse">
+              <a:avLst/>
+            </a:prstGeom>
+            <a:solidFill>
+              <a:schemeClr val="accent1"/>
+            </a:solidFill>
+            <a:ln>
+              <a:noFill/>
+            </a:ln>
+          </p:spPr>
+          <p:style>
+            <a:lnRef idx="2">
+              <a:schemeClr val="accent1">
+                <a:shade val="50000"/>
+              </a:schemeClr>
+            </a:lnRef>
+            <a:fillRef idx="1">
+              <a:schemeClr val="accent1"/>
+            </a:fillRef>
+            <a:effectRef idx="0">
+              <a:schemeClr val="accent1"/>
+            </a:effectRef>
+            <a:fontRef idx="minor">
+              <a:schemeClr val="lt1"/>
+            </a:fontRef>
+          </p:style>
+          <p:txBody>
+            <a:bodyPr rtlCol="0" anchor="ctr"/>
+            <a:lstStyle/>
+            <a:p>
+              <a:pPr algn="ctr"/>
+              <a:endParaRPr lang="en-US"/>
+            </a:p>
+          </p:txBody>
+        </p:sp>
+        <p:sp>
+          <p:nvSpPr>
+            <p:cNvPr id="26" name="Rectangle 66">
+              <a:extLst>
+                <a:ext uri="{FF2B5EF4-FFF2-40B4-BE49-F238E27FC236}">
+                  <a16:creationId xmlns:a16="http://schemas.microsoft.com/office/drawing/2014/main" id="{5EF36111-5761-485C-B5C4-04558FD151BE}"/>
+                </a:ext>
+                <a:ext uri="{C183D7F6-B498-43B3-948B-1728B52AA6E4}">
+                  <adec:decorative xmlns:adec="http://schemas.microsoft.com/office/drawing/2017/decorative" val="1"/>
+                </a:ext>
+              </a:extLst>
+            </p:cNvPr>
+            <p:cNvSpPr/>
+            <p:nvPr>
+              <p:extLst>
+                <p:ext uri="{386F3935-93C4-4BCD-93E2-E3B085C9AB24}">
+                  <p16:designElem xmlns:p16="http://schemas.microsoft.com/office/powerpoint/2015/main" val="1"/>
+                </p:ext>
+              </p:extLst>
+            </p:nvPr>
+          </p:nvSpPr>
+          <p:spPr>
+            <a:xfrm>
+              <a:off x="6422035" y="237744"/>
+              <a:ext cx="54368" cy="59227"/>
+            </a:xfrm>
+            <a:prstGeom prst="ellipse">
+              <a:avLst/>
+            </a:prstGeom>
+            <a:solidFill>
+              <a:schemeClr val="accent1"/>
+            </a:solidFill>
+            <a:ln>
+              <a:noFill/>
+            </a:ln>
+          </p:spPr>
+          <p:style>
+            <a:lnRef idx="2">
+              <a:schemeClr val="accent1">
+                <a:shade val="50000"/>
+              </a:schemeClr>
+            </a:lnRef>
+            <a:fillRef idx="1">
+              <a:schemeClr val="accent1"/>
+            </a:fillRef>
+            <a:effectRef idx="0">
+              <a:schemeClr val="accent1"/>
+            </a:effectRef>
+            <a:fontRef idx="minor">
+              <a:schemeClr val="lt1"/>
+            </a:fontRef>
+          </p:style>
+          <p:txBody>
+            <a:bodyPr rtlCol="0" anchor="ctr"/>
+            <a:lstStyle/>
+            <a:p>
+              <a:pPr algn="ctr"/>
+              <a:endParaRPr lang="en-US"/>
+            </a:p>
+          </p:txBody>
+        </p:sp>
+        <p:sp>
+          <p:nvSpPr>
+            <p:cNvPr id="27" name="Rectangle 64">
+              <a:extLst>
+                <a:ext uri="{FF2B5EF4-FFF2-40B4-BE49-F238E27FC236}">
+                  <a16:creationId xmlns:a16="http://schemas.microsoft.com/office/drawing/2014/main" id="{E3F91C66-D12F-4C9E-A83F-2D763F8EFB89}"/>
+                </a:ext>
+                <a:ext uri="{C183D7F6-B498-43B3-948B-1728B52AA6E4}">
+                  <adec:decorative xmlns:adec="http://schemas.microsoft.com/office/drawing/2017/decorative" val="1"/>
+                </a:ext>
+              </a:extLst>
+            </p:cNvPr>
+            <p:cNvSpPr/>
+            <p:nvPr>
+              <p:extLst>
+                <p:ext uri="{386F3935-93C4-4BCD-93E2-E3B085C9AB24}">
+                  <p16:designElem xmlns:p16="http://schemas.microsoft.com/office/powerpoint/2015/main" val="1"/>
+                </p:ext>
+              </p:extLst>
+            </p:nvPr>
+          </p:nvSpPr>
+          <p:spPr>
+            <a:xfrm>
+              <a:off x="6297080" y="64008"/>
+              <a:ext cx="54368" cy="59227"/>
+            </a:xfrm>
+            <a:prstGeom prst="ellipse">
+              <a:avLst/>
+            </a:prstGeom>
+            <a:solidFill>
+              <a:schemeClr val="accent1"/>
+            </a:solidFill>
+            <a:ln>
+              <a:noFill/>
+            </a:ln>
+          </p:spPr>
+          <p:style>
+            <a:lnRef idx="2">
+              <a:schemeClr val="accent1">
+                <a:shade val="50000"/>
+              </a:schemeClr>
+            </a:lnRef>
+            <a:fillRef idx="1">
+              <a:schemeClr val="accent1"/>
+            </a:fillRef>
+            <a:effectRef idx="0">
+              <a:schemeClr val="accent1"/>
+            </a:effectRef>
+            <a:fontRef idx="minor">
+              <a:schemeClr val="lt1"/>
+            </a:fontRef>
+          </p:style>
+          <p:txBody>
+            <a:bodyPr rtlCol="0" anchor="ctr"/>
+            <a:lstStyle/>
+            <a:p>
+              <a:pPr algn="ctr"/>
+              <a:endParaRPr lang="en-US"/>
+            </a:p>
+          </p:txBody>
+        </p:sp>
+        <p:sp>
+          <p:nvSpPr>
+            <p:cNvPr id="28" name="Rectangle 66">
+              <a:extLst>
+                <a:ext uri="{FF2B5EF4-FFF2-40B4-BE49-F238E27FC236}">
+                  <a16:creationId xmlns:a16="http://schemas.microsoft.com/office/drawing/2014/main" id="{BE1BCA71-94E6-49DA-AC0E-F346F41D9D12}"/>
+                </a:ext>
+                <a:ext uri="{C183D7F6-B498-43B3-948B-1728B52AA6E4}">
+                  <adec:decorative xmlns:adec="http://schemas.microsoft.com/office/drawing/2017/decorative" val="1"/>
+                </a:ext>
+              </a:extLst>
+            </p:cNvPr>
+            <p:cNvSpPr/>
+            <p:nvPr>
+              <p:extLst>
+                <p:ext uri="{386F3935-93C4-4BCD-93E2-E3B085C9AB24}">
+                  <p16:designElem xmlns:p16="http://schemas.microsoft.com/office/powerpoint/2015/main" val="1"/>
+                </p:ext>
+              </p:extLst>
+            </p:nvPr>
+          </p:nvSpPr>
+          <p:spPr>
+            <a:xfrm>
+              <a:off x="6297080" y="237744"/>
+              <a:ext cx="54368" cy="59227"/>
+            </a:xfrm>
+            <a:prstGeom prst="ellipse">
+              <a:avLst/>
+            </a:prstGeom>
+            <a:solidFill>
+              <a:schemeClr val="accent1"/>
+            </a:solidFill>
+            <a:ln>
+              <a:noFill/>
+            </a:ln>
+          </p:spPr>
+          <p:style>
+            <a:lnRef idx="2">
+              <a:schemeClr val="accent1">
+                <a:shade val="50000"/>
+              </a:schemeClr>
+            </a:lnRef>
+            <a:fillRef idx="1">
+              <a:schemeClr val="accent1"/>
+            </a:fillRef>
+            <a:effectRef idx="0">
+              <a:schemeClr val="accent1"/>
+            </a:effectRef>
+            <a:fontRef idx="minor">
+              <a:schemeClr val="lt1"/>
+            </a:fontRef>
+          </p:style>
+          <p:txBody>
+            <a:bodyPr rtlCol="0" anchor="ctr"/>
+            <a:lstStyle/>
+            <a:p>
+              <a:pPr algn="ctr"/>
+              <a:endParaRPr lang="en-US"/>
+            </a:p>
+          </p:txBody>
+        </p:sp>
+        <p:sp>
+          <p:nvSpPr>
+            <p:cNvPr id="29" name="Rectangle 64">
+              <a:extLst>
+                <a:ext uri="{FF2B5EF4-FFF2-40B4-BE49-F238E27FC236}">
+                  <a16:creationId xmlns:a16="http://schemas.microsoft.com/office/drawing/2014/main" id="{A886068B-8D2E-47C3-A188-829E77DDEC22}"/>
+                </a:ext>
+                <a:ext uri="{C183D7F6-B498-43B3-948B-1728B52AA6E4}">
+                  <adec:decorative xmlns:adec="http://schemas.microsoft.com/office/drawing/2017/decorative" val="1"/>
+                </a:ext>
+              </a:extLst>
+            </p:cNvPr>
+            <p:cNvSpPr/>
+            <p:nvPr>
+              <p:extLst>
+                <p:ext uri="{386F3935-93C4-4BCD-93E2-E3B085C9AB24}">
+                  <p16:designElem xmlns:p16="http://schemas.microsoft.com/office/powerpoint/2015/main" val="1"/>
+                </p:ext>
+              </p:extLst>
+            </p:nvPr>
+          </p:nvSpPr>
+          <p:spPr>
+            <a:xfrm>
+              <a:off x="6172124" y="64008"/>
+              <a:ext cx="54368" cy="59227"/>
+            </a:xfrm>
+            <a:prstGeom prst="ellipse">
+              <a:avLst/>
+            </a:prstGeom>
+            <a:solidFill>
+              <a:schemeClr val="accent1"/>
+            </a:solidFill>
+            <a:ln>
+              <a:noFill/>
+            </a:ln>
+          </p:spPr>
+          <p:style>
+            <a:lnRef idx="2">
+              <a:schemeClr val="accent1">
+                <a:shade val="50000"/>
+              </a:schemeClr>
+            </a:lnRef>
+            <a:fillRef idx="1">
+              <a:schemeClr val="accent1"/>
+            </a:fillRef>
+            <a:effectRef idx="0">
+              <a:schemeClr val="accent1"/>
+            </a:effectRef>
+            <a:fontRef idx="minor">
+              <a:schemeClr val="lt1"/>
+            </a:fontRef>
+          </p:style>
+          <p:txBody>
+            <a:bodyPr rtlCol="0" anchor="ctr"/>
+            <a:lstStyle/>
+            <a:p>
+              <a:pPr algn="ctr"/>
+              <a:endParaRPr lang="en-US"/>
+            </a:p>
+          </p:txBody>
+        </p:sp>
+        <p:sp>
+          <p:nvSpPr>
+            <p:cNvPr id="30" name="Rectangle 66">
+              <a:extLst>
+                <a:ext uri="{FF2B5EF4-FFF2-40B4-BE49-F238E27FC236}">
+                  <a16:creationId xmlns:a16="http://schemas.microsoft.com/office/drawing/2014/main" id="{3A82B866-4C61-412C-B3E6-118CBDC9EC78}"/>
+                </a:ext>
+                <a:ext uri="{C183D7F6-B498-43B3-948B-1728B52AA6E4}">
+                  <adec:decorative xmlns:adec="http://schemas.microsoft.com/office/drawing/2017/decorative" val="1"/>
+                </a:ext>
+              </a:extLst>
+            </p:cNvPr>
+            <p:cNvSpPr/>
+            <p:nvPr>
+              <p:extLst>
+                <p:ext uri="{386F3935-93C4-4BCD-93E2-E3B085C9AB24}">
+                  <p16:designElem xmlns:p16="http://schemas.microsoft.com/office/powerpoint/2015/main" val="1"/>
+                </p:ext>
+              </p:extLst>
+            </p:nvPr>
+          </p:nvSpPr>
+          <p:spPr>
+            <a:xfrm>
+              <a:off x="6172124" y="237744"/>
+              <a:ext cx="54368" cy="59227"/>
+            </a:xfrm>
+            <a:prstGeom prst="ellipse">
+              <a:avLst/>
+            </a:prstGeom>
+            <a:solidFill>
+              <a:schemeClr val="accent1"/>
+            </a:solidFill>
+            <a:ln>
+              <a:noFill/>
+            </a:ln>
+          </p:spPr>
+          <p:style>
+            <a:lnRef idx="2">
+              <a:schemeClr val="accent1">
+                <a:shade val="50000"/>
+              </a:schemeClr>
+            </a:lnRef>
+            <a:fillRef idx="1">
+              <a:schemeClr val="accent1"/>
+            </a:fillRef>
+            <a:effectRef idx="0">
+              <a:schemeClr val="accent1"/>
+            </a:effectRef>
+            <a:fontRef idx="minor">
+              <a:schemeClr val="lt1"/>
+            </a:fontRef>
+          </p:style>
+          <p:txBody>
+            <a:bodyPr rtlCol="0" anchor="ctr"/>
+            <a:lstStyle/>
+            <a:p>
+              <a:pPr algn="ctr"/>
+              <a:endParaRPr lang="en-US"/>
+            </a:p>
+          </p:txBody>
+        </p:sp>
+        <p:sp>
+          <p:nvSpPr>
+            <p:cNvPr id="31" name="Rectangle 64">
+              <a:extLst>
+                <a:ext uri="{FF2B5EF4-FFF2-40B4-BE49-F238E27FC236}">
+                  <a16:creationId xmlns:a16="http://schemas.microsoft.com/office/drawing/2014/main" id="{470B9270-289C-4CAE-A237-A2F7AF5D1F69}"/>
+                </a:ext>
+                <a:ext uri="{C183D7F6-B498-43B3-948B-1728B52AA6E4}">
+                  <adec:decorative xmlns:adec="http://schemas.microsoft.com/office/drawing/2017/decorative" val="1"/>
+                </a:ext>
+              </a:extLst>
+            </p:cNvPr>
+            <p:cNvSpPr/>
+            <p:nvPr>
+              <p:extLst>
+                <p:ext uri="{386F3935-93C4-4BCD-93E2-E3B085C9AB24}">
+                  <p16:designElem xmlns:p16="http://schemas.microsoft.com/office/powerpoint/2015/main" val="1"/>
+                </p:ext>
+              </p:extLst>
+            </p:nvPr>
+          </p:nvSpPr>
+          <p:spPr>
+            <a:xfrm>
+              <a:off x="6047169" y="64008"/>
+              <a:ext cx="54368" cy="59227"/>
+            </a:xfrm>
+            <a:prstGeom prst="ellipse">
+              <a:avLst/>
+            </a:prstGeom>
+            <a:solidFill>
+              <a:schemeClr val="accent1"/>
+            </a:solidFill>
+            <a:ln>
+              <a:noFill/>
+            </a:ln>
+          </p:spPr>
+          <p:style>
+            <a:lnRef idx="2">
+              <a:schemeClr val="accent1">
+                <a:shade val="50000"/>
+              </a:schemeClr>
+            </a:lnRef>
+            <a:fillRef idx="1">
+              <a:schemeClr val="accent1"/>
+            </a:fillRef>
+            <a:effectRef idx="0">
+              <a:schemeClr val="accent1"/>
+            </a:effectRef>
+            <a:fontRef idx="minor">
+              <a:schemeClr val="lt1"/>
+            </a:fontRef>
+          </p:style>
+          <p:txBody>
+            <a:bodyPr rtlCol="0" anchor="ctr"/>
+            <a:lstStyle/>
+            <a:p>
+              <a:pPr algn="ctr"/>
+              <a:endParaRPr lang="en-US"/>
+            </a:p>
+          </p:txBody>
+        </p:sp>
+        <p:sp>
+          <p:nvSpPr>
+            <p:cNvPr id="32" name="Rectangle 66">
+              <a:extLst>
+                <a:ext uri="{FF2B5EF4-FFF2-40B4-BE49-F238E27FC236}">
+                  <a16:creationId xmlns:a16="http://schemas.microsoft.com/office/drawing/2014/main" id="{35AB7C89-5505-4CC2-9376-845C3AFBAB9E}"/>
+                </a:ext>
+                <a:ext uri="{C183D7F6-B498-43B3-948B-1728B52AA6E4}">
+                  <adec:decorative xmlns:adec="http://schemas.microsoft.com/office/drawing/2017/decorative" val="1"/>
+                </a:ext>
+              </a:extLst>
+            </p:cNvPr>
+            <p:cNvSpPr/>
+            <p:nvPr>
+              <p:extLst>
+                <p:ext uri="{386F3935-93C4-4BCD-93E2-E3B085C9AB24}">
+                  <p16:designElem xmlns:p16="http://schemas.microsoft.com/office/powerpoint/2015/main" val="1"/>
+                </p:ext>
+              </p:extLst>
+            </p:nvPr>
+          </p:nvSpPr>
+          <p:spPr>
+            <a:xfrm>
+              <a:off x="6047169" y="237744"/>
+              <a:ext cx="54368" cy="59227"/>
+            </a:xfrm>
+            <a:prstGeom prst="ellipse">
+              <a:avLst/>
+            </a:prstGeom>
+            <a:solidFill>
+              <a:schemeClr val="accent1"/>
+            </a:solidFill>
+            <a:ln>
+              <a:noFill/>
+            </a:ln>
+          </p:spPr>
+          <p:style>
+            <a:lnRef idx="2">
+              <a:schemeClr val="accent1">
+                <a:shade val="50000"/>
+              </a:schemeClr>
+            </a:lnRef>
+            <a:fillRef idx="1">
+              <a:schemeClr val="accent1"/>
+            </a:fillRef>
+            <a:effectRef idx="0">
+              <a:schemeClr val="accent1"/>
+            </a:effectRef>
+            <a:fontRef idx="minor">
+              <a:schemeClr val="lt1"/>
+            </a:fontRef>
+          </p:style>
+          <p:txBody>
+            <a:bodyPr rtlCol="0" anchor="ctr"/>
+            <a:lstStyle/>
+            <a:p>
+              <a:pPr algn="ctr"/>
+              <a:endParaRPr lang="en-US"/>
+            </a:p>
+          </p:txBody>
+        </p:sp>
+      </p:grpSp>
+      <p:sp>
+        <p:nvSpPr>
+          <p:cNvPr id="34" name="Rectangle 33">
+            <a:extLst>
+              <a:ext uri="{FF2B5EF4-FFF2-40B4-BE49-F238E27FC236}">
+                <a16:creationId xmlns:a16="http://schemas.microsoft.com/office/drawing/2014/main" id="{6B1D0220-8502-4FC9-A709-1F268DFE73CC}"/>
+              </a:ext>
+              <a:ext uri="{C183D7F6-B498-43B3-948B-1728B52AA6E4}">
+                <adec:decorative xmlns:adec="http://schemas.microsoft.com/office/drawing/2017/decorative" val="1"/>
+              </a:ext>
+            </a:extLst>
+          </p:cNvPr>
+          <p:cNvSpPr>
+            <a:spLocks noGrp="1" noRot="1" noChangeAspect="1" noMove="1" noResize="1" noEditPoints="1" noAdjustHandles="1" noChangeArrowheads="1" noChangeShapeType="1" noTextEdit="1"/>
+          </p:cNvSpPr>
+          <p:nvPr>
+            <p:extLst>
+              <p:ext uri="{386F3935-93C4-4BCD-93E2-E3B085C9AB24}">
+                <p16:designElem xmlns:p16="http://schemas.microsoft.com/office/powerpoint/2015/main" val="1"/>
+              </p:ext>
+            </p:extLst>
+          </p:nvPr>
+        </p:nvSpPr>
+        <p:spPr>
+          <a:xfrm flipH="1">
+            <a:off x="-1" y="6501384"/>
+            <a:ext cx="12191999" cy="356616"/>
+          </a:xfrm>
+          <a:prstGeom prst="rect">
+            <a:avLst/>
+          </a:prstGeom>
+          <a:solidFill>
+            <a:schemeClr val="tx1">
+              <a:lumMod val="85000"/>
+              <a:lumOff val="15000"/>
+            </a:schemeClr>
+          </a:solidFill>
+          <a:ln>
+            <a:noFill/>
+          </a:ln>
+        </p:spPr>
+        <p:style>
+          <a:lnRef idx="2">
+            <a:schemeClr val="accent1">
+              <a:shade val="50000"/>
+            </a:schemeClr>
+          </a:lnRef>
+          <a:fillRef idx="1">
+            <a:schemeClr val="accent1"/>
+          </a:fillRef>
+          <a:effectRef idx="0">
+            <a:schemeClr val="accent1"/>
+          </a:effectRef>
+          <a:fontRef idx="minor">
+            <a:schemeClr val="lt1"/>
+          </a:fontRef>
+        </p:style>
+        <p:txBody>
+          <a:bodyPr rtlCol="0" anchor="ctr"/>
+          <a:lstStyle/>
+          <a:p>
+            <a:pPr algn="ctr"/>
+            <a:endParaRPr lang="en-US"/>
+          </a:p>
+        </p:txBody>
+      </p:sp>
+      <p:pic>
+        <p:nvPicPr>
+          <p:cNvPr id="4" name="Picture 2">
+            <a:hlinkClick r:id="rId2"/>
+            <a:extLst>
+              <a:ext uri="{FF2B5EF4-FFF2-40B4-BE49-F238E27FC236}">
+                <a16:creationId xmlns:a16="http://schemas.microsoft.com/office/drawing/2014/main" id="{EDE5EB1A-22F8-AB71-CD5F-18B6441881C4}"/>
+              </a:ext>
+            </a:extLst>
+          </p:cNvPr>
+          <p:cNvPicPr>
+            <a:picLocks noChangeAspect="1" noChangeArrowheads="1"/>
+          </p:cNvPicPr>
+          <p:nvPr/>
+        </p:nvPicPr>
+        <p:blipFill>
+          <a:blip r:embed="rId3">
+            <a:extLst>
+              <a:ext uri="{28A0092B-C50C-407E-A947-70E740481C1C}">
+                <a14:useLocalDpi xmlns:a14="http://schemas.microsoft.com/office/drawing/2010/main" val="0"/>
+              </a:ext>
+            </a:extLst>
+          </a:blip>
+          <a:srcRect/>
+          <a:stretch>
+            <a:fillRect/>
+          </a:stretch>
+        </p:blipFill>
+        <p:spPr bwMode="auto">
+          <a:xfrm>
+            <a:off x="10615901" y="5936759"/>
+            <a:ext cx="1512168" cy="529071"/>
+          </a:xfrm>
+          <a:prstGeom prst="rect">
+            <a:avLst/>
+          </a:prstGeom>
+          <a:noFill/>
+          <a:extLst>
+            <a:ext uri="{909E8E84-426E-40DD-AFC4-6F175D3DCCD1}">
+              <a14:hiddenFill xmlns:a14="http://schemas.microsoft.com/office/drawing/2010/main">
+                <a:solidFill>
+                  <a:srgbClr val="FFFFFF"/>
+                </a:solidFill>
+              </a14:hiddenFill>
+            </a:ext>
+          </a:extLst>
+        </p:spPr>
+      </p:pic>
     </p:spTree>
     <p:extLst>
       <p:ext uri="{BB962C8B-B14F-4D97-AF65-F5344CB8AC3E}">
@@ -9247,6 +13791,14 @@
 <file path=ppt/slides/slide2.xml><?xml version="1.0" encoding="utf-8"?>
 <p:sld xmlns:a="http://schemas.openxmlformats.org/drawingml/2006/main" xmlns:r="http://schemas.openxmlformats.org/officeDocument/2006/relationships" xmlns:p="http://schemas.openxmlformats.org/presentationml/2006/main">
   <p:cSld>
+    <p:bg>
+      <p:bgPr>
+        <a:solidFill>
+          <a:schemeClr val="bg1"/>
+        </a:solidFill>
+        <a:effectLst/>
+      </p:bgPr>
+    </p:bg>
     <p:spTree>
       <p:nvGrpSpPr>
         <p:cNvPr id="1" name=""/>
@@ -9271,9 +13823,16 @@
             <p:ph type="title"/>
           </p:nvPr>
         </p:nvSpPr>
-        <p:spPr/>
+        <p:spPr>
+          <a:xfrm>
+            <a:off x="4965430" y="629268"/>
+            <a:ext cx="6586491" cy="1286160"/>
+          </a:xfrm>
+        </p:spPr>
         <p:txBody>
-          <a:bodyPr/>
+          <a:bodyPr anchor="b">
+            <a:normAutofit/>
+          </a:bodyPr>
           <a:lstStyle/>
           <a:p>
             <a:r>
@@ -9293,18 +13852,123 @@
             <p:ph idx="1"/>
           </p:nvPr>
         </p:nvSpPr>
-        <p:spPr/>
+        <p:spPr>
+          <a:xfrm>
+            <a:off x="4965431" y="2438400"/>
+            <a:ext cx="6586489" cy="3785419"/>
+          </a:xfrm>
+        </p:spPr>
         <p:txBody>
-          <a:bodyPr/>
+          <a:bodyPr anchor="ctr">
+            <a:normAutofit/>
+          </a:bodyPr>
           <a:lstStyle/>
           <a:p>
+            <a:pPr>
+              <a:spcAft>
+                <a:spcPts val="600"/>
+              </a:spcAft>
+            </a:pPr>
             <a:r>
               <a:rPr lang="pl-PL" dirty="0"/>
               <a:t>Algorytm pozwala znaleźć wszystkie liczby pierwsze w zadanym zakresie od 1 do n</a:t>
+            </a:r>
+          </a:p>
+          <a:p>
+            <a:pPr>
+              <a:spcAft>
+                <a:spcPts val="600"/>
+              </a:spcAft>
+            </a:pPr>
+            <a:r>
+              <a:rPr lang="pl-PL" dirty="0"/>
+              <a:t>Idea algorytmu opiera się na „skreślaniu” wielokrotności liczb pierwszych</a:t>
             </a:r>
           </a:p>
         </p:txBody>
       </p:sp>
+      <p:pic>
+        <p:nvPicPr>
+          <p:cNvPr id="5" name="Picture 4" descr="Obraz zawierający tekst, przyroda, tablica&#10;&#10;Opis wygenerowany automatycznie">
+            <a:extLst>
+              <a:ext uri="{FF2B5EF4-FFF2-40B4-BE49-F238E27FC236}">
+                <a16:creationId xmlns:a16="http://schemas.microsoft.com/office/drawing/2014/main" id="{FA4C9225-1F03-AB42-724E-9BED77C29F2B}"/>
+              </a:ext>
+            </a:extLst>
+          </p:cNvPr>
+          <p:cNvPicPr>
+            <a:picLocks noChangeAspect="1"/>
+          </p:cNvPicPr>
+          <p:nvPr/>
+        </p:nvPicPr>
+        <p:blipFill rotWithShape="1">
+          <a:blip r:embed="rId2"/>
+          <a:srcRect l="23587" r="38392"/>
+          <a:stretch/>
+        </p:blipFill>
+        <p:spPr>
+          <a:xfrm>
+            <a:off x="20" y="10"/>
+            <a:ext cx="4635571" cy="6857990"/>
+          </a:xfrm>
+          <a:prstGeom prst="rect">
+            <a:avLst/>
+          </a:prstGeom>
+          <a:effectLst/>
+        </p:spPr>
+      </p:pic>
+      <p:cxnSp>
+        <p:nvCxnSpPr>
+          <p:cNvPr id="9" name="Straight Connector 8">
+            <a:extLst>
+              <a:ext uri="{FF2B5EF4-FFF2-40B4-BE49-F238E27FC236}">
+                <a16:creationId xmlns:a16="http://schemas.microsoft.com/office/drawing/2014/main" id="{A7F400EE-A8A5-48AF-B4D6-291B52C6F0B0}"/>
+              </a:ext>
+              <a:ext uri="{C183D7F6-B498-43B3-948B-1728B52AA6E4}">
+                <adec:decorative xmlns:adec="http://schemas.microsoft.com/office/drawing/2017/decorative" val="1"/>
+              </a:ext>
+            </a:extLst>
+          </p:cNvPr>
+          <p:cNvCxnSpPr>
+            <a:cxnSpLocks noGrp="1" noRot="1" noChangeAspect="1" noMove="1" noResize="1" noEditPoints="1" noAdjustHandles="1" noChangeArrowheads="1" noChangeShapeType="1"/>
+          </p:cNvCxnSpPr>
+          <p:nvPr>
+            <p:extLst>
+              <p:ext uri="{386F3935-93C4-4BCD-93E2-E3B085C9AB24}">
+                <p16:designElem xmlns:p16="http://schemas.microsoft.com/office/powerpoint/2015/main" val="1"/>
+              </p:ext>
+            </p:extLst>
+          </p:nvPr>
+        </p:nvCxnSpPr>
+        <p:spPr>
+          <a:xfrm>
+            <a:off x="5080934" y="2115117"/>
+            <a:ext cx="6309360" cy="0"/>
+          </a:xfrm>
+          <a:prstGeom prst="line">
+            <a:avLst/>
+          </a:prstGeom>
+          <a:ln w="19050">
+            <a:solidFill>
+              <a:srgbClr val="525592"/>
+            </a:solidFill>
+          </a:ln>
+        </p:spPr>
+        <p:style>
+          <a:lnRef idx="1">
+            <a:schemeClr val="accent1"/>
+          </a:lnRef>
+          <a:fillRef idx="0">
+            <a:schemeClr val="accent1"/>
+          </a:fillRef>
+          <a:effectRef idx="0">
+            <a:schemeClr val="accent1"/>
+          </a:effectRef>
+          <a:fontRef idx="minor">
+            <a:schemeClr val="tx1"/>
+          </a:fontRef>
+        </p:style>
+      </p:cxnSp>
     </p:spTree>
     <p:extLst>
       <p:ext uri="{BB962C8B-B14F-4D97-AF65-F5344CB8AC3E}">
@@ -18518,6 +23182,14 @@
 <file path=ppt/slides/slide3.xml><?xml version="1.0" encoding="utf-8"?>
 <p:sld xmlns:a="http://schemas.openxmlformats.org/drawingml/2006/main" xmlns:r="http://schemas.openxmlformats.org/officeDocument/2006/relationships" xmlns:p="http://schemas.openxmlformats.org/presentationml/2006/main">
   <p:cSld>
+    <p:bg>
+      <p:bgPr>
+        <a:solidFill>
+          <a:schemeClr val="bg1"/>
+        </a:solidFill>
+        <a:effectLst/>
+      </p:bgPr>
+    </p:bg>
     <p:spTree>
       <p:nvGrpSpPr>
         <p:cNvPr id="1" name=""/>
@@ -18542,70 +23214,175 @@
             <p:ph type="title"/>
           </p:nvPr>
         </p:nvSpPr>
-        <p:spPr/>
+        <p:spPr>
+          <a:xfrm>
+            <a:off x="4965430" y="629268"/>
+            <a:ext cx="6586491" cy="1286160"/>
+          </a:xfrm>
+        </p:spPr>
         <p:txBody>
-          <a:bodyPr/>
-          <a:lstStyle/>
-          <a:p>
-            <a:r>
-              <a:rPr lang="pl-PL" dirty="0"/>
-              <a:t>Specyfikacja</a:t>
-            </a:r>
-          </a:p>
-        </p:txBody>
-      </p:sp>
-      <p:sp>
-        <p:nvSpPr>
-          <p:cNvPr id="3" name="Symbol zastępczy zawartości 2"/>
-          <p:cNvSpPr>
-            <a:spLocks noGrp="1"/>
-          </p:cNvSpPr>
-          <p:nvPr>
-            <p:ph idx="1"/>
-          </p:nvPr>
-        </p:nvSpPr>
-        <p:spPr/>
-        <p:txBody>
-          <a:bodyPr>
+          <a:bodyPr anchor="b">
             <a:normAutofit/>
           </a:bodyPr>
           <a:lstStyle/>
           <a:p>
             <a:r>
               <a:rPr lang="pl-PL" dirty="0"/>
-              <a:t>Dane:</a:t>
-            </a:r>
-          </a:p>
-          <a:p>
-            <a:pPr lvl="1"/>
-            <a:r>
-              <a:rPr lang="pl-PL" sz="2800" dirty="0"/>
-              <a:t>n </a:t>
-            </a:r>
-            <a:r>
-              <a:rPr lang="mr-IN" sz="2800" dirty="0"/>
-              <a:t>–</a:t>
-            </a:r>
-            <a:r>
-              <a:rPr lang="pl-PL" sz="2800" dirty="0"/>
-              <a:t> liczba naturalna</a:t>
-            </a:r>
-          </a:p>
-          <a:p>
-            <a:r>
-              <a:rPr lang="pl-PL" dirty="0"/>
-              <a:t>Wynik:</a:t>
-            </a:r>
-          </a:p>
-          <a:p>
-            <a:pPr lvl="1"/>
-            <a:r>
-              <a:rPr lang="pl-PL" sz="2800" dirty="0"/>
-              <a:t>Lista liczb pierwszych z przedziału [1,n]</a:t>
+              <a:t>Specyfikacja</a:t>
             </a:r>
           </a:p>
         </p:txBody>
       </p:sp>
+      <p:pic>
+        <p:nvPicPr>
+          <p:cNvPr id="6" name="Picture 5">
+            <a:extLst>
+              <a:ext uri="{FF2B5EF4-FFF2-40B4-BE49-F238E27FC236}">
+                <a16:creationId xmlns:a16="http://schemas.microsoft.com/office/drawing/2014/main" id="{B339256D-4268-FD7A-4820-AFB4695C03E5}"/>
+              </a:ext>
+            </a:extLst>
+          </p:cNvPr>
+          <p:cNvPicPr>
+            <a:picLocks noChangeAspect="1"/>
+          </p:cNvPicPr>
+          <p:nvPr/>
+        </p:nvPicPr>
+        <p:blipFill rotWithShape="1">
+          <a:blip r:embed="rId2"/>
+          <a:srcRect l="27419" r="27462" b="-1"/>
+          <a:stretch/>
+        </p:blipFill>
+        <p:spPr>
+          <a:xfrm>
+            <a:off x="20" y="10"/>
+            <a:ext cx="4635571" cy="6857990"/>
+          </a:xfrm>
+          <a:prstGeom prst="rect">
+            <a:avLst/>
+          </a:prstGeom>
+          <a:effectLst/>
+        </p:spPr>
+      </p:pic>
+      <p:cxnSp>
+        <p:nvCxnSpPr>
+          <p:cNvPr id="10" name="Straight Connector 9">
+            <a:extLst>
+              <a:ext uri="{FF2B5EF4-FFF2-40B4-BE49-F238E27FC236}">
+                <a16:creationId xmlns:a16="http://schemas.microsoft.com/office/drawing/2014/main" id="{A7F400EE-A8A5-48AF-B4D6-291B52C6F0B0}"/>
+              </a:ext>
+              <a:ext uri="{C183D7F6-B498-43B3-948B-1728B52AA6E4}">
+                <adec:decorative xmlns:adec="http://schemas.microsoft.com/office/drawing/2017/decorative" val="1"/>
+              </a:ext>
+            </a:extLst>
+          </p:cNvPr>
+          <p:cNvCxnSpPr>
+            <a:cxnSpLocks noGrp="1" noRot="1" noChangeAspect="1" noMove="1" noResize="1" noEditPoints="1" noAdjustHandles="1" noChangeArrowheads="1" noChangeShapeType="1"/>
+          </p:cNvCxnSpPr>
+          <p:nvPr>
+            <p:extLst>
+              <p:ext uri="{386F3935-93C4-4BCD-93E2-E3B085C9AB24}">
+                <p16:designElem xmlns:p16="http://schemas.microsoft.com/office/powerpoint/2015/main" val="1"/>
+              </p:ext>
+            </p:extLst>
+          </p:nvPr>
+        </p:nvCxnSpPr>
+        <p:spPr>
+          <a:xfrm>
+            <a:off x="5080934" y="2115117"/>
+            <a:ext cx="6309360" cy="0"/>
+          </a:xfrm>
+          <a:prstGeom prst="line">
+            <a:avLst/>
+          </a:prstGeom>
+          <a:ln w="19050">
+            <a:solidFill>
+              <a:schemeClr val="accent1"/>
+            </a:solidFill>
+          </a:ln>
+        </p:spPr>
+        <p:style>
+          <a:lnRef idx="1">
+            <a:schemeClr val="accent1"/>
+          </a:lnRef>
+          <a:fillRef idx="0">
+            <a:schemeClr val="accent1"/>
+          </a:fillRef>
+          <a:effectRef idx="0">
+            <a:schemeClr val="accent1"/>
+          </a:effectRef>
+          <a:fontRef idx="minor">
+            <a:schemeClr val="tx1"/>
+          </a:fontRef>
+        </p:style>
+      </p:cxnSp>
+      <mc:AlternateContent xmlns:mc="http://schemas.openxmlformats.org/markup-compatibility/2006">
+        <mc:Choice xmlns:a14="http://schemas.microsoft.com/office/drawing/2010/main" Requires="a14">
+          <p:graphicFrame>
+            <p:nvGraphicFramePr>
+              <p:cNvPr id="5" name="Symbol zastępczy zawartości 2">
+                <a:extLst>
+                  <a:ext uri="{FF2B5EF4-FFF2-40B4-BE49-F238E27FC236}">
+                    <a16:creationId xmlns:a16="http://schemas.microsoft.com/office/drawing/2014/main" id="{6C6C4A06-6DE0-B468-8DB9-6AD08CF7B6E8}"/>
+                  </a:ext>
+                </a:extLst>
+              </p:cNvPr>
+              <p:cNvGraphicFramePr>
+                <a:graphicFrameLocks noGrp="1"/>
+              </p:cNvGraphicFramePr>
+              <p:nvPr>
+                <p:ph idx="1"/>
+                <p:extLst>
+                  <p:ext uri="{D42A27DB-BD31-4B8C-83A1-F6EECF244321}">
+                    <p14:modId xmlns:p14="http://schemas.microsoft.com/office/powerpoint/2010/main" val="2476436691"/>
+                  </p:ext>
+                </p:extLst>
+              </p:nvPr>
+            </p:nvGraphicFramePr>
+            <p:xfrm>
+              <a:off x="4965431" y="2438400"/>
+              <a:ext cx="6586489" cy="3785419"/>
+            </p:xfrm>
+            <a:graphic>
+              <a:graphicData uri="http://schemas.openxmlformats.org/drawingml/2006/diagram">
+                <dgm:relIds xmlns:dgm="http://schemas.openxmlformats.org/drawingml/2006/diagram" xmlns:r="http://schemas.openxmlformats.org/officeDocument/2006/relationships" r:dm="rId3" r:lo="rId4" r:qs="rId5" r:cs="rId6"/>
+              </a:graphicData>
+            </a:graphic>
+          </p:graphicFrame>
+        </mc:Choice>
+        <mc:Fallback>
+          <p:graphicFrame>
+            <p:nvGraphicFramePr>
+              <p:cNvPr id="5" name="Symbol zastępczy zawartości 2">
+                <a:extLst>
+                  <a:ext uri="{FF2B5EF4-FFF2-40B4-BE49-F238E27FC236}">
+                    <a16:creationId xmlns:a16="http://schemas.microsoft.com/office/drawing/2014/main" id="{6C6C4A06-6DE0-B468-8DB9-6AD08CF7B6E8}"/>
+                  </a:ext>
+                </a:extLst>
+              </p:cNvPr>
+              <p:cNvGraphicFramePr>
+                <a:graphicFrameLocks noGrp="1"/>
+              </p:cNvGraphicFramePr>
+              <p:nvPr>
+                <p:ph idx="1"/>
+                <p:extLst>
+                  <p:ext uri="{D42A27DB-BD31-4B8C-83A1-F6EECF244321}">
+                    <p14:modId xmlns:p14="http://schemas.microsoft.com/office/powerpoint/2010/main" val="2476436691"/>
+                  </p:ext>
+                </p:extLst>
+              </p:nvPr>
+            </p:nvGraphicFramePr>
+            <p:xfrm>
+              <a:off x="4965431" y="2438400"/>
+              <a:ext cx="6586489" cy="3785419"/>
+            </p:xfrm>
+            <a:graphic>
+              <a:graphicData uri="http://schemas.openxmlformats.org/drawingml/2006/diagram">
+                <dgm:relIds xmlns:dgm="http://schemas.openxmlformats.org/drawingml/2006/diagram" xmlns:r="http://schemas.openxmlformats.org/officeDocument/2006/relationships" r:dm="rId8" r:lo="rId4" r:qs="rId5" r:cs="rId6"/>
+              </a:graphicData>
+            </a:graphic>
+          </p:graphicFrame>
+        </mc:Fallback>
+      </mc:AlternateContent>
     </p:spTree>
     <p:extLst>
       <p:ext uri="{BB962C8B-B14F-4D97-AF65-F5344CB8AC3E}">
@@ -20024,6 +24801,1018 @@
 <file path=ppt/slides/slide4.xml><?xml version="1.0" encoding="utf-8"?>
 <p:sld xmlns:a="http://schemas.openxmlformats.org/drawingml/2006/main" xmlns:r="http://schemas.openxmlformats.org/officeDocument/2006/relationships" xmlns:p="http://schemas.openxmlformats.org/presentationml/2006/main">
   <p:cSld>
+    <p:bg>
+      <p:bgPr>
+        <a:solidFill>
+          <a:schemeClr val="bg1"/>
+        </a:solidFill>
+        <a:effectLst/>
+      </p:bgPr>
+    </p:bg>
+    <p:spTree>
+      <p:nvGrpSpPr>
+        <p:cNvPr id="1" name=""/>
+        <p:cNvGrpSpPr/>
+        <p:nvPr/>
+      </p:nvGrpSpPr>
+      <p:grpSpPr>
+        <a:xfrm>
+          <a:off x="0" y="0"/>
+          <a:ext cx="0" cy="0"/>
+          <a:chOff x="0" y="0"/>
+          <a:chExt cx="0" cy="0"/>
+        </a:xfrm>
+      </p:grpSpPr>
+      <p:sp useBgFill="1">
+        <p:nvSpPr>
+          <p:cNvPr id="24" name="Rectangle 7">
+            <a:extLst>
+              <a:ext uri="{FF2B5EF4-FFF2-40B4-BE49-F238E27FC236}">
+                <a16:creationId xmlns:a16="http://schemas.microsoft.com/office/drawing/2014/main" id="{100EDD19-6802-4EC3-95CE-CFFAB042CFD6}"/>
+              </a:ext>
+              <a:ext uri="{C183D7F6-B498-43B3-948B-1728B52AA6E4}">
+                <adec:decorative xmlns:adec="http://schemas.microsoft.com/office/drawing/2017/decorative" val="1"/>
+              </a:ext>
+            </a:extLst>
+          </p:cNvPr>
+          <p:cNvSpPr>
+            <a:spLocks noGrp="1" noRot="1" noChangeAspect="1" noMove="1" noResize="1" noEditPoints="1" noAdjustHandles="1" noChangeArrowheads="1" noChangeShapeType="1" noTextEdit="1"/>
+          </p:cNvSpPr>
+          <p:nvPr>
+            <p:extLst>
+              <p:ext uri="{386F3935-93C4-4BCD-93E2-E3B085C9AB24}">
+                <p16:designElem xmlns:p16="http://schemas.microsoft.com/office/powerpoint/2015/main" val="1"/>
+              </p:ext>
+            </p:extLst>
+          </p:nvPr>
+        </p:nvSpPr>
+        <p:spPr>
+          <a:xfrm>
+            <a:off x="0" y="0"/>
+            <a:ext cx="12188952" cy="6858000"/>
+          </a:xfrm>
+          <a:prstGeom prst="rect">
+            <a:avLst/>
+          </a:prstGeom>
+          <a:ln>
+            <a:noFill/>
+          </a:ln>
+        </p:spPr>
+        <p:style>
+          <a:lnRef idx="2">
+            <a:schemeClr val="accent1">
+              <a:shade val="50000"/>
+            </a:schemeClr>
+          </a:lnRef>
+          <a:fillRef idx="1">
+            <a:schemeClr val="accent1"/>
+          </a:fillRef>
+          <a:effectRef idx="0">
+            <a:schemeClr val="accent1"/>
+          </a:effectRef>
+          <a:fontRef idx="minor">
+            <a:schemeClr val="lt1"/>
+          </a:fontRef>
+        </p:style>
+        <p:txBody>
+          <a:bodyPr rtlCol="0" anchor="ctr"/>
+          <a:lstStyle/>
+          <a:p>
+            <a:pPr algn="ctr"/>
+            <a:endParaRPr lang="en-US"/>
+          </a:p>
+        </p:txBody>
+      </p:sp>
+      <p:sp>
+        <p:nvSpPr>
+          <p:cNvPr id="2" name="Tytuł 1"/>
+          <p:cNvSpPr>
+            <a:spLocks noGrp="1"/>
+          </p:cNvSpPr>
+          <p:nvPr>
+            <p:ph type="title"/>
+          </p:nvPr>
+        </p:nvSpPr>
+        <p:spPr>
+          <a:xfrm>
+            <a:off x="838200" y="365125"/>
+            <a:ext cx="10515600" cy="1325563"/>
+          </a:xfrm>
+        </p:spPr>
+        <p:txBody>
+          <a:bodyPr>
+            <a:normAutofit/>
+          </a:bodyPr>
+          <a:lstStyle/>
+          <a:p>
+            <a:r>
+              <a:rPr lang="pl-PL" sz="5400"/>
+              <a:t>Algorytm</a:t>
+            </a:r>
+          </a:p>
+        </p:txBody>
+      </p:sp>
+      <p:sp>
+        <p:nvSpPr>
+          <p:cNvPr id="25" name="sketch line">
+            <a:extLst>
+              <a:ext uri="{FF2B5EF4-FFF2-40B4-BE49-F238E27FC236}">
+                <a16:creationId xmlns:a16="http://schemas.microsoft.com/office/drawing/2014/main" id="{DB17E863-922E-4C26-BD64-E8FD41D28661}"/>
+              </a:ext>
+              <a:ext uri="{C183D7F6-B498-43B3-948B-1728B52AA6E4}">
+                <adec:decorative xmlns:adec="http://schemas.microsoft.com/office/drawing/2017/decorative" val="1"/>
+              </a:ext>
+            </a:extLst>
+          </p:cNvPr>
+          <p:cNvSpPr>
+            <a:spLocks noGrp="1" noRot="1" noChangeAspect="1" noMove="1" noResize="1" noEditPoints="1" noAdjustHandles="1" noChangeArrowheads="1" noChangeShapeType="1" noTextEdit="1"/>
+          </p:cNvSpPr>
+          <p:nvPr>
+            <p:extLst>
+              <p:ext uri="{386F3935-93C4-4BCD-93E2-E3B085C9AB24}">
+                <p16:designElem xmlns:p16="http://schemas.microsoft.com/office/powerpoint/2015/main" val="1"/>
+              </p:ext>
+            </p:extLst>
+          </p:nvPr>
+        </p:nvSpPr>
+        <p:spPr>
+          <a:xfrm>
+            <a:off x="669036" y="1677373"/>
+            <a:ext cx="10853928" cy="18288"/>
+          </a:xfrm>
+          <a:custGeom>
+            <a:avLst/>
+            <a:gdLst>
+              <a:gd name="connsiteX0" fmla="*/ 0 w 10853928"/>
+              <a:gd name="connsiteY0" fmla="*/ 0 h 18288"/>
+              <a:gd name="connsiteX1" fmla="*/ 461292 w 10853928"/>
+              <a:gd name="connsiteY1" fmla="*/ 0 h 18288"/>
+              <a:gd name="connsiteX2" fmla="*/ 1139662 w 10853928"/>
+              <a:gd name="connsiteY2" fmla="*/ 0 h 18288"/>
+              <a:gd name="connsiteX3" fmla="*/ 1926572 w 10853928"/>
+              <a:gd name="connsiteY3" fmla="*/ 0 h 18288"/>
+              <a:gd name="connsiteX4" fmla="*/ 2279325 w 10853928"/>
+              <a:gd name="connsiteY4" fmla="*/ 0 h 18288"/>
+              <a:gd name="connsiteX5" fmla="*/ 2632078 w 10853928"/>
+              <a:gd name="connsiteY5" fmla="*/ 0 h 18288"/>
+              <a:gd name="connsiteX6" fmla="*/ 3527527 w 10853928"/>
+              <a:gd name="connsiteY6" fmla="*/ 0 h 18288"/>
+              <a:gd name="connsiteX7" fmla="*/ 4205897 w 10853928"/>
+              <a:gd name="connsiteY7" fmla="*/ 0 h 18288"/>
+              <a:gd name="connsiteX8" fmla="*/ 4558650 w 10853928"/>
+              <a:gd name="connsiteY8" fmla="*/ 0 h 18288"/>
+              <a:gd name="connsiteX9" fmla="*/ 5237020 w 10853928"/>
+              <a:gd name="connsiteY9" fmla="*/ 0 h 18288"/>
+              <a:gd name="connsiteX10" fmla="*/ 6132469 w 10853928"/>
+              <a:gd name="connsiteY10" fmla="*/ 0 h 18288"/>
+              <a:gd name="connsiteX11" fmla="*/ 6702301 w 10853928"/>
+              <a:gd name="connsiteY11" fmla="*/ 0 h 18288"/>
+              <a:gd name="connsiteX12" fmla="*/ 7272132 w 10853928"/>
+              <a:gd name="connsiteY12" fmla="*/ 0 h 18288"/>
+              <a:gd name="connsiteX13" fmla="*/ 7950502 w 10853928"/>
+              <a:gd name="connsiteY13" fmla="*/ 0 h 18288"/>
+              <a:gd name="connsiteX14" fmla="*/ 8737412 w 10853928"/>
+              <a:gd name="connsiteY14" fmla="*/ 0 h 18288"/>
+              <a:gd name="connsiteX15" fmla="*/ 9524322 w 10853928"/>
+              <a:gd name="connsiteY15" fmla="*/ 0 h 18288"/>
+              <a:gd name="connsiteX16" fmla="*/ 10853928 w 10853928"/>
+              <a:gd name="connsiteY16" fmla="*/ 0 h 18288"/>
+              <a:gd name="connsiteX17" fmla="*/ 10853928 w 10853928"/>
+              <a:gd name="connsiteY17" fmla="*/ 18288 h 18288"/>
+              <a:gd name="connsiteX18" fmla="*/ 10392636 w 10853928"/>
+              <a:gd name="connsiteY18" fmla="*/ 18288 h 18288"/>
+              <a:gd name="connsiteX19" fmla="*/ 9497187 w 10853928"/>
+              <a:gd name="connsiteY19" fmla="*/ 18288 h 18288"/>
+              <a:gd name="connsiteX20" fmla="*/ 8818817 w 10853928"/>
+              <a:gd name="connsiteY20" fmla="*/ 18288 h 18288"/>
+              <a:gd name="connsiteX21" fmla="*/ 8466064 w 10853928"/>
+              <a:gd name="connsiteY21" fmla="*/ 18288 h 18288"/>
+              <a:gd name="connsiteX22" fmla="*/ 7787693 w 10853928"/>
+              <a:gd name="connsiteY22" fmla="*/ 18288 h 18288"/>
+              <a:gd name="connsiteX23" fmla="*/ 7217862 w 10853928"/>
+              <a:gd name="connsiteY23" fmla="*/ 18288 h 18288"/>
+              <a:gd name="connsiteX24" fmla="*/ 6648031 w 10853928"/>
+              <a:gd name="connsiteY24" fmla="*/ 18288 h 18288"/>
+              <a:gd name="connsiteX25" fmla="*/ 6078200 w 10853928"/>
+              <a:gd name="connsiteY25" fmla="*/ 18288 h 18288"/>
+              <a:gd name="connsiteX26" fmla="*/ 5508368 w 10853928"/>
+              <a:gd name="connsiteY26" fmla="*/ 18288 h 18288"/>
+              <a:gd name="connsiteX27" fmla="*/ 4721459 w 10853928"/>
+              <a:gd name="connsiteY27" fmla="*/ 18288 h 18288"/>
+              <a:gd name="connsiteX28" fmla="*/ 4043088 w 10853928"/>
+              <a:gd name="connsiteY28" fmla="*/ 18288 h 18288"/>
+              <a:gd name="connsiteX29" fmla="*/ 3690336 w 10853928"/>
+              <a:gd name="connsiteY29" fmla="*/ 18288 h 18288"/>
+              <a:gd name="connsiteX30" fmla="*/ 3120504 w 10853928"/>
+              <a:gd name="connsiteY30" fmla="*/ 18288 h 18288"/>
+              <a:gd name="connsiteX31" fmla="*/ 2333595 w 10853928"/>
+              <a:gd name="connsiteY31" fmla="*/ 18288 h 18288"/>
+              <a:gd name="connsiteX32" fmla="*/ 1872303 w 10853928"/>
+              <a:gd name="connsiteY32" fmla="*/ 18288 h 18288"/>
+              <a:gd name="connsiteX33" fmla="*/ 976854 w 10853928"/>
+              <a:gd name="connsiteY33" fmla="*/ 18288 h 18288"/>
+              <a:gd name="connsiteX34" fmla="*/ 0 w 10853928"/>
+              <a:gd name="connsiteY34" fmla="*/ 18288 h 18288"/>
+              <a:gd name="connsiteX35" fmla="*/ 0 w 10853928"/>
+              <a:gd name="connsiteY35" fmla="*/ 0 h 18288"/>
+            </a:gdLst>
+            <a:ahLst/>
+            <a:cxnLst>
+              <a:cxn ang="0">
+                <a:pos x="connsiteX0" y="connsiteY0"/>
+              </a:cxn>
+              <a:cxn ang="0">
+                <a:pos x="connsiteX1" y="connsiteY1"/>
+              </a:cxn>
+              <a:cxn ang="0">
+                <a:pos x="connsiteX2" y="connsiteY2"/>
+              </a:cxn>
+              <a:cxn ang="0">
+                <a:pos x="connsiteX3" y="connsiteY3"/>
+              </a:cxn>
+              <a:cxn ang="0">
+                <a:pos x="connsiteX4" y="connsiteY4"/>
+              </a:cxn>
+              <a:cxn ang="0">
+                <a:pos x="connsiteX5" y="connsiteY5"/>
+              </a:cxn>
+              <a:cxn ang="0">
+                <a:pos x="connsiteX6" y="connsiteY6"/>
+              </a:cxn>
+              <a:cxn ang="0">
+                <a:pos x="connsiteX7" y="connsiteY7"/>
+              </a:cxn>
+              <a:cxn ang="0">
+                <a:pos x="connsiteX8" y="connsiteY8"/>
+              </a:cxn>
+              <a:cxn ang="0">
+                <a:pos x="connsiteX9" y="connsiteY9"/>
+              </a:cxn>
+              <a:cxn ang="0">
+                <a:pos x="connsiteX10" y="connsiteY10"/>
+              </a:cxn>
+              <a:cxn ang="0">
+                <a:pos x="connsiteX11" y="connsiteY11"/>
+              </a:cxn>
+              <a:cxn ang="0">
+                <a:pos x="connsiteX12" y="connsiteY12"/>
+              </a:cxn>
+              <a:cxn ang="0">
+                <a:pos x="connsiteX13" y="connsiteY13"/>
+              </a:cxn>
+              <a:cxn ang="0">
+                <a:pos x="connsiteX14" y="connsiteY14"/>
+              </a:cxn>
+              <a:cxn ang="0">
+                <a:pos x="connsiteX15" y="connsiteY15"/>
+              </a:cxn>
+              <a:cxn ang="0">
+                <a:pos x="connsiteX16" y="connsiteY16"/>
+              </a:cxn>
+              <a:cxn ang="0">
+                <a:pos x="connsiteX17" y="connsiteY17"/>
+              </a:cxn>
+              <a:cxn ang="0">
+                <a:pos x="connsiteX18" y="connsiteY18"/>
+              </a:cxn>
+              <a:cxn ang="0">
+                <a:pos x="connsiteX19" y="connsiteY19"/>
+              </a:cxn>
+              <a:cxn ang="0">
+                <a:pos x="connsiteX20" y="connsiteY20"/>
+              </a:cxn>
+              <a:cxn ang="0">
+                <a:pos x="connsiteX21" y="connsiteY21"/>
+              </a:cxn>
+              <a:cxn ang="0">
+                <a:pos x="connsiteX22" y="connsiteY22"/>
+              </a:cxn>
+              <a:cxn ang="0">
+                <a:pos x="connsiteX23" y="connsiteY23"/>
+              </a:cxn>
+              <a:cxn ang="0">
+                <a:pos x="connsiteX24" y="connsiteY24"/>
+              </a:cxn>
+              <a:cxn ang="0">
+                <a:pos x="connsiteX25" y="connsiteY25"/>
+              </a:cxn>
+              <a:cxn ang="0">
+                <a:pos x="connsiteX26" y="connsiteY26"/>
+              </a:cxn>
+              <a:cxn ang="0">
+                <a:pos x="connsiteX27" y="connsiteY27"/>
+              </a:cxn>
+              <a:cxn ang="0">
+                <a:pos x="connsiteX28" y="connsiteY28"/>
+              </a:cxn>
+              <a:cxn ang="0">
+                <a:pos x="connsiteX29" y="connsiteY29"/>
+              </a:cxn>
+              <a:cxn ang="0">
+                <a:pos x="connsiteX30" y="connsiteY30"/>
+              </a:cxn>
+              <a:cxn ang="0">
+                <a:pos x="connsiteX31" y="connsiteY31"/>
+              </a:cxn>
+              <a:cxn ang="0">
+                <a:pos x="connsiteX32" y="connsiteY32"/>
+              </a:cxn>
+              <a:cxn ang="0">
+                <a:pos x="connsiteX33" y="connsiteY33"/>
+              </a:cxn>
+              <a:cxn ang="0">
+                <a:pos x="connsiteX34" y="connsiteY34"/>
+              </a:cxn>
+              <a:cxn ang="0">
+                <a:pos x="connsiteX35" y="connsiteY35"/>
+              </a:cxn>
+            </a:cxnLst>
+            <a:rect l="l" t="t" r="r" b="b"/>
+            <a:pathLst>
+              <a:path w="10853928" h="18288" fill="none" extrusionOk="0">
+                <a:moveTo>
+                  <a:pt x="0" y="0"/>
+                </a:moveTo>
+                <a:cubicBezTo>
+                  <a:pt x="146993" y="-19076"/>
+                  <a:pt x="347684" y="-4790"/>
+                  <a:pt x="461292" y="0"/>
+                </a:cubicBezTo>
+                <a:cubicBezTo>
+                  <a:pt x="574900" y="4790"/>
+                  <a:pt x="808367" y="19821"/>
+                  <a:pt x="1139662" y="0"/>
+                </a:cubicBezTo>
+                <a:cubicBezTo>
+                  <a:pt x="1470957" y="-19821"/>
+                  <a:pt x="1627405" y="5721"/>
+                  <a:pt x="1926572" y="0"/>
+                </a:cubicBezTo>
+                <a:cubicBezTo>
+                  <a:pt x="2225739" y="-5721"/>
+                  <a:pt x="2137730" y="-3235"/>
+                  <a:pt x="2279325" y="0"/>
+                </a:cubicBezTo>
+                <a:cubicBezTo>
+                  <a:pt x="2420920" y="3235"/>
+                  <a:pt x="2456518" y="9685"/>
+                  <a:pt x="2632078" y="0"/>
+                </a:cubicBezTo>
+                <a:cubicBezTo>
+                  <a:pt x="2807638" y="-9685"/>
+                  <a:pt x="3211516" y="-43007"/>
+                  <a:pt x="3527527" y="0"/>
+                </a:cubicBezTo>
+                <a:cubicBezTo>
+                  <a:pt x="3843538" y="43007"/>
+                  <a:pt x="4058833" y="22042"/>
+                  <a:pt x="4205897" y="0"/>
+                </a:cubicBezTo>
+                <a:cubicBezTo>
+                  <a:pt x="4352961" y="-22042"/>
+                  <a:pt x="4474805" y="-11846"/>
+                  <a:pt x="4558650" y="0"/>
+                </a:cubicBezTo>
+                <a:cubicBezTo>
+                  <a:pt x="4642495" y="11846"/>
+                  <a:pt x="5041928" y="-6069"/>
+                  <a:pt x="5237020" y="0"/>
+                </a:cubicBezTo>
+                <a:cubicBezTo>
+                  <a:pt x="5432112" y="6069"/>
+                  <a:pt x="5943266" y="-17479"/>
+                  <a:pt x="6132469" y="0"/>
+                </a:cubicBezTo>
+                <a:cubicBezTo>
+                  <a:pt x="6321672" y="17479"/>
+                  <a:pt x="6483872" y="26234"/>
+                  <a:pt x="6702301" y="0"/>
+                </a:cubicBezTo>
+                <a:cubicBezTo>
+                  <a:pt x="6920730" y="-26234"/>
+                  <a:pt x="6991194" y="-15156"/>
+                  <a:pt x="7272132" y="0"/>
+                </a:cubicBezTo>
+                <a:cubicBezTo>
+                  <a:pt x="7553070" y="15156"/>
+                  <a:pt x="7684444" y="-32961"/>
+                  <a:pt x="7950502" y="0"/>
+                </a:cubicBezTo>
+                <a:cubicBezTo>
+                  <a:pt x="8216560" y="32961"/>
+                  <a:pt x="8493290" y="-10491"/>
+                  <a:pt x="8737412" y="0"/>
+                </a:cubicBezTo>
+                <a:cubicBezTo>
+                  <a:pt x="8981534" y="10491"/>
+                  <a:pt x="9191586" y="-13899"/>
+                  <a:pt x="9524322" y="0"/>
+                </a:cubicBezTo>
+                <a:cubicBezTo>
+                  <a:pt x="9857058" y="13899"/>
+                  <a:pt x="10297509" y="7485"/>
+                  <a:pt x="10853928" y="0"/>
+                </a:cubicBezTo>
+                <a:cubicBezTo>
+                  <a:pt x="10854574" y="4451"/>
+                  <a:pt x="10854418" y="9226"/>
+                  <a:pt x="10853928" y="18288"/>
+                </a:cubicBezTo>
+                <a:cubicBezTo>
+                  <a:pt x="10691638" y="28522"/>
+                  <a:pt x="10574319" y="29578"/>
+                  <a:pt x="10392636" y="18288"/>
+                </a:cubicBezTo>
+                <a:cubicBezTo>
+                  <a:pt x="10210953" y="6998"/>
+                  <a:pt x="9836277" y="-16742"/>
+                  <a:pt x="9497187" y="18288"/>
+                </a:cubicBezTo>
+                <a:cubicBezTo>
+                  <a:pt x="9158097" y="53318"/>
+                  <a:pt x="9119479" y="30714"/>
+                  <a:pt x="8818817" y="18288"/>
+                </a:cubicBezTo>
+                <a:cubicBezTo>
+                  <a:pt x="8518155" y="5863"/>
+                  <a:pt x="8640037" y="6483"/>
+                  <a:pt x="8466064" y="18288"/>
+                </a:cubicBezTo>
+                <a:cubicBezTo>
+                  <a:pt x="8292091" y="30093"/>
+                  <a:pt x="7997656" y="18914"/>
+                  <a:pt x="7787693" y="18288"/>
+                </a:cubicBezTo>
+                <a:cubicBezTo>
+                  <a:pt x="7577730" y="17662"/>
+                  <a:pt x="7412468" y="21416"/>
+                  <a:pt x="7217862" y="18288"/>
+                </a:cubicBezTo>
+                <a:cubicBezTo>
+                  <a:pt x="7023256" y="15160"/>
+                  <a:pt x="6898018" y="14824"/>
+                  <a:pt x="6648031" y="18288"/>
+                </a:cubicBezTo>
+                <a:cubicBezTo>
+                  <a:pt x="6398044" y="21752"/>
+                  <a:pt x="6254402" y="38625"/>
+                  <a:pt x="6078200" y="18288"/>
+                </a:cubicBezTo>
+                <a:cubicBezTo>
+                  <a:pt x="5901998" y="-2049"/>
+                  <a:pt x="5622886" y="3213"/>
+                  <a:pt x="5508368" y="18288"/>
+                </a:cubicBezTo>
+                <a:cubicBezTo>
+                  <a:pt x="5393850" y="33363"/>
+                  <a:pt x="5036260" y="26830"/>
+                  <a:pt x="4721459" y="18288"/>
+                </a:cubicBezTo>
+                <a:cubicBezTo>
+                  <a:pt x="4406658" y="9746"/>
+                  <a:pt x="4239221" y="41551"/>
+                  <a:pt x="4043088" y="18288"/>
+                </a:cubicBezTo>
+                <a:cubicBezTo>
+                  <a:pt x="3846955" y="-4975"/>
+                  <a:pt x="3818802" y="34658"/>
+                  <a:pt x="3690336" y="18288"/>
+                </a:cubicBezTo>
+                <a:cubicBezTo>
+                  <a:pt x="3561870" y="1918"/>
+                  <a:pt x="3265491" y="42194"/>
+                  <a:pt x="3120504" y="18288"/>
+                </a:cubicBezTo>
+                <a:cubicBezTo>
+                  <a:pt x="2975517" y="-5618"/>
+                  <a:pt x="2720254" y="36673"/>
+                  <a:pt x="2333595" y="18288"/>
+                </a:cubicBezTo>
+                <a:cubicBezTo>
+                  <a:pt x="1946936" y="-97"/>
+                  <a:pt x="2097241" y="5776"/>
+                  <a:pt x="1872303" y="18288"/>
+                </a:cubicBezTo>
+                <a:cubicBezTo>
+                  <a:pt x="1647365" y="30800"/>
+                  <a:pt x="1282708" y="45380"/>
+                  <a:pt x="976854" y="18288"/>
+                </a:cubicBezTo>
+                <a:cubicBezTo>
+                  <a:pt x="671000" y="-8804"/>
+                  <a:pt x="408401" y="-12775"/>
+                  <a:pt x="0" y="18288"/>
+                </a:cubicBezTo>
+                <a:cubicBezTo>
+                  <a:pt x="-213" y="9468"/>
+                  <a:pt x="187" y="4459"/>
+                  <a:pt x="0" y="0"/>
+                </a:cubicBezTo>
+                <a:close/>
+              </a:path>
+              <a:path w="10853928" h="18288" stroke="0" extrusionOk="0">
+                <a:moveTo>
+                  <a:pt x="0" y="0"/>
+                </a:moveTo>
+                <a:cubicBezTo>
+                  <a:pt x="267322" y="15284"/>
+                  <a:pt x="415388" y="-21048"/>
+                  <a:pt x="569831" y="0"/>
+                </a:cubicBezTo>
+                <a:cubicBezTo>
+                  <a:pt x="724274" y="21048"/>
+                  <a:pt x="769333" y="-2353"/>
+                  <a:pt x="922584" y="0"/>
+                </a:cubicBezTo>
+                <a:cubicBezTo>
+                  <a:pt x="1075835" y="2353"/>
+                  <a:pt x="1399490" y="-145"/>
+                  <a:pt x="1818033" y="0"/>
+                </a:cubicBezTo>
+                <a:cubicBezTo>
+                  <a:pt x="2236576" y="145"/>
+                  <a:pt x="2145330" y="5482"/>
+                  <a:pt x="2387864" y="0"/>
+                </a:cubicBezTo>
+                <a:cubicBezTo>
+                  <a:pt x="2630398" y="-5482"/>
+                  <a:pt x="2793207" y="18487"/>
+                  <a:pt x="2957695" y="0"/>
+                </a:cubicBezTo>
+                <a:cubicBezTo>
+                  <a:pt x="3122183" y="-18487"/>
+                  <a:pt x="3579141" y="19003"/>
+                  <a:pt x="3853144" y="0"/>
+                </a:cubicBezTo>
+                <a:cubicBezTo>
+                  <a:pt x="4127147" y="-19003"/>
+                  <a:pt x="4209857" y="12211"/>
+                  <a:pt x="4314436" y="0"/>
+                </a:cubicBezTo>
+                <a:cubicBezTo>
+                  <a:pt x="4419015" y="-12211"/>
+                  <a:pt x="4762459" y="-17220"/>
+                  <a:pt x="5209885" y="0"/>
+                </a:cubicBezTo>
+                <a:cubicBezTo>
+                  <a:pt x="5657311" y="17220"/>
+                  <a:pt x="5692663" y="-3290"/>
+                  <a:pt x="6105335" y="0"/>
+                </a:cubicBezTo>
+                <a:cubicBezTo>
+                  <a:pt x="6518007" y="3290"/>
+                  <a:pt x="6455516" y="-5124"/>
+                  <a:pt x="6783705" y="0"/>
+                </a:cubicBezTo>
+                <a:cubicBezTo>
+                  <a:pt x="7111894" y="5124"/>
+                  <a:pt x="7441941" y="-17829"/>
+                  <a:pt x="7679154" y="0"/>
+                </a:cubicBezTo>
+                <a:cubicBezTo>
+                  <a:pt x="7916367" y="17829"/>
+                  <a:pt x="8102967" y="-24363"/>
+                  <a:pt x="8248985" y="0"/>
+                </a:cubicBezTo>
+                <a:cubicBezTo>
+                  <a:pt x="8395003" y="24363"/>
+                  <a:pt x="8552393" y="25505"/>
+                  <a:pt x="8818817" y="0"/>
+                </a:cubicBezTo>
+                <a:cubicBezTo>
+                  <a:pt x="9085241" y="-25505"/>
+                  <a:pt x="9411308" y="38000"/>
+                  <a:pt x="9605726" y="0"/>
+                </a:cubicBezTo>
+                <a:cubicBezTo>
+                  <a:pt x="9800144" y="-38000"/>
+                  <a:pt x="10006468" y="-25741"/>
+                  <a:pt x="10175558" y="0"/>
+                </a:cubicBezTo>
+                <a:cubicBezTo>
+                  <a:pt x="10344648" y="25741"/>
+                  <a:pt x="10696282" y="695"/>
+                  <a:pt x="10853928" y="0"/>
+                </a:cubicBezTo>
+                <a:cubicBezTo>
+                  <a:pt x="10853521" y="8690"/>
+                  <a:pt x="10853774" y="14141"/>
+                  <a:pt x="10853928" y="18288"/>
+                </a:cubicBezTo>
+                <a:cubicBezTo>
+                  <a:pt x="10608124" y="24255"/>
+                  <a:pt x="10343415" y="22307"/>
+                  <a:pt x="10067018" y="18288"/>
+                </a:cubicBezTo>
+                <a:cubicBezTo>
+                  <a:pt x="9790621" y="14270"/>
+                  <a:pt x="9843266" y="3564"/>
+                  <a:pt x="9714266" y="18288"/>
+                </a:cubicBezTo>
+                <a:cubicBezTo>
+                  <a:pt x="9585266" y="33012"/>
+                  <a:pt x="9379484" y="1875"/>
+                  <a:pt x="9252974" y="18288"/>
+                </a:cubicBezTo>
+                <a:cubicBezTo>
+                  <a:pt x="9126464" y="34701"/>
+                  <a:pt x="8580678" y="-4904"/>
+                  <a:pt x="8357525" y="18288"/>
+                </a:cubicBezTo>
+                <a:cubicBezTo>
+                  <a:pt x="8134372" y="41480"/>
+                  <a:pt x="7903199" y="26458"/>
+                  <a:pt x="7679154" y="18288"/>
+                </a:cubicBezTo>
+                <a:cubicBezTo>
+                  <a:pt x="7455109" y="10118"/>
+                  <a:pt x="7435944" y="27109"/>
+                  <a:pt x="7217862" y="18288"/>
+                </a:cubicBezTo>
+                <a:cubicBezTo>
+                  <a:pt x="6999780" y="9467"/>
+                  <a:pt x="6680409" y="18985"/>
+                  <a:pt x="6539492" y="18288"/>
+                </a:cubicBezTo>
+                <a:cubicBezTo>
+                  <a:pt x="6398575" y="17592"/>
+                  <a:pt x="6312077" y="33018"/>
+                  <a:pt x="6186739" y="18288"/>
+                </a:cubicBezTo>
+                <a:cubicBezTo>
+                  <a:pt x="6061401" y="3558"/>
+                  <a:pt x="5947033" y="12075"/>
+                  <a:pt x="5833986" y="18288"/>
+                </a:cubicBezTo>
+                <a:cubicBezTo>
+                  <a:pt x="5720939" y="24501"/>
+                  <a:pt x="5482226" y="8586"/>
+                  <a:pt x="5155616" y="18288"/>
+                </a:cubicBezTo>
+                <a:cubicBezTo>
+                  <a:pt x="4829006" y="27991"/>
+                  <a:pt x="4841274" y="29316"/>
+                  <a:pt x="4694324" y="18288"/>
+                </a:cubicBezTo>
+                <a:cubicBezTo>
+                  <a:pt x="4547374" y="7260"/>
+                  <a:pt x="4077675" y="7013"/>
+                  <a:pt x="3907414" y="18288"/>
+                </a:cubicBezTo>
+                <a:cubicBezTo>
+                  <a:pt x="3737153" y="29564"/>
+                  <a:pt x="3538393" y="21630"/>
+                  <a:pt x="3446122" y="18288"/>
+                </a:cubicBezTo>
+                <a:cubicBezTo>
+                  <a:pt x="3353851" y="14946"/>
+                  <a:pt x="2990320" y="-8091"/>
+                  <a:pt x="2659212" y="18288"/>
+                </a:cubicBezTo>
+                <a:cubicBezTo>
+                  <a:pt x="2328104" y="44667"/>
+                  <a:pt x="2427653" y="9607"/>
+                  <a:pt x="2306460" y="18288"/>
+                </a:cubicBezTo>
+                <a:cubicBezTo>
+                  <a:pt x="2185267" y="26969"/>
+                  <a:pt x="1719763" y="3717"/>
+                  <a:pt x="1519550" y="18288"/>
+                </a:cubicBezTo>
+                <a:cubicBezTo>
+                  <a:pt x="1319337" y="32860"/>
+                  <a:pt x="1167371" y="17040"/>
+                  <a:pt x="1058258" y="18288"/>
+                </a:cubicBezTo>
+                <a:cubicBezTo>
+                  <a:pt x="949145" y="19536"/>
+                  <a:pt x="780234" y="31447"/>
+                  <a:pt x="705505" y="18288"/>
+                </a:cubicBezTo>
+                <a:cubicBezTo>
+                  <a:pt x="630776" y="5129"/>
+                  <a:pt x="215796" y="30056"/>
+                  <a:pt x="0" y="18288"/>
+                </a:cubicBezTo>
+                <a:cubicBezTo>
+                  <a:pt x="-53" y="11301"/>
+                  <a:pt x="-649" y="7756"/>
+                  <a:pt x="0" y="0"/>
+                </a:cubicBezTo>
+                <a:close/>
+              </a:path>
+            </a:pathLst>
+          </a:custGeom>
+          <a:solidFill>
+            <a:schemeClr val="accent2"/>
+          </a:solidFill>
+          <a:ln w="41275" cap="rnd">
+            <a:solidFill>
+              <a:schemeClr val="accent2"/>
+            </a:solidFill>
+            <a:round/>
+            <a:extLst>
+              <a:ext uri="{C807C97D-BFC1-408E-A445-0C87EB9F89A2}">
+                <ask:lineSketchStyleProps xmlns:ask="http://schemas.microsoft.com/office/drawing/2018/sketchyshapes" sd="1219033472">
+                  <a:prstGeom prst="rect">
+                    <a:avLst/>
+                  </a:prstGeom>
+                  <ask:type>
+                    <ask:lineSketchFreehand/>
+                  </ask:type>
+                </ask:lineSketchStyleProps>
+              </a:ext>
+            </a:extLst>
+          </a:ln>
+        </p:spPr>
+        <p:style>
+          <a:lnRef idx="2">
+            <a:schemeClr val="accent1">
+              <a:shade val="50000"/>
+            </a:schemeClr>
+          </a:lnRef>
+          <a:fillRef idx="1">
+            <a:schemeClr val="accent1"/>
+          </a:fillRef>
+          <a:effectRef idx="0">
+            <a:schemeClr val="accent1"/>
+          </a:effectRef>
+          <a:fontRef idx="minor">
+            <a:schemeClr val="lt1"/>
+          </a:fontRef>
+        </p:style>
+        <p:txBody>
+          <a:bodyPr rtlCol="0" anchor="ctr"/>
+          <a:lstStyle/>
+          <a:p>
+            <a:pPr algn="ctr"/>
+            <a:endParaRPr lang="en-US"/>
+          </a:p>
+        </p:txBody>
+      </p:sp>
+      <mc:AlternateContent xmlns:mc="http://schemas.openxmlformats.org/markup-compatibility/2006">
+        <mc:Choice xmlns:a14="http://schemas.microsoft.com/office/drawing/2010/main" Requires="a14">
+          <p:sp>
+            <p:nvSpPr>
+              <p:cNvPr id="3" name="Symbol zastępczy zawartości 2"/>
+              <p:cNvSpPr>
+                <a:spLocks noGrp="1"/>
+              </p:cNvSpPr>
+              <p:nvPr>
+                <p:ph idx="1"/>
+              </p:nvPr>
+            </p:nvSpPr>
+            <p:spPr>
+              <a:xfrm>
+                <a:off x="838200" y="1929384"/>
+                <a:ext cx="10515600" cy="4251960"/>
+              </a:xfrm>
+            </p:spPr>
+            <p:txBody>
+              <a:bodyPr anchor="ctr">
+                <a:normAutofit/>
+              </a:bodyPr>
+              <a:lstStyle/>
+              <a:p>
+                <a:pPr marL="514350" indent="-514350">
+                  <a:buFont typeface="+mj-lt"/>
+                  <a:buAutoNum type="arabicPeriod"/>
+                </a:pPr>
+                <a:r>
+                  <a:rPr lang="pl-PL" sz="2200" dirty="0"/>
+                  <a:t>Stwórz listę liczb od </a:t>
+                </a:r>
+                <a14:m>
+                  <m:oMath xmlns:m="http://schemas.openxmlformats.org/officeDocument/2006/math">
+                    <m:r>
+                      <a:rPr lang="pl-PL" sz="2200" i="1" dirty="0" smtClean="0">
+                        <a:latin typeface="Cambria Math" panose="02040503050406030204" pitchFamily="18" charset="0"/>
+                      </a:rPr>
+                      <m:t>1</m:t>
+                    </m:r>
+                  </m:oMath>
+                </a14:m>
+                <a:r>
+                  <a:rPr lang="pl-PL" sz="2200" dirty="0"/>
+                  <a:t> do </a:t>
+                </a:r>
+                <a14:m>
+                  <m:oMath xmlns:m="http://schemas.openxmlformats.org/officeDocument/2006/math">
+                    <m:r>
+                      <a:rPr lang="pl-PL" sz="2200" i="1" dirty="0" smtClean="0">
+                        <a:latin typeface="Cambria Math" panose="02040503050406030204" pitchFamily="18" charset="0"/>
+                      </a:rPr>
+                      <m:t>𝑛</m:t>
+                    </m:r>
+                  </m:oMath>
+                </a14:m>
+                <a:endParaRPr lang="pl-PL" sz="2200" dirty="0"/>
+              </a:p>
+              <a:p>
+                <a:pPr marL="514350" indent="-514350">
+                  <a:buFont typeface="+mj-lt"/>
+                  <a:buAutoNum type="arabicPeriod"/>
+                </a:pPr>
+                <a:r>
+                  <a:rPr lang="pl-PL" sz="2200" dirty="0"/>
+                  <a:t>Skreśl z listy liczbę </a:t>
+                </a:r>
+                <a14:m>
+                  <m:oMath xmlns:m="http://schemas.openxmlformats.org/officeDocument/2006/math">
+                    <m:r>
+                      <a:rPr lang="pl-PL" sz="2200" i="1" dirty="0" smtClean="0">
+                        <a:latin typeface="Cambria Math" panose="02040503050406030204" pitchFamily="18" charset="0"/>
+                      </a:rPr>
+                      <m:t>1</m:t>
+                    </m:r>
+                  </m:oMath>
+                </a14:m>
+                <a:endParaRPr lang="pl-PL" sz="2200" dirty="0"/>
+              </a:p>
+              <a:p>
+                <a:pPr marL="514350" indent="-514350">
+                  <a:buFont typeface="+mj-lt"/>
+                  <a:buAutoNum type="arabicPeriod"/>
+                </a:pPr>
+                <a:r>
+                  <a:rPr lang="pl-PL" sz="2200" dirty="0"/>
+                  <a:t>Od </a:t>
+                </a:r>
+                <a14:m>
+                  <m:oMath xmlns:m="http://schemas.openxmlformats.org/officeDocument/2006/math">
+                    <m:r>
+                      <a:rPr lang="pl-PL" sz="2200" i="1" dirty="0" smtClean="0">
+                        <a:latin typeface="Cambria Math" panose="02040503050406030204" pitchFamily="18" charset="0"/>
+                      </a:rPr>
+                      <m:t>𝑖</m:t>
+                    </m:r>
+                    <m:r>
+                      <a:rPr lang="pl-PL" sz="2200" i="1" dirty="0" smtClean="0">
+                        <a:latin typeface="Cambria Math" panose="02040503050406030204" pitchFamily="18" charset="0"/>
+                      </a:rPr>
+                      <m:t> := 2</m:t>
+                    </m:r>
+                  </m:oMath>
+                </a14:m>
+                <a:r>
+                  <a:rPr lang="pl-PL" sz="2200" dirty="0"/>
+                  <a:t> do </a:t>
+                </a:r>
+                <a14:m>
+                  <m:oMath xmlns:m="http://schemas.openxmlformats.org/officeDocument/2006/math">
+                    <m:r>
+                      <a:rPr lang="pl-PL" sz="2200" i="1" dirty="0" smtClean="0">
+                        <a:latin typeface="Cambria Math" panose="02040503050406030204" pitchFamily="18" charset="0"/>
+                      </a:rPr>
+                      <m:t>𝑛</m:t>
+                    </m:r>
+                  </m:oMath>
+                </a14:m>
+                <a:r>
+                  <a:rPr lang="pl-PL" sz="2200" dirty="0"/>
+                  <a:t>, wykonuj:</a:t>
+                </a:r>
+              </a:p>
+              <a:p>
+                <a:pPr marL="914400" lvl="1" indent="-457200">
+                  <a:buFont typeface="+mj-lt"/>
+                  <a:buAutoNum type="arabicPeriod" startAt="4"/>
+                </a:pPr>
+                <a:r>
+                  <a:rPr lang="pl-PL" sz="2200" dirty="0"/>
+                  <a:t>Jeżeli liczba </a:t>
+                </a:r>
+                <a14:m>
+                  <m:oMath xmlns:m="http://schemas.openxmlformats.org/officeDocument/2006/math">
+                    <m:r>
+                      <a:rPr lang="pl-PL" sz="2200" i="1" dirty="0" smtClean="0">
+                        <a:latin typeface="Cambria Math" panose="02040503050406030204" pitchFamily="18" charset="0"/>
+                      </a:rPr>
+                      <m:t>𝑖</m:t>
+                    </m:r>
+                  </m:oMath>
+                </a14:m>
+                <a:r>
+                  <a:rPr lang="pl-PL" sz="2200" dirty="0"/>
+                  <a:t> na liście nie jest skreślona, to:</a:t>
+                </a:r>
+              </a:p>
+              <a:p>
+                <a:pPr marL="1428750" lvl="2" indent="-514350">
+                  <a:buFont typeface="+mj-lt"/>
+                  <a:buAutoNum type="arabicPeriod" startAt="5"/>
+                </a:pPr>
+                <a:r>
+                  <a:rPr lang="pl-PL" sz="2200" dirty="0"/>
+                  <a:t>Wykreśl z listy wszystkie wielokrotności liczby </a:t>
+                </a:r>
+                <a14:m>
+                  <m:oMath xmlns:m="http://schemas.openxmlformats.org/officeDocument/2006/math">
+                    <m:r>
+                      <a:rPr lang="pl-PL" sz="2200" i="1" dirty="0" smtClean="0">
+                        <a:latin typeface="Cambria Math" panose="02040503050406030204" pitchFamily="18" charset="0"/>
+                      </a:rPr>
+                      <m:t>𝑖</m:t>
+                    </m:r>
+                  </m:oMath>
+                </a14:m>
+                <a:r>
+                  <a:rPr lang="pl-PL" sz="2200" dirty="0"/>
+                  <a:t> poczynając od </a:t>
+                </a:r>
+                <a14:m>
+                  <m:oMath xmlns:m="http://schemas.openxmlformats.org/officeDocument/2006/math">
+                    <m:r>
+                      <a:rPr lang="pl-PL" sz="2200" i="1" dirty="0" smtClean="0">
+                        <a:latin typeface="Cambria Math" panose="02040503050406030204" pitchFamily="18" charset="0"/>
+                      </a:rPr>
+                      <m:t>2∗</m:t>
+                    </m:r>
+                    <m:r>
+                      <a:rPr lang="pl-PL" sz="2200" i="1" dirty="0" smtClean="0">
+                        <a:latin typeface="Cambria Math" panose="02040503050406030204" pitchFamily="18" charset="0"/>
+                      </a:rPr>
+                      <m:t>𝑖</m:t>
+                    </m:r>
+                  </m:oMath>
+                </a14:m>
+                <a:endParaRPr lang="pl-PL" sz="2200" dirty="0"/>
+              </a:p>
+              <a:p>
+                <a:pPr marL="514350" indent="-514350">
+                  <a:buFont typeface="+mj-lt"/>
+                  <a:buAutoNum type="arabicPeriod" startAt="6"/>
+                </a:pPr>
+                <a:r>
+                  <a:rPr lang="pl-PL" sz="2200" dirty="0"/>
+                  <a:t>Wypisz z listy wszystkie nieskreślone wartości</a:t>
+                </a:r>
+              </a:p>
+            </p:txBody>
+          </p:sp>
+        </mc:Choice>
+        <mc:Fallback>
+          <p:sp>
+            <p:nvSpPr>
+              <p:cNvPr id="3" name="Symbol zastępczy zawartości 2"/>
+              <p:cNvSpPr>
+                <a:spLocks noGrp="1" noRot="1" noChangeAspect="1" noMove="1" noResize="1" noEditPoints="1" noAdjustHandles="1" noChangeArrowheads="1" noChangeShapeType="1" noTextEdit="1"/>
+              </p:cNvSpPr>
+              <p:nvPr>
+                <p:ph idx="1"/>
+              </p:nvPr>
+            </p:nvSpPr>
+            <p:spPr>
+              <a:xfrm>
+                <a:off x="838200" y="1929384"/>
+                <a:ext cx="10515600" cy="4251960"/>
+              </a:xfrm>
+              <a:blipFill>
+                <a:blip r:embed="rId2"/>
+                <a:stretch>
+                  <a:fillRect l="-812"/>
+                </a:stretch>
+              </a:blipFill>
+            </p:spPr>
+            <p:txBody>
+              <a:bodyPr/>
+              <a:lstStyle/>
+              <a:p>
+                <a:r>
+                  <a:rPr lang="en-US">
+                    <a:noFill/>
+                  </a:rPr>
+                  <a:t> </a:t>
+                </a:r>
+              </a:p>
+            </p:txBody>
+          </p:sp>
+        </mc:Fallback>
+      </mc:AlternateContent>
+    </p:spTree>
+    <p:extLst>
+      <p:ext uri="{BB962C8B-B14F-4D97-AF65-F5344CB8AC3E}">
+        <p14:creationId xmlns:p14="http://schemas.microsoft.com/office/powerpoint/2010/main" val="1996850936"/>
+      </p:ext>
+    </p:extLst>
+  </p:cSld>
+  <p:clrMapOvr>
+    <a:masterClrMapping/>
+  </p:clrMapOvr>
+</p:sld>
+</file>
+
+<file path=ppt/slides/slide5.xml><?xml version="1.0" encoding="utf-8"?>
+<p:sld xmlns:a="http://schemas.openxmlformats.org/drawingml/2006/main" xmlns:r="http://schemas.openxmlformats.org/officeDocument/2006/relationships" xmlns:p="http://schemas.openxmlformats.org/presentationml/2006/main">
+  <p:cSld>
+    <p:bg>
+      <p:bgPr>
+        <a:solidFill>
+          <a:srgbClr val="000000"/>
+        </a:solidFill>
+        <a:effectLst/>
+      </p:bgPr>
+    </p:bg>
     <p:spTree>
       <p:nvGrpSpPr>
         <p:cNvPr id="1" name=""/>
@@ -20040,134 +25829,98 @@
       </p:grpSpPr>
       <p:sp>
         <p:nvSpPr>
-          <p:cNvPr id="2" name="Tytuł 1"/>
+          <p:cNvPr id="9" name="Rectangle 8">
+            <a:extLst>
+              <a:ext uri="{FF2B5EF4-FFF2-40B4-BE49-F238E27FC236}">
+                <a16:creationId xmlns:a16="http://schemas.microsoft.com/office/drawing/2014/main" id="{71B2258F-86CA-4D4D-8270-BC05FCDEBFB3}"/>
+              </a:ext>
+              <a:ext uri="{C183D7F6-B498-43B3-948B-1728B52AA6E4}">
+                <adec:decorative xmlns:adec="http://schemas.microsoft.com/office/drawing/2017/decorative" val="1"/>
+              </a:ext>
+            </a:extLst>
+          </p:cNvPr>
           <p:cNvSpPr>
-            <a:spLocks noGrp="1"/>
+            <a:spLocks noGrp="1" noRot="1" noChangeAspect="1" noMove="1" noResize="1" noEditPoints="1" noAdjustHandles="1" noChangeArrowheads="1" noChangeShapeType="1" noTextEdit="1"/>
           </p:cNvSpPr>
           <p:nvPr>
-            <p:ph type="title"/>
+            <p:extLst>
+              <p:ext uri="{386F3935-93C4-4BCD-93E2-E3B085C9AB24}">
+                <p16:designElem xmlns:p16="http://schemas.microsoft.com/office/powerpoint/2015/main" val="1"/>
+              </p:ext>
+            </p:extLst>
           </p:nvPr>
         </p:nvSpPr>
-        <p:spPr/>
+        <p:spPr>
+          <a:xfrm>
+            <a:off x="0" y="0"/>
+            <a:ext cx="12192000" cy="6857999"/>
+          </a:xfrm>
+          <a:prstGeom prst="rect">
+            <a:avLst/>
+          </a:prstGeom>
+          <a:solidFill>
+            <a:srgbClr val="000000"/>
+          </a:solidFill>
+          <a:ln>
+            <a:noFill/>
+          </a:ln>
+        </p:spPr>
+        <p:style>
+          <a:lnRef idx="2">
+            <a:schemeClr val="accent1">
+              <a:shade val="50000"/>
+            </a:schemeClr>
+          </a:lnRef>
+          <a:fillRef idx="1">
+            <a:schemeClr val="accent1"/>
+          </a:fillRef>
+          <a:effectRef idx="0">
+            <a:schemeClr val="accent1"/>
+          </a:effectRef>
+          <a:fontRef idx="minor">
+            <a:schemeClr val="lt1"/>
+          </a:fontRef>
+        </p:style>
         <p:txBody>
-          <a:bodyPr/>
+          <a:bodyPr rtlCol="0" anchor="ctr"/>
           <a:lstStyle/>
           <a:p>
-            <a:r>
-              <a:rPr lang="pl-PL" dirty="0"/>
-              <a:t>Algorytm</a:t>
-            </a:r>
+            <a:pPr algn="ctr"/>
+            <a:endParaRPr lang="en-US"/>
           </a:p>
         </p:txBody>
       </p:sp>
-      <p:sp>
-        <p:nvSpPr>
-          <p:cNvPr id="3" name="Symbol zastępczy zawartości 2"/>
-          <p:cNvSpPr>
-            <a:spLocks noGrp="1"/>
-          </p:cNvSpPr>
-          <p:nvPr>
-            <p:ph idx="1"/>
-          </p:nvPr>
-        </p:nvSpPr>
-        <p:spPr/>
-        <p:txBody>
-          <a:bodyPr>
-            <a:normAutofit/>
-          </a:bodyPr>
-          <a:lstStyle/>
-          <a:p>
-            <a:pPr marL="514350" indent="-514350">
-              <a:buFont typeface="+mj-lt"/>
-              <a:buAutoNum type="arabicPeriod"/>
-            </a:pPr>
-            <a:r>
-              <a:rPr lang="pl-PL" dirty="0"/>
-              <a:t>Stwórz listę liczb od 1 do n</a:t>
-            </a:r>
-          </a:p>
-          <a:p>
-            <a:pPr marL="514350" indent="-514350">
-              <a:buFont typeface="+mj-lt"/>
-              <a:buAutoNum type="arabicPeriod"/>
-            </a:pPr>
-            <a:r>
-              <a:rPr lang="pl-PL" dirty="0"/>
-              <a:t>Skreśl z listy liczbę 1</a:t>
-            </a:r>
-          </a:p>
-          <a:p>
-            <a:pPr marL="514350" indent="-514350">
-              <a:buFont typeface="+mj-lt"/>
-              <a:buAutoNum type="arabicPeriod"/>
-            </a:pPr>
-            <a:r>
-              <a:rPr lang="pl-PL" dirty="0"/>
-              <a:t>Od i = 2 do n, wykonuj:</a:t>
-            </a:r>
-          </a:p>
-          <a:p>
-            <a:pPr marL="971550" lvl="1" indent="-514350">
-              <a:buFont typeface="+mj-lt"/>
-              <a:buAutoNum type="arabicPeriod"/>
-            </a:pPr>
-            <a:r>
-              <a:rPr lang="pl-PL" sz="2800" dirty="0"/>
-              <a:t>Jeżeli liczba i na liście nie jest skreślona, to:</a:t>
-            </a:r>
-          </a:p>
-          <a:p>
-            <a:pPr marL="1428750" lvl="2" indent="-514350">
-              <a:buFont typeface="+mj-lt"/>
-              <a:buAutoNum type="arabicPeriod"/>
-            </a:pPr>
-            <a:r>
-              <a:rPr lang="pl-PL" sz="2800" dirty="0"/>
-              <a:t>Wykreśl z listy wszystkie wielokrotności liczby i poczynając od 2*i</a:t>
-            </a:r>
-          </a:p>
-          <a:p>
-            <a:pPr marL="514350" indent="-514350">
-              <a:buFont typeface="+mj-lt"/>
-              <a:buAutoNum type="arabicPeriod"/>
-            </a:pPr>
-            <a:r>
-              <a:rPr lang="pl-PL" dirty="0"/>
-              <a:t>Wypisz z listy wszystkie nieskreślone wartości</a:t>
-            </a:r>
-          </a:p>
-        </p:txBody>
-      </p:sp>
-    </p:spTree>
-    <p:extLst>
-      <p:ext uri="{BB962C8B-B14F-4D97-AF65-F5344CB8AC3E}">
-        <p14:creationId xmlns:p14="http://schemas.microsoft.com/office/powerpoint/2010/main" val="1996850936"/>
-      </p:ext>
-    </p:extLst>
-  </p:cSld>
-  <p:clrMapOvr>
-    <a:masterClrMapping/>
-  </p:clrMapOvr>
-</p:sld>
-</file>
-
-<file path=ppt/slides/slide5.xml><?xml version="1.0" encoding="utf-8"?>
-<p:sld xmlns:a="http://schemas.openxmlformats.org/drawingml/2006/main" xmlns:r="http://schemas.openxmlformats.org/officeDocument/2006/relationships" xmlns:p="http://schemas.openxmlformats.org/presentationml/2006/main">
-  <p:cSld>
-    <p:spTree>
-      <p:nvGrpSpPr>
-        <p:cNvPr id="1" name=""/>
-        <p:cNvGrpSpPr/>
-        <p:nvPr/>
-      </p:nvGrpSpPr>
-      <p:grpSpPr>
-        <a:xfrm>
-          <a:off x="0" y="0"/>
-          <a:ext cx="0" cy="0"/>
-          <a:chOff x="0" y="0"/>
-          <a:chExt cx="0" cy="0"/>
-        </a:xfrm>
-      </p:grpSpPr>
+      <p:pic>
+        <p:nvPicPr>
+          <p:cNvPr id="5" name="Picture 4" descr="Różne numery w 3D">
+            <a:extLst>
+              <a:ext uri="{FF2B5EF4-FFF2-40B4-BE49-F238E27FC236}">
+                <a16:creationId xmlns:a16="http://schemas.microsoft.com/office/drawing/2014/main" id="{2453B9D2-0E90-591A-3BB1-844537F95F55}"/>
+              </a:ext>
+            </a:extLst>
+          </p:cNvPr>
+          <p:cNvPicPr>
+            <a:picLocks noChangeAspect="1"/>
+          </p:cNvPicPr>
+          <p:nvPr/>
+        </p:nvPicPr>
+        <p:blipFill rotWithShape="1">
+          <a:blip r:embed="rId2">
+            <a:alphaModFix amt="50000"/>
+          </a:blip>
+          <a:srcRect/>
+          <a:stretch/>
+        </p:blipFill>
+        <p:spPr>
+          <a:xfrm>
+            <a:off x="20" y="1"/>
+            <a:ext cx="12191980" cy="6857999"/>
+          </a:xfrm>
+          <a:prstGeom prst="rect">
+            <a:avLst/>
+          </a:prstGeom>
+        </p:spPr>
+      </p:pic>
       <p:sp>
         <p:nvSpPr>
           <p:cNvPr id="2" name="Tytuł 1"/>
@@ -20178,40 +25931,159 @@
             <p:ph type="title"/>
           </p:nvPr>
         </p:nvSpPr>
-        <p:spPr/>
+        <p:spPr>
+          <a:xfrm>
+            <a:off x="1524000" y="1122362"/>
+            <a:ext cx="9144000" cy="2900518"/>
+          </a:xfrm>
+        </p:spPr>
         <p:txBody>
-          <a:bodyPr/>
+          <a:bodyPr vert="horz" lIns="91440" tIns="45720" rIns="91440" bIns="45720" rtlCol="0" anchor="b">
+            <a:normAutofit/>
+          </a:bodyPr>
           <a:lstStyle/>
           <a:p>
-            <a:r>
-              <a:rPr lang="pl-PL" dirty="0"/>
+            <a:pPr algn="ctr"/>
+            <a:r>
+              <a:rPr lang="en-US" sz="6600" dirty="0" err="1">
+                <a:ln>
+                  <a:solidFill>
+                    <a:schemeClr val="bg1"/>
+                  </a:solidFill>
+                </a:ln>
+                <a:solidFill>
+                  <a:srgbClr val="FFFFFF"/>
+                </a:solidFill>
+              </a:rPr>
               <a:t>Przykład</a:t>
             </a:r>
+            <a:endParaRPr lang="en-US" sz="6600" dirty="0">
+              <a:ln>
+                <a:solidFill>
+                  <a:schemeClr val="bg1"/>
+                </a:solidFill>
+              </a:ln>
+              <a:solidFill>
+                <a:srgbClr val="FFFFFF"/>
+              </a:solidFill>
+            </a:endParaRPr>
           </a:p>
         </p:txBody>
       </p:sp>
-      <p:sp>
-        <p:nvSpPr>
-          <p:cNvPr id="3" name="Symbol zastępczy tekstu 2"/>
-          <p:cNvSpPr>
-            <a:spLocks noGrp="1"/>
-          </p:cNvSpPr>
-          <p:nvPr>
-            <p:ph type="body" idx="1"/>
-          </p:nvPr>
-        </p:nvSpPr>
-        <p:spPr/>
-        <p:txBody>
-          <a:bodyPr/>
-          <a:lstStyle/>
-          <a:p>
-            <a:r>
-              <a:rPr lang="pl-PL" dirty="0"/>
-              <a:t>n = 50</a:t>
-            </a:r>
-          </a:p>
-        </p:txBody>
-      </p:sp>
+      <mc:AlternateContent xmlns:mc="http://schemas.openxmlformats.org/markup-compatibility/2006">
+        <mc:Choice xmlns:a14="http://schemas.microsoft.com/office/drawing/2010/main" Requires="a14">
+          <p:sp>
+            <p:nvSpPr>
+              <p:cNvPr id="3" name="Symbol zastępczy tekstu 2"/>
+              <p:cNvSpPr>
+                <a:spLocks noGrp="1"/>
+              </p:cNvSpPr>
+              <p:nvPr>
+                <p:ph type="body" idx="1"/>
+              </p:nvPr>
+            </p:nvSpPr>
+            <p:spPr>
+              <a:xfrm>
+                <a:off x="1524000" y="4159404"/>
+                <a:ext cx="9144000" cy="1098395"/>
+              </a:xfrm>
+            </p:spPr>
+            <p:txBody>
+              <a:bodyPr vert="horz" lIns="91440" tIns="45720" rIns="91440" bIns="45720" rtlCol="0">
+                <a:normAutofit/>
+              </a:bodyPr>
+              <a:lstStyle/>
+              <a:p>
+                <a:pPr algn="ctr"/>
+                <a14:m>
+                  <m:oMathPara xmlns:m="http://schemas.openxmlformats.org/officeDocument/2006/math">
+                    <m:oMathParaPr>
+                      <m:jc m:val="centerGroup"/>
+                    </m:oMathParaPr>
+                    <m:oMath xmlns:m="http://schemas.openxmlformats.org/officeDocument/2006/math">
+                      <m:r>
+                        <a:rPr lang="en-US" sz="5400" i="1" dirty="0" smtClean="0">
+                          <a:ln>
+                            <a:solidFill>
+                              <a:schemeClr val="bg1"/>
+                            </a:solidFill>
+                          </a:ln>
+                          <a:solidFill>
+                            <a:srgbClr val="FFFFFF"/>
+                          </a:solidFill>
+                          <a:latin typeface="Cambria Math" panose="02040503050406030204" pitchFamily="18" charset="0"/>
+                        </a:rPr>
+                        <m:t>𝑛</m:t>
+                      </m:r>
+                      <m:r>
+                        <a:rPr lang="en-US" sz="5400" i="1" dirty="0" smtClean="0">
+                          <a:ln>
+                            <a:solidFill>
+                              <a:schemeClr val="bg1"/>
+                            </a:solidFill>
+                          </a:ln>
+                          <a:solidFill>
+                            <a:srgbClr val="FFFFFF"/>
+                          </a:solidFill>
+                          <a:latin typeface="Cambria Math" panose="02040503050406030204" pitchFamily="18" charset="0"/>
+                        </a:rPr>
+                        <m:t> = 50</m:t>
+                      </m:r>
+                    </m:oMath>
+                  </m:oMathPara>
+                </a14:m>
+                <a:endParaRPr lang="en-US" sz="5400" dirty="0">
+                  <a:ln>
+                    <a:solidFill>
+                      <a:schemeClr val="bg1"/>
+                    </a:solidFill>
+                  </a:ln>
+                  <a:solidFill>
+                    <a:srgbClr val="FFFFFF"/>
+                  </a:solidFill>
+                </a:endParaRPr>
+              </a:p>
+            </p:txBody>
+          </p:sp>
+        </mc:Choice>
+        <mc:Fallback>
+          <p:sp>
+            <p:nvSpPr>
+              <p:cNvPr id="3" name="Symbol zastępczy tekstu 2"/>
+              <p:cNvSpPr>
+                <a:spLocks noGrp="1" noRot="1" noChangeAspect="1" noMove="1" noResize="1" noEditPoints="1" noAdjustHandles="1" noChangeArrowheads="1" noChangeShapeType="1" noTextEdit="1"/>
+              </p:cNvSpPr>
+              <p:nvPr>
+                <p:ph type="body" idx="1"/>
+              </p:nvPr>
+            </p:nvSpPr>
+            <p:spPr>
+              <a:xfrm>
+                <a:off x="1524000" y="4159404"/>
+                <a:ext cx="9144000" cy="1098395"/>
+              </a:xfrm>
+              <a:blipFill>
+                <a:blip r:embed="rId3"/>
+                <a:stretch>
+                  <a:fillRect/>
+                </a:stretch>
+              </a:blipFill>
+            </p:spPr>
+            <p:txBody>
+              <a:bodyPr/>
+              <a:lstStyle/>
+              <a:p>
+                <a:r>
+                  <a:rPr lang="en-US">
+                    <a:noFill/>
+                  </a:rPr>
+                  <a:t> </a:t>
+                </a:r>
+              </a:p>
+            </p:txBody>
+          </p:sp>
+        </mc:Fallback>
+      </mc:AlternateContent>
     </p:spTree>
     <p:extLst>
       <p:ext uri="{BB962C8B-B14F-4D97-AF65-F5344CB8AC3E}">
@@ -20220,7 +26092,7 @@
     </p:extLst>
   </p:cSld>
   <p:clrMapOvr>
-    <a:masterClrMapping/>
+    <a:overrideClrMapping bg1="dk1" tx1="lt1" bg2="dk2" tx2="lt2" accent1="accent1" accent2="accent2" accent3="accent3" accent4="accent4" accent5="accent5" accent6="accent6" hlink="hlink" folHlink="folHlink"/>
   </p:clrMapOvr>
 </p:sld>
 </file>
